--- a/pdf/hpec21-iris-slide.pptx
+++ b/pdf/hpec21-iris-slide.pptx
@@ -228,7 +228,7 @@
               <a:rPr lang="en-US" smtClean="0">
                 <a:latin typeface="+mn-lt"/>
               </a:rPr>
-              <a:t>9/20/21</a:t>
+              <a:t>9/28/21</a:t>
             </a:fld>
             <a:endParaRPr lang="en-US" dirty="0">
               <a:latin typeface="+mn-lt"/>
@@ -348,7 +348,7 @@
             <a:fld id="{D7992059-949A-4D84-A84D-82EB5F97947B}" type="datetimeFigureOut">
               <a:rPr lang="en-US" smtClean="0"/>
               <a:pPr/>
-              <a:t>9/20/21</a:t>
+              <a:t>9/28/21</a:t>
             </a:fld>
             <a:endParaRPr lang="en-US" dirty="0"/>
           </a:p>
@@ -36281,7 +36281,7 @@
         </p:nvGrpSpPr>
         <p:grpSpPr>
           <a:xfrm>
-            <a:off x="527329" y="2078899"/>
+            <a:off x="517940" y="2010930"/>
             <a:ext cx="1765080" cy="1143000"/>
             <a:chOff x="762000" y="1600200"/>
             <a:chExt cx="1765080" cy="1143000"/>
@@ -36799,2537 +36799,2642 @@
           </p:style>
         </p:cxnSp>
       </p:grpSp>
-      <p:sp>
-        <p:nvSpPr>
-          <p:cNvPr id="58" name="Oval 57">
+      <p:grpSp>
+        <p:nvGrpSpPr>
+          <p:cNvPr id="9" name="Group 8">
             <a:extLst>
               <a:ext uri="{FF2B5EF4-FFF2-40B4-BE49-F238E27FC236}">
-                <a16:creationId xmlns:a16="http://schemas.microsoft.com/office/drawing/2014/main" id="{1032F94E-F912-9E4B-9C0F-CB9B5958E486}"/>
+                <a16:creationId xmlns:a16="http://schemas.microsoft.com/office/drawing/2014/main" id="{FCFAE27D-2C83-4E4D-9BC3-380853F5C20B}"/>
               </a:ext>
             </a:extLst>
           </p:cNvPr>
-          <p:cNvSpPr/>
+          <p:cNvGrpSpPr/>
           <p:nvPr/>
-        </p:nvSpPr>
-        <p:spPr>
+        </p:nvGrpSpPr>
+        <p:grpSpPr>
           <a:xfrm>
-            <a:off x="2320423" y="1718681"/>
-            <a:ext cx="457200" cy="457200"/>
+            <a:off x="2286096" y="1459599"/>
+            <a:ext cx="1765080" cy="1143000"/>
+            <a:chOff x="2320423" y="1393099"/>
+            <a:chExt cx="1765080" cy="1143000"/>
           </a:xfrm>
-          <a:prstGeom prst="ellipse">
-            <a:avLst/>
-          </a:prstGeom>
-          <a:solidFill>
-            <a:srgbClr val="FFC000"/>
-          </a:solidFill>
-          <a:ln w="19050">
-            <a:noFill/>
-            <a:miter lim="800000"/>
-          </a:ln>
-          <a:effectLst/>
-          <a:scene3d>
-            <a:camera prst="orthographicFront">
-              <a:rot lat="0" lon="0" rev="0"/>
-            </a:camera>
-            <a:lightRig rig="threePt" dir="t">
-              <a:rot lat="0" lon="0" rev="1200000"/>
-            </a:lightRig>
-          </a:scene3d>
-          <a:sp3d/>
-        </p:spPr>
-        <p:style>
-          <a:lnRef idx="0">
-            <a:schemeClr val="accent1"/>
-          </a:lnRef>
-          <a:fillRef idx="3">
-            <a:schemeClr val="accent1"/>
-          </a:fillRef>
-          <a:effectRef idx="3">
-            <a:schemeClr val="accent1"/>
-          </a:effectRef>
-          <a:fontRef idx="minor">
-            <a:schemeClr val="lt1"/>
-          </a:fontRef>
-        </p:style>
-        <p:txBody>
-          <a:bodyPr rot="0" spcFirstLastPara="0" vertOverflow="overflow" horzOverflow="overflow" vert="horz" wrap="square" lIns="0" tIns="182880" rIns="0" bIns="182880" numCol="1" spcCol="0" rtlCol="0" fromWordArt="0" anchor="ctr" anchorCtr="0" forceAA="0" compatLnSpc="1">
-            <a:prstTxWarp prst="textNoShape">
+        </p:grpSpPr>
+        <p:sp>
+          <p:nvSpPr>
+            <p:cNvPr id="58" name="Oval 57">
+              <a:extLst>
+                <a:ext uri="{FF2B5EF4-FFF2-40B4-BE49-F238E27FC236}">
+                  <a16:creationId xmlns:a16="http://schemas.microsoft.com/office/drawing/2014/main" id="{1032F94E-F912-9E4B-9C0F-CB9B5958E486}"/>
+                </a:ext>
+              </a:extLst>
+            </p:cNvPr>
+            <p:cNvSpPr/>
+            <p:nvPr/>
+          </p:nvSpPr>
+          <p:spPr>
+            <a:xfrm>
+              <a:off x="2320423" y="1718681"/>
+              <a:ext cx="457200" cy="457200"/>
+            </a:xfrm>
+            <a:prstGeom prst="ellipse">
               <a:avLst/>
-            </a:prstTxWarp>
-            <a:noAutofit/>
-          </a:bodyPr>
-          <a:lstStyle/>
-          <a:p>
-            <a:pPr algn="ctr">
-              <a:lnSpc>
-                <a:spcPct val="90000"/>
-              </a:lnSpc>
-            </a:pPr>
-            <a:r>
-              <a:rPr lang="en-US" b="1" dirty="0">
-                <a:solidFill>
-                  <a:schemeClr val="tx1"/>
-                </a:solidFill>
-                <a:latin typeface="Calibri" panose="020F0502020204030204" pitchFamily="34" charset="0"/>
-                <a:cs typeface="Calibri" panose="020F0502020204030204" pitchFamily="34" charset="0"/>
-              </a:rPr>
-              <a:t>T1</a:t>
-            </a:r>
-          </a:p>
-        </p:txBody>
-      </p:sp>
-      <p:sp>
-        <p:nvSpPr>
-          <p:cNvPr id="59" name="Oval 58">
+            </a:prstGeom>
+            <a:solidFill>
+              <a:srgbClr val="FFC000"/>
+            </a:solidFill>
+            <a:ln w="19050">
+              <a:noFill/>
+              <a:miter lim="800000"/>
+            </a:ln>
+            <a:effectLst/>
+            <a:scene3d>
+              <a:camera prst="orthographicFront">
+                <a:rot lat="0" lon="0" rev="0"/>
+              </a:camera>
+              <a:lightRig rig="threePt" dir="t">
+                <a:rot lat="0" lon="0" rev="1200000"/>
+              </a:lightRig>
+            </a:scene3d>
+            <a:sp3d/>
+          </p:spPr>
+          <p:style>
+            <a:lnRef idx="0">
+              <a:schemeClr val="accent1"/>
+            </a:lnRef>
+            <a:fillRef idx="3">
+              <a:schemeClr val="accent1"/>
+            </a:fillRef>
+            <a:effectRef idx="3">
+              <a:schemeClr val="accent1"/>
+            </a:effectRef>
+            <a:fontRef idx="minor">
+              <a:schemeClr val="lt1"/>
+            </a:fontRef>
+          </p:style>
+          <p:txBody>
+            <a:bodyPr rot="0" spcFirstLastPara="0" vertOverflow="overflow" horzOverflow="overflow" vert="horz" wrap="square" lIns="0" tIns="182880" rIns="0" bIns="182880" numCol="1" spcCol="0" rtlCol="0" fromWordArt="0" anchor="ctr" anchorCtr="0" forceAA="0" compatLnSpc="1">
+              <a:prstTxWarp prst="textNoShape">
+                <a:avLst/>
+              </a:prstTxWarp>
+              <a:noAutofit/>
+            </a:bodyPr>
+            <a:lstStyle/>
+            <a:p>
+              <a:pPr algn="ctr">
+                <a:lnSpc>
+                  <a:spcPct val="90000"/>
+                </a:lnSpc>
+              </a:pPr>
+              <a:r>
+                <a:rPr lang="en-US" b="1" dirty="0">
+                  <a:solidFill>
+                    <a:schemeClr val="tx1"/>
+                  </a:solidFill>
+                  <a:latin typeface="Calibri" panose="020F0502020204030204" pitchFamily="34" charset="0"/>
+                  <a:cs typeface="Calibri" panose="020F0502020204030204" pitchFamily="34" charset="0"/>
+                </a:rPr>
+                <a:t>T1</a:t>
+              </a:r>
+            </a:p>
+          </p:txBody>
+        </p:sp>
+        <p:sp>
+          <p:nvSpPr>
+            <p:cNvPr id="59" name="Oval 58">
+              <a:extLst>
+                <a:ext uri="{FF2B5EF4-FFF2-40B4-BE49-F238E27FC236}">
+                  <a16:creationId xmlns:a16="http://schemas.microsoft.com/office/drawing/2014/main" id="{FF6E16C8-074A-0544-AB78-F147C03C92C9}"/>
+                </a:ext>
+              </a:extLst>
+            </p:cNvPr>
+            <p:cNvSpPr/>
+            <p:nvPr/>
+          </p:nvSpPr>
+          <p:spPr>
+            <a:xfrm>
+              <a:off x="2974363" y="1393099"/>
+              <a:ext cx="457200" cy="457200"/>
+            </a:xfrm>
+            <a:prstGeom prst="ellipse">
+              <a:avLst/>
+            </a:prstGeom>
+            <a:solidFill>
+              <a:srgbClr val="7030A0"/>
+            </a:solidFill>
+            <a:ln w="19050">
+              <a:noFill/>
+              <a:miter lim="800000"/>
+            </a:ln>
+            <a:effectLst/>
+            <a:scene3d>
+              <a:camera prst="orthographicFront">
+                <a:rot lat="0" lon="0" rev="0"/>
+              </a:camera>
+              <a:lightRig rig="threePt" dir="t">
+                <a:rot lat="0" lon="0" rev="1200000"/>
+              </a:lightRig>
+            </a:scene3d>
+            <a:sp3d/>
+          </p:spPr>
+          <p:style>
+            <a:lnRef idx="0">
+              <a:schemeClr val="accent1"/>
+            </a:lnRef>
+            <a:fillRef idx="3">
+              <a:schemeClr val="accent1"/>
+            </a:fillRef>
+            <a:effectRef idx="3">
+              <a:schemeClr val="accent1"/>
+            </a:effectRef>
+            <a:fontRef idx="minor">
+              <a:schemeClr val="lt1"/>
+            </a:fontRef>
+          </p:style>
+          <p:txBody>
+            <a:bodyPr rot="0" spcFirstLastPara="0" vertOverflow="overflow" horzOverflow="overflow" vert="horz" wrap="square" lIns="0" tIns="182880" rIns="0" bIns="182880" numCol="1" spcCol="0" rtlCol="0" fromWordArt="0" anchor="ctr" anchorCtr="0" forceAA="0" compatLnSpc="1">
+              <a:prstTxWarp prst="textNoShape">
+                <a:avLst/>
+              </a:prstTxWarp>
+              <a:noAutofit/>
+            </a:bodyPr>
+            <a:lstStyle/>
+            <a:p>
+              <a:pPr algn="ctr">
+                <a:lnSpc>
+                  <a:spcPct val="90000"/>
+                </a:lnSpc>
+              </a:pPr>
+              <a:r>
+                <a:rPr lang="en-US" b="1" dirty="0">
+                  <a:solidFill>
+                    <a:schemeClr val="bg1"/>
+                  </a:solidFill>
+                  <a:latin typeface="Calibri" panose="020F0502020204030204" pitchFamily="34" charset="0"/>
+                  <a:cs typeface="Calibri" panose="020F0502020204030204" pitchFamily="34" charset="0"/>
+                </a:rPr>
+                <a:t>T2</a:t>
+              </a:r>
+            </a:p>
+          </p:txBody>
+        </p:sp>
+        <p:sp>
+          <p:nvSpPr>
+            <p:cNvPr id="60" name="Oval 59">
+              <a:extLst>
+                <a:ext uri="{FF2B5EF4-FFF2-40B4-BE49-F238E27FC236}">
+                  <a16:creationId xmlns:a16="http://schemas.microsoft.com/office/drawing/2014/main" id="{1A047FD9-30E8-D449-AC3B-7C4122C17EDB}"/>
+                </a:ext>
+              </a:extLst>
+            </p:cNvPr>
+            <p:cNvSpPr/>
+            <p:nvPr/>
+          </p:nvSpPr>
+          <p:spPr>
+            <a:xfrm>
+              <a:off x="2974363" y="2078899"/>
+              <a:ext cx="457200" cy="457200"/>
+            </a:xfrm>
+            <a:prstGeom prst="ellipse">
+              <a:avLst/>
+            </a:prstGeom>
+            <a:solidFill>
+              <a:srgbClr val="7030A0"/>
+            </a:solidFill>
+            <a:ln w="19050">
+              <a:noFill/>
+              <a:miter lim="800000"/>
+            </a:ln>
+            <a:effectLst/>
+            <a:scene3d>
+              <a:camera prst="orthographicFront">
+                <a:rot lat="0" lon="0" rev="0"/>
+              </a:camera>
+              <a:lightRig rig="threePt" dir="t">
+                <a:rot lat="0" lon="0" rev="1200000"/>
+              </a:lightRig>
+            </a:scene3d>
+            <a:sp3d/>
+          </p:spPr>
+          <p:style>
+            <a:lnRef idx="0">
+              <a:schemeClr val="accent1"/>
+            </a:lnRef>
+            <a:fillRef idx="3">
+              <a:schemeClr val="accent1"/>
+            </a:fillRef>
+            <a:effectRef idx="3">
+              <a:schemeClr val="accent1"/>
+            </a:effectRef>
+            <a:fontRef idx="minor">
+              <a:schemeClr val="lt1"/>
+            </a:fontRef>
+          </p:style>
+          <p:txBody>
+            <a:bodyPr rot="0" spcFirstLastPara="0" vertOverflow="overflow" horzOverflow="overflow" vert="horz" wrap="square" lIns="0" tIns="182880" rIns="0" bIns="182880" numCol="1" spcCol="0" rtlCol="0" fromWordArt="0" anchor="ctr" anchorCtr="0" forceAA="0" compatLnSpc="1">
+              <a:prstTxWarp prst="textNoShape">
+                <a:avLst/>
+              </a:prstTxWarp>
+              <a:noAutofit/>
+            </a:bodyPr>
+            <a:lstStyle/>
+            <a:p>
+              <a:pPr algn="ctr">
+                <a:lnSpc>
+                  <a:spcPct val="90000"/>
+                </a:lnSpc>
+              </a:pPr>
+              <a:r>
+                <a:rPr lang="en-US" b="1" dirty="0">
+                  <a:solidFill>
+                    <a:schemeClr val="bg1"/>
+                  </a:solidFill>
+                  <a:latin typeface="Calibri" panose="020F0502020204030204" pitchFamily="34" charset="0"/>
+                  <a:cs typeface="Calibri" panose="020F0502020204030204" pitchFamily="34" charset="0"/>
+                </a:rPr>
+                <a:t>T3</a:t>
+              </a:r>
+            </a:p>
+          </p:txBody>
+        </p:sp>
+        <p:sp>
+          <p:nvSpPr>
+            <p:cNvPr id="61" name="Oval 60">
+              <a:extLst>
+                <a:ext uri="{FF2B5EF4-FFF2-40B4-BE49-F238E27FC236}">
+                  <a16:creationId xmlns:a16="http://schemas.microsoft.com/office/drawing/2014/main" id="{08BE7D03-4C06-494A-9E0C-B8140B219318}"/>
+                </a:ext>
+              </a:extLst>
+            </p:cNvPr>
+            <p:cNvSpPr/>
+            <p:nvPr/>
+          </p:nvSpPr>
+          <p:spPr>
+            <a:xfrm>
+              <a:off x="3628303" y="1718681"/>
+              <a:ext cx="457200" cy="457200"/>
+            </a:xfrm>
+            <a:prstGeom prst="ellipse">
+              <a:avLst/>
+            </a:prstGeom>
+            <a:solidFill>
+              <a:srgbClr val="FFC000"/>
+            </a:solidFill>
+            <a:ln w="19050">
+              <a:noFill/>
+              <a:miter lim="800000"/>
+            </a:ln>
+            <a:effectLst/>
+            <a:scene3d>
+              <a:camera prst="orthographicFront">
+                <a:rot lat="0" lon="0" rev="0"/>
+              </a:camera>
+              <a:lightRig rig="threePt" dir="t">
+                <a:rot lat="0" lon="0" rev="1200000"/>
+              </a:lightRig>
+            </a:scene3d>
+            <a:sp3d/>
+          </p:spPr>
+          <p:style>
+            <a:lnRef idx="0">
+              <a:schemeClr val="accent1"/>
+            </a:lnRef>
+            <a:fillRef idx="3">
+              <a:schemeClr val="accent1"/>
+            </a:fillRef>
+            <a:effectRef idx="3">
+              <a:schemeClr val="accent1"/>
+            </a:effectRef>
+            <a:fontRef idx="minor">
+              <a:schemeClr val="lt1"/>
+            </a:fontRef>
+          </p:style>
+          <p:txBody>
+            <a:bodyPr rot="0" spcFirstLastPara="0" vertOverflow="overflow" horzOverflow="overflow" vert="horz" wrap="square" lIns="0" tIns="182880" rIns="0" bIns="182880" numCol="1" spcCol="0" rtlCol="0" fromWordArt="0" anchor="ctr" anchorCtr="0" forceAA="0" compatLnSpc="1">
+              <a:prstTxWarp prst="textNoShape">
+                <a:avLst/>
+              </a:prstTxWarp>
+              <a:noAutofit/>
+            </a:bodyPr>
+            <a:lstStyle/>
+            <a:p>
+              <a:pPr algn="ctr">
+                <a:lnSpc>
+                  <a:spcPct val="90000"/>
+                </a:lnSpc>
+              </a:pPr>
+              <a:r>
+                <a:rPr lang="en-US" b="1" dirty="0">
+                  <a:solidFill>
+                    <a:schemeClr val="tx1"/>
+                  </a:solidFill>
+                  <a:latin typeface="Calibri" panose="020F0502020204030204" pitchFamily="34" charset="0"/>
+                  <a:cs typeface="Calibri" panose="020F0502020204030204" pitchFamily="34" charset="0"/>
+                </a:rPr>
+                <a:t>T4</a:t>
+              </a:r>
+            </a:p>
+          </p:txBody>
+        </p:sp>
+        <p:cxnSp>
+          <p:nvCxnSpPr>
+            <p:cNvPr id="62" name="Straight Arrow Connector 61">
+              <a:extLst>
+                <a:ext uri="{FF2B5EF4-FFF2-40B4-BE49-F238E27FC236}">
+                  <a16:creationId xmlns:a16="http://schemas.microsoft.com/office/drawing/2014/main" id="{DCD416F7-FAC2-3148-AED8-7267A34E9AFF}"/>
+                </a:ext>
+              </a:extLst>
+            </p:cNvPr>
+            <p:cNvCxnSpPr>
+              <a:stCxn id="58" idx="7"/>
+              <a:endCxn id="59" idx="2"/>
+            </p:cNvCxnSpPr>
+            <p:nvPr/>
+          </p:nvCxnSpPr>
+          <p:spPr>
+            <a:xfrm flipV="1">
+              <a:off x="2710668" y="1621699"/>
+              <a:ext cx="263695" cy="163937"/>
+            </a:xfrm>
+            <a:prstGeom prst="straightConnector1">
+              <a:avLst/>
+            </a:prstGeom>
+            <a:ln w="38100">
+              <a:solidFill>
+                <a:schemeClr val="tx1"/>
+              </a:solidFill>
+              <a:miter lim="800000"/>
+              <a:tailEnd type="triangle"/>
+            </a:ln>
+          </p:spPr>
+          <p:style>
+            <a:lnRef idx="1">
+              <a:schemeClr val="accent1"/>
+            </a:lnRef>
+            <a:fillRef idx="0">
+              <a:schemeClr val="accent1"/>
+            </a:fillRef>
+            <a:effectRef idx="0">
+              <a:schemeClr val="accent1"/>
+            </a:effectRef>
+            <a:fontRef idx="minor">
+              <a:schemeClr val="tx1"/>
+            </a:fontRef>
+          </p:style>
+        </p:cxnSp>
+        <p:cxnSp>
+          <p:nvCxnSpPr>
+            <p:cNvPr id="63" name="Straight Arrow Connector 62">
+              <a:extLst>
+                <a:ext uri="{FF2B5EF4-FFF2-40B4-BE49-F238E27FC236}">
+                  <a16:creationId xmlns:a16="http://schemas.microsoft.com/office/drawing/2014/main" id="{A36DCC86-A59A-DC4A-B203-11BD0A1032F3}"/>
+                </a:ext>
+              </a:extLst>
+            </p:cNvPr>
+            <p:cNvCxnSpPr>
+              <a:cxnSpLocks/>
+              <a:stCxn id="59" idx="6"/>
+              <a:endCxn id="61" idx="1"/>
+            </p:cNvCxnSpPr>
+            <p:nvPr/>
+          </p:nvCxnSpPr>
+          <p:spPr>
+            <a:xfrm>
+              <a:off x="3431563" y="1621699"/>
+              <a:ext cx="263695" cy="163937"/>
+            </a:xfrm>
+            <a:prstGeom prst="straightConnector1">
+              <a:avLst/>
+            </a:prstGeom>
+            <a:ln w="38100">
+              <a:solidFill>
+                <a:schemeClr val="tx1"/>
+              </a:solidFill>
+              <a:miter lim="800000"/>
+              <a:tailEnd type="triangle"/>
+            </a:ln>
+          </p:spPr>
+          <p:style>
+            <a:lnRef idx="1">
+              <a:schemeClr val="accent1"/>
+            </a:lnRef>
+            <a:fillRef idx="0">
+              <a:schemeClr val="accent1"/>
+            </a:fillRef>
+            <a:effectRef idx="0">
+              <a:schemeClr val="accent1"/>
+            </a:effectRef>
+            <a:fontRef idx="minor">
+              <a:schemeClr val="tx1"/>
+            </a:fontRef>
+          </p:style>
+        </p:cxnSp>
+        <p:cxnSp>
+          <p:nvCxnSpPr>
+            <p:cNvPr id="64" name="Straight Arrow Connector 63">
+              <a:extLst>
+                <a:ext uri="{FF2B5EF4-FFF2-40B4-BE49-F238E27FC236}">
+                  <a16:creationId xmlns:a16="http://schemas.microsoft.com/office/drawing/2014/main" id="{ADB4F0D0-9B6C-2041-9E68-37DFA3E06E7A}"/>
+                </a:ext>
+              </a:extLst>
+            </p:cNvPr>
+            <p:cNvCxnSpPr>
+              <a:cxnSpLocks/>
+              <a:stCxn id="60" idx="6"/>
+              <a:endCxn id="61" idx="3"/>
+            </p:cNvCxnSpPr>
+            <p:nvPr/>
+          </p:nvCxnSpPr>
+          <p:spPr>
+            <a:xfrm flipV="1">
+              <a:off x="3431563" y="2108926"/>
+              <a:ext cx="263695" cy="198573"/>
+            </a:xfrm>
+            <a:prstGeom prst="straightConnector1">
+              <a:avLst/>
+            </a:prstGeom>
+            <a:ln w="38100">
+              <a:solidFill>
+                <a:schemeClr val="tx1"/>
+              </a:solidFill>
+              <a:miter lim="800000"/>
+              <a:tailEnd type="triangle"/>
+            </a:ln>
+          </p:spPr>
+          <p:style>
+            <a:lnRef idx="1">
+              <a:schemeClr val="accent1"/>
+            </a:lnRef>
+            <a:fillRef idx="0">
+              <a:schemeClr val="accent1"/>
+            </a:fillRef>
+            <a:effectRef idx="0">
+              <a:schemeClr val="accent1"/>
+            </a:effectRef>
+            <a:fontRef idx="minor">
+              <a:schemeClr val="tx1"/>
+            </a:fontRef>
+          </p:style>
+        </p:cxnSp>
+        <p:cxnSp>
+          <p:nvCxnSpPr>
+            <p:cNvPr id="65" name="Straight Arrow Connector 64">
+              <a:extLst>
+                <a:ext uri="{FF2B5EF4-FFF2-40B4-BE49-F238E27FC236}">
+                  <a16:creationId xmlns:a16="http://schemas.microsoft.com/office/drawing/2014/main" id="{C804145A-50D6-9A4F-A7CA-56160D78B020}"/>
+                </a:ext>
+              </a:extLst>
+            </p:cNvPr>
+            <p:cNvCxnSpPr>
+              <a:cxnSpLocks/>
+              <a:stCxn id="58" idx="5"/>
+              <a:endCxn id="60" idx="2"/>
+            </p:cNvCxnSpPr>
+            <p:nvPr/>
+          </p:nvCxnSpPr>
+          <p:spPr>
+            <a:xfrm>
+              <a:off x="2710668" y="2108926"/>
+              <a:ext cx="263695" cy="198573"/>
+            </a:xfrm>
+            <a:prstGeom prst="straightConnector1">
+              <a:avLst/>
+            </a:prstGeom>
+            <a:ln w="38100">
+              <a:solidFill>
+                <a:schemeClr val="tx1"/>
+              </a:solidFill>
+              <a:miter lim="800000"/>
+              <a:tailEnd type="triangle"/>
+            </a:ln>
+          </p:spPr>
+          <p:style>
+            <a:lnRef idx="1">
+              <a:schemeClr val="accent1"/>
+            </a:lnRef>
+            <a:fillRef idx="0">
+              <a:schemeClr val="accent1"/>
+            </a:fillRef>
+            <a:effectRef idx="0">
+              <a:schemeClr val="accent1"/>
+            </a:effectRef>
+            <a:fontRef idx="minor">
+              <a:schemeClr val="tx1"/>
+            </a:fontRef>
+          </p:style>
+        </p:cxnSp>
+      </p:grpSp>
+      <p:grpSp>
+        <p:nvGrpSpPr>
+          <p:cNvPr id="4" name="Group 3">
             <a:extLst>
               <a:ext uri="{FF2B5EF4-FFF2-40B4-BE49-F238E27FC236}">
-                <a16:creationId xmlns:a16="http://schemas.microsoft.com/office/drawing/2014/main" id="{FF6E16C8-074A-0544-AB78-F147C03C92C9}"/>
+                <a16:creationId xmlns:a16="http://schemas.microsoft.com/office/drawing/2014/main" id="{30C4227E-5F26-734D-912E-77B8DD03AFF4}"/>
               </a:ext>
             </a:extLst>
           </p:cNvPr>
-          <p:cNvSpPr/>
+          <p:cNvGrpSpPr/>
           <p:nvPr/>
-        </p:nvSpPr>
-        <p:spPr>
+        </p:nvGrpSpPr>
+        <p:grpSpPr>
           <a:xfrm>
-            <a:off x="2974363" y="1393099"/>
-            <a:ext cx="457200" cy="457200"/>
+            <a:off x="4079190" y="2010930"/>
+            <a:ext cx="1765080" cy="1143000"/>
+            <a:chOff x="4113517" y="2042712"/>
+            <a:chExt cx="1765080" cy="1143000"/>
           </a:xfrm>
-          <a:prstGeom prst="ellipse">
-            <a:avLst/>
-          </a:prstGeom>
-          <a:solidFill>
-            <a:srgbClr val="7030A0"/>
-          </a:solidFill>
-          <a:ln w="19050">
-            <a:noFill/>
-            <a:miter lim="800000"/>
-          </a:ln>
-          <a:effectLst/>
-          <a:scene3d>
-            <a:camera prst="orthographicFront">
-              <a:rot lat="0" lon="0" rev="0"/>
-            </a:camera>
-            <a:lightRig rig="threePt" dir="t">
-              <a:rot lat="0" lon="0" rev="1200000"/>
-            </a:lightRig>
-          </a:scene3d>
-          <a:sp3d/>
-        </p:spPr>
-        <p:style>
-          <a:lnRef idx="0">
-            <a:schemeClr val="accent1"/>
-          </a:lnRef>
-          <a:fillRef idx="3">
-            <a:schemeClr val="accent1"/>
-          </a:fillRef>
-          <a:effectRef idx="3">
-            <a:schemeClr val="accent1"/>
-          </a:effectRef>
-          <a:fontRef idx="minor">
-            <a:schemeClr val="lt1"/>
-          </a:fontRef>
-        </p:style>
-        <p:txBody>
-          <a:bodyPr rot="0" spcFirstLastPara="0" vertOverflow="overflow" horzOverflow="overflow" vert="horz" wrap="square" lIns="0" tIns="182880" rIns="0" bIns="182880" numCol="1" spcCol="0" rtlCol="0" fromWordArt="0" anchor="ctr" anchorCtr="0" forceAA="0" compatLnSpc="1">
-            <a:prstTxWarp prst="textNoShape">
+        </p:grpSpPr>
+        <p:sp>
+          <p:nvSpPr>
+            <p:cNvPr id="67" name="Oval 66">
+              <a:extLst>
+                <a:ext uri="{FF2B5EF4-FFF2-40B4-BE49-F238E27FC236}">
+                  <a16:creationId xmlns:a16="http://schemas.microsoft.com/office/drawing/2014/main" id="{DE4EBF76-853F-6A44-BD66-B4DB88ABC6D8}"/>
+                </a:ext>
+              </a:extLst>
+            </p:cNvPr>
+            <p:cNvSpPr/>
+            <p:nvPr/>
+          </p:nvSpPr>
+          <p:spPr>
+            <a:xfrm>
+              <a:off x="4113517" y="2368294"/>
+              <a:ext cx="457200" cy="457200"/>
+            </a:xfrm>
+            <a:prstGeom prst="ellipse">
               <a:avLst/>
-            </a:prstTxWarp>
-            <a:noAutofit/>
-          </a:bodyPr>
-          <a:lstStyle/>
-          <a:p>
-            <a:pPr algn="ctr">
-              <a:lnSpc>
-                <a:spcPct val="90000"/>
-              </a:lnSpc>
-            </a:pPr>
-            <a:r>
-              <a:rPr lang="en-US" b="1" dirty="0">
-                <a:solidFill>
-                  <a:schemeClr val="bg1"/>
-                </a:solidFill>
-                <a:latin typeface="Calibri" panose="020F0502020204030204" pitchFamily="34" charset="0"/>
-                <a:cs typeface="Calibri" panose="020F0502020204030204" pitchFamily="34" charset="0"/>
-              </a:rPr>
-              <a:t>T2</a:t>
-            </a:r>
-          </a:p>
-        </p:txBody>
-      </p:sp>
-      <p:sp>
-        <p:nvSpPr>
-          <p:cNvPr id="60" name="Oval 59">
+            </a:prstGeom>
+            <a:solidFill>
+              <a:srgbClr val="7030A0"/>
+            </a:solidFill>
+            <a:ln w="19050">
+              <a:noFill/>
+              <a:miter lim="800000"/>
+            </a:ln>
+            <a:effectLst/>
+            <a:scene3d>
+              <a:camera prst="orthographicFront">
+                <a:rot lat="0" lon="0" rev="0"/>
+              </a:camera>
+              <a:lightRig rig="threePt" dir="t">
+                <a:rot lat="0" lon="0" rev="1200000"/>
+              </a:lightRig>
+            </a:scene3d>
+            <a:sp3d/>
+          </p:spPr>
+          <p:style>
+            <a:lnRef idx="0">
+              <a:schemeClr val="accent1"/>
+            </a:lnRef>
+            <a:fillRef idx="3">
+              <a:schemeClr val="accent1"/>
+            </a:fillRef>
+            <a:effectRef idx="3">
+              <a:schemeClr val="accent1"/>
+            </a:effectRef>
+            <a:fontRef idx="minor">
+              <a:schemeClr val="lt1"/>
+            </a:fontRef>
+          </p:style>
+          <p:txBody>
+            <a:bodyPr rot="0" spcFirstLastPara="0" vertOverflow="overflow" horzOverflow="overflow" vert="horz" wrap="square" lIns="0" tIns="182880" rIns="0" bIns="182880" numCol="1" spcCol="0" rtlCol="0" fromWordArt="0" anchor="ctr" anchorCtr="0" forceAA="0" compatLnSpc="1">
+              <a:prstTxWarp prst="textNoShape">
+                <a:avLst/>
+              </a:prstTxWarp>
+              <a:noAutofit/>
+            </a:bodyPr>
+            <a:lstStyle/>
+            <a:p>
+              <a:pPr algn="ctr">
+                <a:lnSpc>
+                  <a:spcPct val="90000"/>
+                </a:lnSpc>
+              </a:pPr>
+              <a:r>
+                <a:rPr lang="en-US" b="1" dirty="0">
+                  <a:solidFill>
+                    <a:schemeClr val="bg1"/>
+                  </a:solidFill>
+                  <a:latin typeface="Calibri" panose="020F0502020204030204" pitchFamily="34" charset="0"/>
+                  <a:cs typeface="Calibri" panose="020F0502020204030204" pitchFamily="34" charset="0"/>
+                </a:rPr>
+                <a:t>T1</a:t>
+              </a:r>
+            </a:p>
+          </p:txBody>
+        </p:sp>
+        <p:sp>
+          <p:nvSpPr>
+            <p:cNvPr id="68" name="Oval 67">
+              <a:extLst>
+                <a:ext uri="{FF2B5EF4-FFF2-40B4-BE49-F238E27FC236}">
+                  <a16:creationId xmlns:a16="http://schemas.microsoft.com/office/drawing/2014/main" id="{3A43574D-8A6F-234C-AC01-C2B2D79F2131}"/>
+                </a:ext>
+              </a:extLst>
+            </p:cNvPr>
+            <p:cNvSpPr/>
+            <p:nvPr/>
+          </p:nvSpPr>
+          <p:spPr>
+            <a:xfrm>
+              <a:off x="4767457" y="2042712"/>
+              <a:ext cx="457200" cy="457200"/>
+            </a:xfrm>
+            <a:prstGeom prst="ellipse">
+              <a:avLst/>
+            </a:prstGeom>
+            <a:solidFill>
+              <a:srgbClr val="FFC000"/>
+            </a:solidFill>
+            <a:ln w="19050">
+              <a:noFill/>
+              <a:miter lim="800000"/>
+            </a:ln>
+            <a:effectLst/>
+            <a:scene3d>
+              <a:camera prst="orthographicFront">
+                <a:rot lat="0" lon="0" rev="0"/>
+              </a:camera>
+              <a:lightRig rig="threePt" dir="t">
+                <a:rot lat="0" lon="0" rev="1200000"/>
+              </a:lightRig>
+            </a:scene3d>
+            <a:sp3d/>
+          </p:spPr>
+          <p:style>
+            <a:lnRef idx="0">
+              <a:schemeClr val="accent1"/>
+            </a:lnRef>
+            <a:fillRef idx="3">
+              <a:schemeClr val="accent1"/>
+            </a:fillRef>
+            <a:effectRef idx="3">
+              <a:schemeClr val="accent1"/>
+            </a:effectRef>
+            <a:fontRef idx="minor">
+              <a:schemeClr val="lt1"/>
+            </a:fontRef>
+          </p:style>
+          <p:txBody>
+            <a:bodyPr rot="0" spcFirstLastPara="0" vertOverflow="overflow" horzOverflow="overflow" vert="horz" wrap="square" lIns="0" tIns="182880" rIns="0" bIns="182880" numCol="1" spcCol="0" rtlCol="0" fromWordArt="0" anchor="ctr" anchorCtr="0" forceAA="0" compatLnSpc="1">
+              <a:prstTxWarp prst="textNoShape">
+                <a:avLst/>
+              </a:prstTxWarp>
+              <a:noAutofit/>
+            </a:bodyPr>
+            <a:lstStyle/>
+            <a:p>
+              <a:pPr algn="ctr">
+                <a:lnSpc>
+                  <a:spcPct val="90000"/>
+                </a:lnSpc>
+              </a:pPr>
+              <a:r>
+                <a:rPr lang="en-US" b="1" dirty="0">
+                  <a:solidFill>
+                    <a:schemeClr val="tx1"/>
+                  </a:solidFill>
+                  <a:latin typeface="Calibri" panose="020F0502020204030204" pitchFamily="34" charset="0"/>
+                  <a:cs typeface="Calibri" panose="020F0502020204030204" pitchFamily="34" charset="0"/>
+                </a:rPr>
+                <a:t>T2</a:t>
+              </a:r>
+            </a:p>
+          </p:txBody>
+        </p:sp>
+        <p:sp>
+          <p:nvSpPr>
+            <p:cNvPr id="69" name="Oval 68">
+              <a:extLst>
+                <a:ext uri="{FF2B5EF4-FFF2-40B4-BE49-F238E27FC236}">
+                  <a16:creationId xmlns:a16="http://schemas.microsoft.com/office/drawing/2014/main" id="{05538E4C-A688-DE46-BE17-747905A35A62}"/>
+                </a:ext>
+              </a:extLst>
+            </p:cNvPr>
+            <p:cNvSpPr/>
+            <p:nvPr/>
+          </p:nvSpPr>
+          <p:spPr>
+            <a:xfrm>
+              <a:off x="4767457" y="2728512"/>
+              <a:ext cx="457200" cy="457200"/>
+            </a:xfrm>
+            <a:prstGeom prst="ellipse">
+              <a:avLst/>
+            </a:prstGeom>
+            <a:solidFill>
+              <a:srgbClr val="FFC000"/>
+            </a:solidFill>
+            <a:ln w="19050">
+              <a:noFill/>
+              <a:miter lim="800000"/>
+            </a:ln>
+            <a:effectLst/>
+            <a:scene3d>
+              <a:camera prst="orthographicFront">
+                <a:rot lat="0" lon="0" rev="0"/>
+              </a:camera>
+              <a:lightRig rig="threePt" dir="t">
+                <a:rot lat="0" lon="0" rev="1200000"/>
+              </a:lightRig>
+            </a:scene3d>
+            <a:sp3d/>
+          </p:spPr>
+          <p:style>
+            <a:lnRef idx="0">
+              <a:schemeClr val="accent1"/>
+            </a:lnRef>
+            <a:fillRef idx="3">
+              <a:schemeClr val="accent1"/>
+            </a:fillRef>
+            <a:effectRef idx="3">
+              <a:schemeClr val="accent1"/>
+            </a:effectRef>
+            <a:fontRef idx="minor">
+              <a:schemeClr val="lt1"/>
+            </a:fontRef>
+          </p:style>
+          <p:txBody>
+            <a:bodyPr rot="0" spcFirstLastPara="0" vertOverflow="overflow" horzOverflow="overflow" vert="horz" wrap="square" lIns="0" tIns="182880" rIns="0" bIns="182880" numCol="1" spcCol="0" rtlCol="0" fromWordArt="0" anchor="ctr" anchorCtr="0" forceAA="0" compatLnSpc="1">
+              <a:prstTxWarp prst="textNoShape">
+                <a:avLst/>
+              </a:prstTxWarp>
+              <a:noAutofit/>
+            </a:bodyPr>
+            <a:lstStyle/>
+            <a:p>
+              <a:pPr algn="ctr">
+                <a:lnSpc>
+                  <a:spcPct val="90000"/>
+                </a:lnSpc>
+              </a:pPr>
+              <a:r>
+                <a:rPr lang="en-US" b="1" dirty="0">
+                  <a:solidFill>
+                    <a:schemeClr val="tx1"/>
+                  </a:solidFill>
+                  <a:latin typeface="Calibri" panose="020F0502020204030204" pitchFamily="34" charset="0"/>
+                  <a:cs typeface="Calibri" panose="020F0502020204030204" pitchFamily="34" charset="0"/>
+                </a:rPr>
+                <a:t>T3</a:t>
+              </a:r>
+            </a:p>
+          </p:txBody>
+        </p:sp>
+        <p:sp>
+          <p:nvSpPr>
+            <p:cNvPr id="70" name="Oval 69">
+              <a:extLst>
+                <a:ext uri="{FF2B5EF4-FFF2-40B4-BE49-F238E27FC236}">
+                  <a16:creationId xmlns:a16="http://schemas.microsoft.com/office/drawing/2014/main" id="{1FADEB84-F61F-824A-8D2A-8F38849561C1}"/>
+                </a:ext>
+              </a:extLst>
+            </p:cNvPr>
+            <p:cNvSpPr/>
+            <p:nvPr/>
+          </p:nvSpPr>
+          <p:spPr>
+            <a:xfrm>
+              <a:off x="5421397" y="2368294"/>
+              <a:ext cx="457200" cy="457200"/>
+            </a:xfrm>
+            <a:prstGeom prst="ellipse">
+              <a:avLst/>
+            </a:prstGeom>
+            <a:solidFill>
+              <a:schemeClr val="accent1">
+                <a:lumMod val="50000"/>
+              </a:schemeClr>
+            </a:solidFill>
+            <a:ln w="19050">
+              <a:noFill/>
+              <a:miter lim="800000"/>
+            </a:ln>
+            <a:effectLst/>
+            <a:scene3d>
+              <a:camera prst="orthographicFront">
+                <a:rot lat="0" lon="0" rev="0"/>
+              </a:camera>
+              <a:lightRig rig="threePt" dir="t">
+                <a:rot lat="0" lon="0" rev="1200000"/>
+              </a:lightRig>
+            </a:scene3d>
+            <a:sp3d/>
+          </p:spPr>
+          <p:style>
+            <a:lnRef idx="0">
+              <a:schemeClr val="accent1"/>
+            </a:lnRef>
+            <a:fillRef idx="3">
+              <a:schemeClr val="accent1"/>
+            </a:fillRef>
+            <a:effectRef idx="3">
+              <a:schemeClr val="accent1"/>
+            </a:effectRef>
+            <a:fontRef idx="minor">
+              <a:schemeClr val="lt1"/>
+            </a:fontRef>
+          </p:style>
+          <p:txBody>
+            <a:bodyPr rot="0" spcFirstLastPara="0" vertOverflow="overflow" horzOverflow="overflow" vert="horz" wrap="square" lIns="0" tIns="182880" rIns="0" bIns="182880" numCol="1" spcCol="0" rtlCol="0" fromWordArt="0" anchor="ctr" anchorCtr="0" forceAA="0" compatLnSpc="1">
+              <a:prstTxWarp prst="textNoShape">
+                <a:avLst/>
+              </a:prstTxWarp>
+              <a:noAutofit/>
+            </a:bodyPr>
+            <a:lstStyle/>
+            <a:p>
+              <a:pPr algn="ctr">
+                <a:lnSpc>
+                  <a:spcPct val="90000"/>
+                </a:lnSpc>
+              </a:pPr>
+              <a:r>
+                <a:rPr lang="en-US" b="1" dirty="0">
+                  <a:solidFill>
+                    <a:schemeClr val="bg1"/>
+                  </a:solidFill>
+                  <a:latin typeface="Calibri" panose="020F0502020204030204" pitchFamily="34" charset="0"/>
+                  <a:cs typeface="Calibri" panose="020F0502020204030204" pitchFamily="34" charset="0"/>
+                </a:rPr>
+                <a:t>T4</a:t>
+              </a:r>
+            </a:p>
+          </p:txBody>
+        </p:sp>
+        <p:cxnSp>
+          <p:nvCxnSpPr>
+            <p:cNvPr id="71" name="Straight Arrow Connector 70">
+              <a:extLst>
+                <a:ext uri="{FF2B5EF4-FFF2-40B4-BE49-F238E27FC236}">
+                  <a16:creationId xmlns:a16="http://schemas.microsoft.com/office/drawing/2014/main" id="{0F7D91DD-BAE5-8348-AD3D-122A78B518CD}"/>
+                </a:ext>
+              </a:extLst>
+            </p:cNvPr>
+            <p:cNvCxnSpPr>
+              <a:stCxn id="67" idx="7"/>
+              <a:endCxn id="68" idx="2"/>
+            </p:cNvCxnSpPr>
+            <p:nvPr/>
+          </p:nvCxnSpPr>
+          <p:spPr>
+            <a:xfrm flipV="1">
+              <a:off x="4503762" y="2271312"/>
+              <a:ext cx="263695" cy="163937"/>
+            </a:xfrm>
+            <a:prstGeom prst="straightConnector1">
+              <a:avLst/>
+            </a:prstGeom>
+            <a:ln w="38100">
+              <a:solidFill>
+                <a:schemeClr val="tx1"/>
+              </a:solidFill>
+              <a:miter lim="800000"/>
+              <a:tailEnd type="triangle"/>
+            </a:ln>
+          </p:spPr>
+          <p:style>
+            <a:lnRef idx="1">
+              <a:schemeClr val="accent1"/>
+            </a:lnRef>
+            <a:fillRef idx="0">
+              <a:schemeClr val="accent1"/>
+            </a:fillRef>
+            <a:effectRef idx="0">
+              <a:schemeClr val="accent1"/>
+            </a:effectRef>
+            <a:fontRef idx="minor">
+              <a:schemeClr val="tx1"/>
+            </a:fontRef>
+          </p:style>
+        </p:cxnSp>
+        <p:cxnSp>
+          <p:nvCxnSpPr>
+            <p:cNvPr id="72" name="Straight Arrow Connector 71">
+              <a:extLst>
+                <a:ext uri="{FF2B5EF4-FFF2-40B4-BE49-F238E27FC236}">
+                  <a16:creationId xmlns:a16="http://schemas.microsoft.com/office/drawing/2014/main" id="{807827A3-5289-5E4D-9358-7DD011DA1422}"/>
+                </a:ext>
+              </a:extLst>
+            </p:cNvPr>
+            <p:cNvCxnSpPr>
+              <a:cxnSpLocks/>
+              <a:stCxn id="68" idx="6"/>
+              <a:endCxn id="70" idx="1"/>
+            </p:cNvCxnSpPr>
+            <p:nvPr/>
+          </p:nvCxnSpPr>
+          <p:spPr>
+            <a:xfrm>
+              <a:off x="5224657" y="2271312"/>
+              <a:ext cx="263695" cy="163937"/>
+            </a:xfrm>
+            <a:prstGeom prst="straightConnector1">
+              <a:avLst/>
+            </a:prstGeom>
+            <a:ln w="38100">
+              <a:solidFill>
+                <a:schemeClr val="tx1"/>
+              </a:solidFill>
+              <a:miter lim="800000"/>
+              <a:tailEnd type="triangle"/>
+            </a:ln>
+          </p:spPr>
+          <p:style>
+            <a:lnRef idx="1">
+              <a:schemeClr val="accent1"/>
+            </a:lnRef>
+            <a:fillRef idx="0">
+              <a:schemeClr val="accent1"/>
+            </a:fillRef>
+            <a:effectRef idx="0">
+              <a:schemeClr val="accent1"/>
+            </a:effectRef>
+            <a:fontRef idx="minor">
+              <a:schemeClr val="tx1"/>
+            </a:fontRef>
+          </p:style>
+        </p:cxnSp>
+        <p:cxnSp>
+          <p:nvCxnSpPr>
+            <p:cNvPr id="73" name="Straight Arrow Connector 72">
+              <a:extLst>
+                <a:ext uri="{FF2B5EF4-FFF2-40B4-BE49-F238E27FC236}">
+                  <a16:creationId xmlns:a16="http://schemas.microsoft.com/office/drawing/2014/main" id="{637BDBAF-A341-1E47-B032-FB078526A033}"/>
+                </a:ext>
+              </a:extLst>
+            </p:cNvPr>
+            <p:cNvCxnSpPr>
+              <a:cxnSpLocks/>
+              <a:stCxn id="69" idx="6"/>
+              <a:endCxn id="70" idx="3"/>
+            </p:cNvCxnSpPr>
+            <p:nvPr/>
+          </p:nvCxnSpPr>
+          <p:spPr>
+            <a:xfrm flipV="1">
+              <a:off x="5224657" y="2758539"/>
+              <a:ext cx="263695" cy="198573"/>
+            </a:xfrm>
+            <a:prstGeom prst="straightConnector1">
+              <a:avLst/>
+            </a:prstGeom>
+            <a:ln w="38100">
+              <a:solidFill>
+                <a:schemeClr val="tx1"/>
+              </a:solidFill>
+              <a:miter lim="800000"/>
+              <a:tailEnd type="triangle"/>
+            </a:ln>
+          </p:spPr>
+          <p:style>
+            <a:lnRef idx="1">
+              <a:schemeClr val="accent1"/>
+            </a:lnRef>
+            <a:fillRef idx="0">
+              <a:schemeClr val="accent1"/>
+            </a:fillRef>
+            <a:effectRef idx="0">
+              <a:schemeClr val="accent1"/>
+            </a:effectRef>
+            <a:fontRef idx="minor">
+              <a:schemeClr val="tx1"/>
+            </a:fontRef>
+          </p:style>
+        </p:cxnSp>
+        <p:cxnSp>
+          <p:nvCxnSpPr>
+            <p:cNvPr id="74" name="Straight Arrow Connector 73">
+              <a:extLst>
+                <a:ext uri="{FF2B5EF4-FFF2-40B4-BE49-F238E27FC236}">
+                  <a16:creationId xmlns:a16="http://schemas.microsoft.com/office/drawing/2014/main" id="{17DFAC2F-7009-9F4D-9EC8-21C84EE49F3C}"/>
+                </a:ext>
+              </a:extLst>
+            </p:cNvPr>
+            <p:cNvCxnSpPr>
+              <a:cxnSpLocks/>
+              <a:stCxn id="67" idx="5"/>
+              <a:endCxn id="69" idx="2"/>
+            </p:cNvCxnSpPr>
+            <p:nvPr/>
+          </p:nvCxnSpPr>
+          <p:spPr>
+            <a:xfrm>
+              <a:off x="4503762" y="2758539"/>
+              <a:ext cx="263695" cy="198573"/>
+            </a:xfrm>
+            <a:prstGeom prst="straightConnector1">
+              <a:avLst/>
+            </a:prstGeom>
+            <a:ln w="38100">
+              <a:solidFill>
+                <a:schemeClr val="tx1"/>
+              </a:solidFill>
+              <a:miter lim="800000"/>
+              <a:tailEnd type="triangle"/>
+            </a:ln>
+          </p:spPr>
+          <p:style>
+            <a:lnRef idx="1">
+              <a:schemeClr val="accent1"/>
+            </a:lnRef>
+            <a:fillRef idx="0">
+              <a:schemeClr val="accent1"/>
+            </a:fillRef>
+            <a:effectRef idx="0">
+              <a:schemeClr val="accent1"/>
+            </a:effectRef>
+            <a:fontRef idx="minor">
+              <a:schemeClr val="tx1"/>
+            </a:fontRef>
+          </p:style>
+        </p:cxnSp>
+      </p:grpSp>
+      <p:grpSp>
+        <p:nvGrpSpPr>
+          <p:cNvPr id="5" name="Group 4">
             <a:extLst>
               <a:ext uri="{FF2B5EF4-FFF2-40B4-BE49-F238E27FC236}">
-                <a16:creationId xmlns:a16="http://schemas.microsoft.com/office/drawing/2014/main" id="{1A047FD9-30E8-D449-AC3B-7C4122C17EDB}"/>
+                <a16:creationId xmlns:a16="http://schemas.microsoft.com/office/drawing/2014/main" id="{CFBC8AAF-C3AC-8344-AD5F-B0BF844E677D}"/>
               </a:ext>
             </a:extLst>
           </p:cNvPr>
-          <p:cNvSpPr/>
+          <p:cNvGrpSpPr/>
           <p:nvPr/>
-        </p:nvSpPr>
-        <p:spPr>
+        </p:nvGrpSpPr>
+        <p:grpSpPr>
           <a:xfrm>
-            <a:off x="2974363" y="2078899"/>
-            <a:ext cx="457200" cy="457200"/>
+            <a:off x="517940" y="4063735"/>
+            <a:ext cx="1765080" cy="1143000"/>
+            <a:chOff x="458676" y="4131704"/>
+            <a:chExt cx="1765080" cy="1143000"/>
           </a:xfrm>
-          <a:prstGeom prst="ellipse">
-            <a:avLst/>
-          </a:prstGeom>
-          <a:solidFill>
-            <a:srgbClr val="7030A0"/>
-          </a:solidFill>
-          <a:ln w="19050">
-            <a:noFill/>
-            <a:miter lim="800000"/>
-          </a:ln>
-          <a:effectLst/>
-          <a:scene3d>
-            <a:camera prst="orthographicFront">
-              <a:rot lat="0" lon="0" rev="0"/>
-            </a:camera>
-            <a:lightRig rig="threePt" dir="t">
-              <a:rot lat="0" lon="0" rev="1200000"/>
-            </a:lightRig>
-          </a:scene3d>
-          <a:sp3d/>
-        </p:spPr>
-        <p:style>
-          <a:lnRef idx="0">
-            <a:schemeClr val="accent1"/>
-          </a:lnRef>
-          <a:fillRef idx="3">
-            <a:schemeClr val="accent1"/>
-          </a:fillRef>
-          <a:effectRef idx="3">
-            <a:schemeClr val="accent1"/>
-          </a:effectRef>
-          <a:fontRef idx="minor">
-            <a:schemeClr val="lt1"/>
-          </a:fontRef>
-        </p:style>
-        <p:txBody>
-          <a:bodyPr rot="0" spcFirstLastPara="0" vertOverflow="overflow" horzOverflow="overflow" vert="horz" wrap="square" lIns="0" tIns="182880" rIns="0" bIns="182880" numCol="1" spcCol="0" rtlCol="0" fromWordArt="0" anchor="ctr" anchorCtr="0" forceAA="0" compatLnSpc="1">
-            <a:prstTxWarp prst="textNoShape">
+        </p:grpSpPr>
+        <p:sp>
+          <p:nvSpPr>
+            <p:cNvPr id="94" name="Oval 93">
+              <a:extLst>
+                <a:ext uri="{FF2B5EF4-FFF2-40B4-BE49-F238E27FC236}">
+                  <a16:creationId xmlns:a16="http://schemas.microsoft.com/office/drawing/2014/main" id="{9F206BC0-48AF-D74D-8F87-BF3005E12AA9}"/>
+                </a:ext>
+              </a:extLst>
+            </p:cNvPr>
+            <p:cNvSpPr/>
+            <p:nvPr/>
+          </p:nvSpPr>
+          <p:spPr>
+            <a:xfrm>
+              <a:off x="458676" y="4457286"/>
+              <a:ext cx="457200" cy="457200"/>
+            </a:xfrm>
+            <a:prstGeom prst="ellipse">
               <a:avLst/>
-            </a:prstTxWarp>
-            <a:noAutofit/>
-          </a:bodyPr>
-          <a:lstStyle/>
-          <a:p>
-            <a:pPr algn="ctr">
-              <a:lnSpc>
-                <a:spcPct val="90000"/>
-              </a:lnSpc>
-            </a:pPr>
-            <a:r>
-              <a:rPr lang="en-US" b="1" dirty="0">
-                <a:solidFill>
-                  <a:schemeClr val="bg1"/>
-                </a:solidFill>
-                <a:latin typeface="Calibri" panose="020F0502020204030204" pitchFamily="34" charset="0"/>
-                <a:cs typeface="Calibri" panose="020F0502020204030204" pitchFamily="34" charset="0"/>
-              </a:rPr>
-              <a:t>T3</a:t>
-            </a:r>
-          </a:p>
-        </p:txBody>
-      </p:sp>
-      <p:sp>
-        <p:nvSpPr>
-          <p:cNvPr id="61" name="Oval 60">
+            </a:prstGeom>
+            <a:solidFill>
+              <a:srgbClr val="FF0000"/>
+            </a:solidFill>
+            <a:ln w="19050">
+              <a:noFill/>
+              <a:miter lim="800000"/>
+            </a:ln>
+            <a:effectLst/>
+            <a:scene3d>
+              <a:camera prst="orthographicFront">
+                <a:rot lat="0" lon="0" rev="0"/>
+              </a:camera>
+              <a:lightRig rig="threePt" dir="t">
+                <a:rot lat="0" lon="0" rev="1200000"/>
+              </a:lightRig>
+            </a:scene3d>
+            <a:sp3d/>
+          </p:spPr>
+          <p:style>
+            <a:lnRef idx="0">
+              <a:schemeClr val="accent1"/>
+            </a:lnRef>
+            <a:fillRef idx="3">
+              <a:schemeClr val="accent1"/>
+            </a:fillRef>
+            <a:effectRef idx="3">
+              <a:schemeClr val="accent1"/>
+            </a:effectRef>
+            <a:fontRef idx="minor">
+              <a:schemeClr val="lt1"/>
+            </a:fontRef>
+          </p:style>
+          <p:txBody>
+            <a:bodyPr rot="0" spcFirstLastPara="0" vertOverflow="overflow" horzOverflow="overflow" vert="horz" wrap="square" lIns="0" tIns="182880" rIns="0" bIns="182880" numCol="1" spcCol="0" rtlCol="0" fromWordArt="0" anchor="ctr" anchorCtr="0" forceAA="0" compatLnSpc="1">
+              <a:prstTxWarp prst="textNoShape">
+                <a:avLst/>
+              </a:prstTxWarp>
+              <a:noAutofit/>
+            </a:bodyPr>
+            <a:lstStyle/>
+            <a:p>
+              <a:pPr algn="ctr">
+                <a:lnSpc>
+                  <a:spcPct val="90000"/>
+                </a:lnSpc>
+              </a:pPr>
+              <a:r>
+                <a:rPr lang="en-US" b="1" dirty="0">
+                  <a:solidFill>
+                    <a:schemeClr val="bg1"/>
+                  </a:solidFill>
+                  <a:latin typeface="Calibri" panose="020F0502020204030204" pitchFamily="34" charset="0"/>
+                  <a:cs typeface="Calibri" panose="020F0502020204030204" pitchFamily="34" charset="0"/>
+                </a:rPr>
+                <a:t>T1</a:t>
+              </a:r>
+            </a:p>
+          </p:txBody>
+        </p:sp>
+        <p:sp>
+          <p:nvSpPr>
+            <p:cNvPr id="95" name="Oval 94">
+              <a:extLst>
+                <a:ext uri="{FF2B5EF4-FFF2-40B4-BE49-F238E27FC236}">
+                  <a16:creationId xmlns:a16="http://schemas.microsoft.com/office/drawing/2014/main" id="{55C187F1-546B-4948-BBAB-D9568DA654A5}"/>
+                </a:ext>
+              </a:extLst>
+            </p:cNvPr>
+            <p:cNvSpPr/>
+            <p:nvPr/>
+          </p:nvSpPr>
+          <p:spPr>
+            <a:xfrm>
+              <a:off x="1112616" y="4131704"/>
+              <a:ext cx="457200" cy="457200"/>
+            </a:xfrm>
+            <a:prstGeom prst="ellipse">
+              <a:avLst/>
+            </a:prstGeom>
+            <a:solidFill>
+              <a:srgbClr val="FF0000"/>
+            </a:solidFill>
+            <a:ln w="19050">
+              <a:noFill/>
+              <a:miter lim="800000"/>
+            </a:ln>
+            <a:effectLst/>
+            <a:scene3d>
+              <a:camera prst="orthographicFront">
+                <a:rot lat="0" lon="0" rev="0"/>
+              </a:camera>
+              <a:lightRig rig="threePt" dir="t">
+                <a:rot lat="0" lon="0" rev="1200000"/>
+              </a:lightRig>
+            </a:scene3d>
+            <a:sp3d/>
+          </p:spPr>
+          <p:style>
+            <a:lnRef idx="0">
+              <a:schemeClr val="accent1"/>
+            </a:lnRef>
+            <a:fillRef idx="3">
+              <a:schemeClr val="accent1"/>
+            </a:fillRef>
+            <a:effectRef idx="3">
+              <a:schemeClr val="accent1"/>
+            </a:effectRef>
+            <a:fontRef idx="minor">
+              <a:schemeClr val="lt1"/>
+            </a:fontRef>
+          </p:style>
+          <p:txBody>
+            <a:bodyPr rot="0" spcFirstLastPara="0" vertOverflow="overflow" horzOverflow="overflow" vert="horz" wrap="square" lIns="0" tIns="182880" rIns="0" bIns="182880" numCol="1" spcCol="0" rtlCol="0" fromWordArt="0" anchor="ctr" anchorCtr="0" forceAA="0" compatLnSpc="1">
+              <a:prstTxWarp prst="textNoShape">
+                <a:avLst/>
+              </a:prstTxWarp>
+              <a:noAutofit/>
+            </a:bodyPr>
+            <a:lstStyle/>
+            <a:p>
+              <a:pPr algn="ctr">
+                <a:lnSpc>
+                  <a:spcPct val="90000"/>
+                </a:lnSpc>
+              </a:pPr>
+              <a:r>
+                <a:rPr lang="en-US" b="1" dirty="0">
+                  <a:solidFill>
+                    <a:schemeClr val="bg1"/>
+                  </a:solidFill>
+                  <a:latin typeface="Calibri" panose="020F0502020204030204" pitchFamily="34" charset="0"/>
+                  <a:cs typeface="Calibri" panose="020F0502020204030204" pitchFamily="34" charset="0"/>
+                </a:rPr>
+                <a:t>T2</a:t>
+              </a:r>
+            </a:p>
+          </p:txBody>
+        </p:sp>
+        <p:sp>
+          <p:nvSpPr>
+            <p:cNvPr id="96" name="Oval 95">
+              <a:extLst>
+                <a:ext uri="{FF2B5EF4-FFF2-40B4-BE49-F238E27FC236}">
+                  <a16:creationId xmlns:a16="http://schemas.microsoft.com/office/drawing/2014/main" id="{F6B52929-2B56-CD4A-B7A1-887AE33BA5D1}"/>
+                </a:ext>
+              </a:extLst>
+            </p:cNvPr>
+            <p:cNvSpPr/>
+            <p:nvPr/>
+          </p:nvSpPr>
+          <p:spPr>
+            <a:xfrm>
+              <a:off x="1112616" y="4817504"/>
+              <a:ext cx="457200" cy="457200"/>
+            </a:xfrm>
+            <a:prstGeom prst="ellipse">
+              <a:avLst/>
+            </a:prstGeom>
+            <a:solidFill>
+              <a:schemeClr val="accent1">
+                <a:lumMod val="50000"/>
+              </a:schemeClr>
+            </a:solidFill>
+            <a:ln w="19050">
+              <a:noFill/>
+              <a:miter lim="800000"/>
+            </a:ln>
+            <a:effectLst/>
+            <a:scene3d>
+              <a:camera prst="orthographicFront">
+                <a:rot lat="0" lon="0" rev="0"/>
+              </a:camera>
+              <a:lightRig rig="threePt" dir="t">
+                <a:rot lat="0" lon="0" rev="1200000"/>
+              </a:lightRig>
+            </a:scene3d>
+            <a:sp3d/>
+          </p:spPr>
+          <p:style>
+            <a:lnRef idx="0">
+              <a:schemeClr val="accent1"/>
+            </a:lnRef>
+            <a:fillRef idx="3">
+              <a:schemeClr val="accent1"/>
+            </a:fillRef>
+            <a:effectRef idx="3">
+              <a:schemeClr val="accent1"/>
+            </a:effectRef>
+            <a:fontRef idx="minor">
+              <a:schemeClr val="lt1"/>
+            </a:fontRef>
+          </p:style>
+          <p:txBody>
+            <a:bodyPr rot="0" spcFirstLastPara="0" vertOverflow="overflow" horzOverflow="overflow" vert="horz" wrap="square" lIns="0" tIns="182880" rIns="0" bIns="182880" numCol="1" spcCol="0" rtlCol="0" fromWordArt="0" anchor="ctr" anchorCtr="0" forceAA="0" compatLnSpc="1">
+              <a:prstTxWarp prst="textNoShape">
+                <a:avLst/>
+              </a:prstTxWarp>
+              <a:noAutofit/>
+            </a:bodyPr>
+            <a:lstStyle/>
+            <a:p>
+              <a:pPr algn="ctr">
+                <a:lnSpc>
+                  <a:spcPct val="90000"/>
+                </a:lnSpc>
+              </a:pPr>
+              <a:r>
+                <a:rPr lang="en-US" b="1" dirty="0">
+                  <a:solidFill>
+                    <a:schemeClr val="bg1"/>
+                  </a:solidFill>
+                  <a:latin typeface="Calibri" panose="020F0502020204030204" pitchFamily="34" charset="0"/>
+                  <a:cs typeface="Calibri" panose="020F0502020204030204" pitchFamily="34" charset="0"/>
+                </a:rPr>
+                <a:t>T3</a:t>
+              </a:r>
+            </a:p>
+          </p:txBody>
+        </p:sp>
+        <p:sp>
+          <p:nvSpPr>
+            <p:cNvPr id="97" name="Oval 96">
+              <a:extLst>
+                <a:ext uri="{FF2B5EF4-FFF2-40B4-BE49-F238E27FC236}">
+                  <a16:creationId xmlns:a16="http://schemas.microsoft.com/office/drawing/2014/main" id="{3C6A3AFE-564C-4640-8C37-7188995BD74D}"/>
+                </a:ext>
+              </a:extLst>
+            </p:cNvPr>
+            <p:cNvSpPr/>
+            <p:nvPr/>
+          </p:nvSpPr>
+          <p:spPr>
+            <a:xfrm>
+              <a:off x="1766556" y="4457286"/>
+              <a:ext cx="457200" cy="457200"/>
+            </a:xfrm>
+            <a:prstGeom prst="ellipse">
+              <a:avLst/>
+            </a:prstGeom>
+            <a:solidFill>
+              <a:schemeClr val="accent6">
+                <a:lumMod val="75000"/>
+              </a:schemeClr>
+            </a:solidFill>
+            <a:ln w="19050">
+              <a:noFill/>
+              <a:miter lim="800000"/>
+            </a:ln>
+            <a:effectLst/>
+            <a:scene3d>
+              <a:camera prst="orthographicFront">
+                <a:rot lat="0" lon="0" rev="0"/>
+              </a:camera>
+              <a:lightRig rig="threePt" dir="t">
+                <a:rot lat="0" lon="0" rev="1200000"/>
+              </a:lightRig>
+            </a:scene3d>
+            <a:sp3d/>
+          </p:spPr>
+          <p:style>
+            <a:lnRef idx="0">
+              <a:schemeClr val="accent1"/>
+            </a:lnRef>
+            <a:fillRef idx="3">
+              <a:schemeClr val="accent1"/>
+            </a:fillRef>
+            <a:effectRef idx="3">
+              <a:schemeClr val="accent1"/>
+            </a:effectRef>
+            <a:fontRef idx="minor">
+              <a:schemeClr val="lt1"/>
+            </a:fontRef>
+          </p:style>
+          <p:txBody>
+            <a:bodyPr rot="0" spcFirstLastPara="0" vertOverflow="overflow" horzOverflow="overflow" vert="horz" wrap="square" lIns="0" tIns="182880" rIns="0" bIns="182880" numCol="1" spcCol="0" rtlCol="0" fromWordArt="0" anchor="ctr" anchorCtr="0" forceAA="0" compatLnSpc="1">
+              <a:prstTxWarp prst="textNoShape">
+                <a:avLst/>
+              </a:prstTxWarp>
+              <a:noAutofit/>
+            </a:bodyPr>
+            <a:lstStyle/>
+            <a:p>
+              <a:pPr algn="ctr">
+                <a:lnSpc>
+                  <a:spcPct val="90000"/>
+                </a:lnSpc>
+              </a:pPr>
+              <a:r>
+                <a:rPr lang="en-US" b="1" dirty="0">
+                  <a:solidFill>
+                    <a:schemeClr val="bg1"/>
+                  </a:solidFill>
+                  <a:latin typeface="Calibri" panose="020F0502020204030204" pitchFamily="34" charset="0"/>
+                  <a:cs typeface="Calibri" panose="020F0502020204030204" pitchFamily="34" charset="0"/>
+                </a:rPr>
+                <a:t>T4</a:t>
+              </a:r>
+            </a:p>
+          </p:txBody>
+        </p:sp>
+        <p:cxnSp>
+          <p:nvCxnSpPr>
+            <p:cNvPr id="98" name="Straight Arrow Connector 97">
+              <a:extLst>
+                <a:ext uri="{FF2B5EF4-FFF2-40B4-BE49-F238E27FC236}">
+                  <a16:creationId xmlns:a16="http://schemas.microsoft.com/office/drawing/2014/main" id="{08249067-5824-E64D-BA87-E32EF3DFD2A6}"/>
+                </a:ext>
+              </a:extLst>
+            </p:cNvPr>
+            <p:cNvCxnSpPr>
+              <a:stCxn id="94" idx="7"/>
+              <a:endCxn id="95" idx="2"/>
+            </p:cNvCxnSpPr>
+            <p:nvPr/>
+          </p:nvCxnSpPr>
+          <p:spPr>
+            <a:xfrm flipV="1">
+              <a:off x="848921" y="4360304"/>
+              <a:ext cx="263695" cy="163937"/>
+            </a:xfrm>
+            <a:prstGeom prst="straightConnector1">
+              <a:avLst/>
+            </a:prstGeom>
+            <a:ln w="38100">
+              <a:solidFill>
+                <a:schemeClr val="tx1"/>
+              </a:solidFill>
+              <a:miter lim="800000"/>
+              <a:tailEnd type="triangle"/>
+            </a:ln>
+          </p:spPr>
+          <p:style>
+            <a:lnRef idx="1">
+              <a:schemeClr val="accent1"/>
+            </a:lnRef>
+            <a:fillRef idx="0">
+              <a:schemeClr val="accent1"/>
+            </a:fillRef>
+            <a:effectRef idx="0">
+              <a:schemeClr val="accent1"/>
+            </a:effectRef>
+            <a:fontRef idx="minor">
+              <a:schemeClr val="tx1"/>
+            </a:fontRef>
+          </p:style>
+        </p:cxnSp>
+        <p:cxnSp>
+          <p:nvCxnSpPr>
+            <p:cNvPr id="99" name="Straight Arrow Connector 98">
+              <a:extLst>
+                <a:ext uri="{FF2B5EF4-FFF2-40B4-BE49-F238E27FC236}">
+                  <a16:creationId xmlns:a16="http://schemas.microsoft.com/office/drawing/2014/main" id="{16E0DF95-36E2-2444-9CE2-2CC39F8E3A3C}"/>
+                </a:ext>
+              </a:extLst>
+            </p:cNvPr>
+            <p:cNvCxnSpPr>
+              <a:cxnSpLocks/>
+              <a:stCxn id="95" idx="6"/>
+              <a:endCxn id="97" idx="1"/>
+            </p:cNvCxnSpPr>
+            <p:nvPr/>
+          </p:nvCxnSpPr>
+          <p:spPr>
+            <a:xfrm>
+              <a:off x="1569816" y="4360304"/>
+              <a:ext cx="263695" cy="163937"/>
+            </a:xfrm>
+            <a:prstGeom prst="straightConnector1">
+              <a:avLst/>
+            </a:prstGeom>
+            <a:ln w="38100">
+              <a:solidFill>
+                <a:schemeClr val="tx1"/>
+              </a:solidFill>
+              <a:miter lim="800000"/>
+              <a:tailEnd type="triangle"/>
+            </a:ln>
+          </p:spPr>
+          <p:style>
+            <a:lnRef idx="1">
+              <a:schemeClr val="accent1"/>
+            </a:lnRef>
+            <a:fillRef idx="0">
+              <a:schemeClr val="accent1"/>
+            </a:fillRef>
+            <a:effectRef idx="0">
+              <a:schemeClr val="accent1"/>
+            </a:effectRef>
+            <a:fontRef idx="minor">
+              <a:schemeClr val="tx1"/>
+            </a:fontRef>
+          </p:style>
+        </p:cxnSp>
+        <p:cxnSp>
+          <p:nvCxnSpPr>
+            <p:cNvPr id="100" name="Straight Arrow Connector 99">
+              <a:extLst>
+                <a:ext uri="{FF2B5EF4-FFF2-40B4-BE49-F238E27FC236}">
+                  <a16:creationId xmlns:a16="http://schemas.microsoft.com/office/drawing/2014/main" id="{A1AF08B4-EAA2-2D46-80DF-C25BA314495D}"/>
+                </a:ext>
+              </a:extLst>
+            </p:cNvPr>
+            <p:cNvCxnSpPr>
+              <a:cxnSpLocks/>
+              <a:stCxn id="96" idx="6"/>
+              <a:endCxn id="97" idx="3"/>
+            </p:cNvCxnSpPr>
+            <p:nvPr/>
+          </p:nvCxnSpPr>
+          <p:spPr>
+            <a:xfrm flipV="1">
+              <a:off x="1569816" y="4847531"/>
+              <a:ext cx="263695" cy="198573"/>
+            </a:xfrm>
+            <a:prstGeom prst="straightConnector1">
+              <a:avLst/>
+            </a:prstGeom>
+            <a:ln w="38100">
+              <a:solidFill>
+                <a:schemeClr val="tx1"/>
+              </a:solidFill>
+              <a:miter lim="800000"/>
+              <a:tailEnd type="triangle"/>
+            </a:ln>
+          </p:spPr>
+          <p:style>
+            <a:lnRef idx="1">
+              <a:schemeClr val="accent1"/>
+            </a:lnRef>
+            <a:fillRef idx="0">
+              <a:schemeClr val="accent1"/>
+            </a:fillRef>
+            <a:effectRef idx="0">
+              <a:schemeClr val="accent1"/>
+            </a:effectRef>
+            <a:fontRef idx="minor">
+              <a:schemeClr val="tx1"/>
+            </a:fontRef>
+          </p:style>
+        </p:cxnSp>
+        <p:cxnSp>
+          <p:nvCxnSpPr>
+            <p:cNvPr id="101" name="Straight Arrow Connector 100">
+              <a:extLst>
+                <a:ext uri="{FF2B5EF4-FFF2-40B4-BE49-F238E27FC236}">
+                  <a16:creationId xmlns:a16="http://schemas.microsoft.com/office/drawing/2014/main" id="{115EAF6B-3609-1E43-966F-9E802F782864}"/>
+                </a:ext>
+              </a:extLst>
+            </p:cNvPr>
+            <p:cNvCxnSpPr>
+              <a:cxnSpLocks/>
+              <a:stCxn id="94" idx="5"/>
+              <a:endCxn id="96" idx="2"/>
+            </p:cNvCxnSpPr>
+            <p:nvPr/>
+          </p:nvCxnSpPr>
+          <p:spPr>
+            <a:xfrm>
+              <a:off x="848921" y="4847531"/>
+              <a:ext cx="263695" cy="198573"/>
+            </a:xfrm>
+            <a:prstGeom prst="straightConnector1">
+              <a:avLst/>
+            </a:prstGeom>
+            <a:ln w="38100">
+              <a:solidFill>
+                <a:schemeClr val="tx1"/>
+              </a:solidFill>
+              <a:miter lim="800000"/>
+              <a:tailEnd type="triangle"/>
+            </a:ln>
+          </p:spPr>
+          <p:style>
+            <a:lnRef idx="1">
+              <a:schemeClr val="accent1"/>
+            </a:lnRef>
+            <a:fillRef idx="0">
+              <a:schemeClr val="accent1"/>
+            </a:fillRef>
+            <a:effectRef idx="0">
+              <a:schemeClr val="accent1"/>
+            </a:effectRef>
+            <a:fontRef idx="minor">
+              <a:schemeClr val="tx1"/>
+            </a:fontRef>
+          </p:style>
+        </p:cxnSp>
+      </p:grpSp>
+      <p:grpSp>
+        <p:nvGrpSpPr>
+          <p:cNvPr id="8" name="Group 7">
             <a:extLst>
               <a:ext uri="{FF2B5EF4-FFF2-40B4-BE49-F238E27FC236}">
-                <a16:creationId xmlns:a16="http://schemas.microsoft.com/office/drawing/2014/main" id="{08BE7D03-4C06-494A-9E0C-B8140B219318}"/>
+                <a16:creationId xmlns:a16="http://schemas.microsoft.com/office/drawing/2014/main" id="{1F37E165-2C28-B449-8768-0D9C1EA30D8B}"/>
               </a:ext>
             </a:extLst>
           </p:cNvPr>
-          <p:cNvSpPr/>
+          <p:cNvGrpSpPr/>
           <p:nvPr/>
-        </p:nvSpPr>
-        <p:spPr>
+        </p:nvGrpSpPr>
+        <p:grpSpPr>
           <a:xfrm>
-            <a:off x="3628303" y="1718681"/>
-            <a:ext cx="457200" cy="457200"/>
+            <a:off x="2286096" y="3512404"/>
+            <a:ext cx="1765080" cy="1143000"/>
+            <a:chOff x="2251770" y="3445904"/>
+            <a:chExt cx="1765080" cy="1143000"/>
           </a:xfrm>
-          <a:prstGeom prst="ellipse">
-            <a:avLst/>
-          </a:prstGeom>
-          <a:solidFill>
-            <a:srgbClr val="FFC000"/>
-          </a:solidFill>
-          <a:ln w="19050">
-            <a:noFill/>
-            <a:miter lim="800000"/>
-          </a:ln>
-          <a:effectLst/>
-          <a:scene3d>
-            <a:camera prst="orthographicFront">
-              <a:rot lat="0" lon="0" rev="0"/>
-            </a:camera>
-            <a:lightRig rig="threePt" dir="t">
-              <a:rot lat="0" lon="0" rev="1200000"/>
-            </a:lightRig>
-          </a:scene3d>
-          <a:sp3d/>
-        </p:spPr>
-        <p:style>
-          <a:lnRef idx="0">
-            <a:schemeClr val="accent1"/>
-          </a:lnRef>
-          <a:fillRef idx="3">
-            <a:schemeClr val="accent1"/>
-          </a:fillRef>
-          <a:effectRef idx="3">
-            <a:schemeClr val="accent1"/>
-          </a:effectRef>
-          <a:fontRef idx="minor">
-            <a:schemeClr val="lt1"/>
-          </a:fontRef>
-        </p:style>
-        <p:txBody>
-          <a:bodyPr rot="0" spcFirstLastPara="0" vertOverflow="overflow" horzOverflow="overflow" vert="horz" wrap="square" lIns="0" tIns="182880" rIns="0" bIns="182880" numCol="1" spcCol="0" rtlCol="0" fromWordArt="0" anchor="ctr" anchorCtr="0" forceAA="0" compatLnSpc="1">
-            <a:prstTxWarp prst="textNoShape">
+        </p:grpSpPr>
+        <p:sp>
+          <p:nvSpPr>
+            <p:cNvPr id="103" name="Oval 102">
+              <a:extLst>
+                <a:ext uri="{FF2B5EF4-FFF2-40B4-BE49-F238E27FC236}">
+                  <a16:creationId xmlns:a16="http://schemas.microsoft.com/office/drawing/2014/main" id="{A32215D9-D93F-0840-93CB-410DA7DC8BE1}"/>
+                </a:ext>
+              </a:extLst>
+            </p:cNvPr>
+            <p:cNvSpPr/>
+            <p:nvPr/>
+          </p:nvSpPr>
+          <p:spPr>
+            <a:xfrm>
+              <a:off x="2251770" y="3771486"/>
+              <a:ext cx="457200" cy="457200"/>
+            </a:xfrm>
+            <a:prstGeom prst="ellipse">
               <a:avLst/>
-            </a:prstTxWarp>
-            <a:noAutofit/>
-          </a:bodyPr>
-          <a:lstStyle/>
-          <a:p>
-            <a:pPr algn="ctr">
-              <a:lnSpc>
-                <a:spcPct val="90000"/>
-              </a:lnSpc>
-            </a:pPr>
-            <a:r>
-              <a:rPr lang="en-US" b="1" dirty="0">
-                <a:solidFill>
-                  <a:schemeClr val="tx1"/>
-                </a:solidFill>
-                <a:latin typeface="Calibri" panose="020F0502020204030204" pitchFamily="34" charset="0"/>
-                <a:cs typeface="Calibri" panose="020F0502020204030204" pitchFamily="34" charset="0"/>
-              </a:rPr>
-              <a:t>T4</a:t>
-            </a:r>
-          </a:p>
-        </p:txBody>
-      </p:sp>
-      <p:cxnSp>
-        <p:nvCxnSpPr>
-          <p:cNvPr id="62" name="Straight Arrow Connector 61">
+            </a:prstGeom>
+            <a:solidFill>
+              <a:schemeClr val="accent1">
+                <a:lumMod val="50000"/>
+              </a:schemeClr>
+            </a:solidFill>
+            <a:ln w="19050">
+              <a:noFill/>
+              <a:miter lim="800000"/>
+            </a:ln>
+            <a:effectLst/>
+            <a:scene3d>
+              <a:camera prst="orthographicFront">
+                <a:rot lat="0" lon="0" rev="0"/>
+              </a:camera>
+              <a:lightRig rig="threePt" dir="t">
+                <a:rot lat="0" lon="0" rev="1200000"/>
+              </a:lightRig>
+            </a:scene3d>
+            <a:sp3d/>
+          </p:spPr>
+          <p:style>
+            <a:lnRef idx="0">
+              <a:schemeClr val="accent1"/>
+            </a:lnRef>
+            <a:fillRef idx="3">
+              <a:schemeClr val="accent1"/>
+            </a:fillRef>
+            <a:effectRef idx="3">
+              <a:schemeClr val="accent1"/>
+            </a:effectRef>
+            <a:fontRef idx="minor">
+              <a:schemeClr val="lt1"/>
+            </a:fontRef>
+          </p:style>
+          <p:txBody>
+            <a:bodyPr rot="0" spcFirstLastPara="0" vertOverflow="overflow" horzOverflow="overflow" vert="horz" wrap="square" lIns="0" tIns="182880" rIns="0" bIns="182880" numCol="1" spcCol="0" rtlCol="0" fromWordArt="0" anchor="ctr" anchorCtr="0" forceAA="0" compatLnSpc="1">
+              <a:prstTxWarp prst="textNoShape">
+                <a:avLst/>
+              </a:prstTxWarp>
+              <a:noAutofit/>
+            </a:bodyPr>
+            <a:lstStyle/>
+            <a:p>
+              <a:pPr algn="ctr">
+                <a:lnSpc>
+                  <a:spcPct val="90000"/>
+                </a:lnSpc>
+              </a:pPr>
+              <a:r>
+                <a:rPr lang="en-US" b="1" dirty="0">
+                  <a:solidFill>
+                    <a:schemeClr val="bg1"/>
+                  </a:solidFill>
+                  <a:latin typeface="Calibri" panose="020F0502020204030204" pitchFamily="34" charset="0"/>
+                  <a:cs typeface="Calibri" panose="020F0502020204030204" pitchFamily="34" charset="0"/>
+                </a:rPr>
+                <a:t>T1</a:t>
+              </a:r>
+            </a:p>
+          </p:txBody>
+        </p:sp>
+        <p:sp>
+          <p:nvSpPr>
+            <p:cNvPr id="104" name="Oval 103">
+              <a:extLst>
+                <a:ext uri="{FF2B5EF4-FFF2-40B4-BE49-F238E27FC236}">
+                  <a16:creationId xmlns:a16="http://schemas.microsoft.com/office/drawing/2014/main" id="{246D11EC-1512-6948-8E4A-7414DA189917}"/>
+                </a:ext>
+              </a:extLst>
+            </p:cNvPr>
+            <p:cNvSpPr/>
+            <p:nvPr/>
+          </p:nvSpPr>
+          <p:spPr>
+            <a:xfrm>
+              <a:off x="2905710" y="3445904"/>
+              <a:ext cx="457200" cy="457200"/>
+            </a:xfrm>
+            <a:prstGeom prst="ellipse">
+              <a:avLst/>
+            </a:prstGeom>
+            <a:solidFill>
+              <a:schemeClr val="accent6">
+                <a:lumMod val="75000"/>
+              </a:schemeClr>
+            </a:solidFill>
+            <a:ln w="19050">
+              <a:noFill/>
+              <a:miter lim="800000"/>
+            </a:ln>
+            <a:effectLst/>
+            <a:scene3d>
+              <a:camera prst="orthographicFront">
+                <a:rot lat="0" lon="0" rev="0"/>
+              </a:camera>
+              <a:lightRig rig="threePt" dir="t">
+                <a:rot lat="0" lon="0" rev="1200000"/>
+              </a:lightRig>
+            </a:scene3d>
+            <a:sp3d/>
+          </p:spPr>
+          <p:style>
+            <a:lnRef idx="0">
+              <a:schemeClr val="accent1"/>
+            </a:lnRef>
+            <a:fillRef idx="3">
+              <a:schemeClr val="accent1"/>
+            </a:fillRef>
+            <a:effectRef idx="3">
+              <a:schemeClr val="accent1"/>
+            </a:effectRef>
+            <a:fontRef idx="minor">
+              <a:schemeClr val="lt1"/>
+            </a:fontRef>
+          </p:style>
+          <p:txBody>
+            <a:bodyPr rot="0" spcFirstLastPara="0" vertOverflow="overflow" horzOverflow="overflow" vert="horz" wrap="square" lIns="0" tIns="182880" rIns="0" bIns="182880" numCol="1" spcCol="0" rtlCol="0" fromWordArt="0" anchor="ctr" anchorCtr="0" forceAA="0" compatLnSpc="1">
+              <a:prstTxWarp prst="textNoShape">
+                <a:avLst/>
+              </a:prstTxWarp>
+              <a:noAutofit/>
+            </a:bodyPr>
+            <a:lstStyle/>
+            <a:p>
+              <a:pPr algn="ctr">
+                <a:lnSpc>
+                  <a:spcPct val="90000"/>
+                </a:lnSpc>
+              </a:pPr>
+              <a:r>
+                <a:rPr lang="en-US" b="1" dirty="0">
+                  <a:solidFill>
+                    <a:schemeClr val="bg1"/>
+                  </a:solidFill>
+                  <a:latin typeface="Calibri" panose="020F0502020204030204" pitchFamily="34" charset="0"/>
+                  <a:cs typeface="Calibri" panose="020F0502020204030204" pitchFamily="34" charset="0"/>
+                </a:rPr>
+                <a:t>T2</a:t>
+              </a:r>
+            </a:p>
+          </p:txBody>
+        </p:sp>
+        <p:sp>
+          <p:nvSpPr>
+            <p:cNvPr id="105" name="Oval 104">
+              <a:extLst>
+                <a:ext uri="{FF2B5EF4-FFF2-40B4-BE49-F238E27FC236}">
+                  <a16:creationId xmlns:a16="http://schemas.microsoft.com/office/drawing/2014/main" id="{6DB435EC-55BA-8D4F-ADF9-EBEF207CC2EC}"/>
+                </a:ext>
+              </a:extLst>
+            </p:cNvPr>
+            <p:cNvSpPr/>
+            <p:nvPr/>
+          </p:nvSpPr>
+          <p:spPr>
+            <a:xfrm>
+              <a:off x="2905710" y="4131704"/>
+              <a:ext cx="457200" cy="457200"/>
+            </a:xfrm>
+            <a:prstGeom prst="ellipse">
+              <a:avLst/>
+            </a:prstGeom>
+            <a:solidFill>
+              <a:schemeClr val="accent1">
+                <a:lumMod val="50000"/>
+              </a:schemeClr>
+            </a:solidFill>
+            <a:ln w="19050">
+              <a:noFill/>
+              <a:miter lim="800000"/>
+            </a:ln>
+            <a:effectLst/>
+            <a:scene3d>
+              <a:camera prst="orthographicFront">
+                <a:rot lat="0" lon="0" rev="0"/>
+              </a:camera>
+              <a:lightRig rig="threePt" dir="t">
+                <a:rot lat="0" lon="0" rev="1200000"/>
+              </a:lightRig>
+            </a:scene3d>
+            <a:sp3d/>
+          </p:spPr>
+          <p:style>
+            <a:lnRef idx="0">
+              <a:schemeClr val="accent1"/>
+            </a:lnRef>
+            <a:fillRef idx="3">
+              <a:schemeClr val="accent1"/>
+            </a:fillRef>
+            <a:effectRef idx="3">
+              <a:schemeClr val="accent1"/>
+            </a:effectRef>
+            <a:fontRef idx="minor">
+              <a:schemeClr val="lt1"/>
+            </a:fontRef>
+          </p:style>
+          <p:txBody>
+            <a:bodyPr rot="0" spcFirstLastPara="0" vertOverflow="overflow" horzOverflow="overflow" vert="horz" wrap="square" lIns="0" tIns="182880" rIns="0" bIns="182880" numCol="1" spcCol="0" rtlCol="0" fromWordArt="0" anchor="ctr" anchorCtr="0" forceAA="0" compatLnSpc="1">
+              <a:prstTxWarp prst="textNoShape">
+                <a:avLst/>
+              </a:prstTxWarp>
+              <a:noAutofit/>
+            </a:bodyPr>
+            <a:lstStyle/>
+            <a:p>
+              <a:pPr algn="ctr">
+                <a:lnSpc>
+                  <a:spcPct val="90000"/>
+                </a:lnSpc>
+              </a:pPr>
+              <a:r>
+                <a:rPr lang="en-US" b="1" dirty="0">
+                  <a:solidFill>
+                    <a:schemeClr val="bg1"/>
+                  </a:solidFill>
+                  <a:latin typeface="Calibri" panose="020F0502020204030204" pitchFamily="34" charset="0"/>
+                  <a:cs typeface="Calibri" panose="020F0502020204030204" pitchFamily="34" charset="0"/>
+                </a:rPr>
+                <a:t>T3</a:t>
+              </a:r>
+            </a:p>
+          </p:txBody>
+        </p:sp>
+        <p:sp>
+          <p:nvSpPr>
+            <p:cNvPr id="106" name="Oval 105">
+              <a:extLst>
+                <a:ext uri="{FF2B5EF4-FFF2-40B4-BE49-F238E27FC236}">
+                  <a16:creationId xmlns:a16="http://schemas.microsoft.com/office/drawing/2014/main" id="{514AC1E0-D047-4F4C-AC87-5BF349FBBE75}"/>
+                </a:ext>
+              </a:extLst>
+            </p:cNvPr>
+            <p:cNvSpPr/>
+            <p:nvPr/>
+          </p:nvSpPr>
+          <p:spPr>
+            <a:xfrm>
+              <a:off x="3559650" y="3771486"/>
+              <a:ext cx="457200" cy="457200"/>
+            </a:xfrm>
+            <a:prstGeom prst="ellipse">
+              <a:avLst/>
+            </a:prstGeom>
+            <a:solidFill>
+              <a:srgbClr val="FF0000"/>
+            </a:solidFill>
+            <a:ln w="19050">
+              <a:noFill/>
+              <a:miter lim="800000"/>
+            </a:ln>
+            <a:effectLst/>
+            <a:scene3d>
+              <a:camera prst="orthographicFront">
+                <a:rot lat="0" lon="0" rev="0"/>
+              </a:camera>
+              <a:lightRig rig="threePt" dir="t">
+                <a:rot lat="0" lon="0" rev="1200000"/>
+              </a:lightRig>
+            </a:scene3d>
+            <a:sp3d/>
+          </p:spPr>
+          <p:style>
+            <a:lnRef idx="0">
+              <a:schemeClr val="accent1"/>
+            </a:lnRef>
+            <a:fillRef idx="3">
+              <a:schemeClr val="accent1"/>
+            </a:fillRef>
+            <a:effectRef idx="3">
+              <a:schemeClr val="accent1"/>
+            </a:effectRef>
+            <a:fontRef idx="minor">
+              <a:schemeClr val="lt1"/>
+            </a:fontRef>
+          </p:style>
+          <p:txBody>
+            <a:bodyPr rot="0" spcFirstLastPara="0" vertOverflow="overflow" horzOverflow="overflow" vert="horz" wrap="square" lIns="0" tIns="182880" rIns="0" bIns="182880" numCol="1" spcCol="0" rtlCol="0" fromWordArt="0" anchor="ctr" anchorCtr="0" forceAA="0" compatLnSpc="1">
+              <a:prstTxWarp prst="textNoShape">
+                <a:avLst/>
+              </a:prstTxWarp>
+              <a:noAutofit/>
+            </a:bodyPr>
+            <a:lstStyle/>
+            <a:p>
+              <a:pPr algn="ctr">
+                <a:lnSpc>
+                  <a:spcPct val="90000"/>
+                </a:lnSpc>
+              </a:pPr>
+              <a:r>
+                <a:rPr lang="en-US" b="1" dirty="0">
+                  <a:solidFill>
+                    <a:schemeClr val="bg1"/>
+                  </a:solidFill>
+                  <a:latin typeface="Calibri" panose="020F0502020204030204" pitchFamily="34" charset="0"/>
+                  <a:cs typeface="Calibri" panose="020F0502020204030204" pitchFamily="34" charset="0"/>
+                </a:rPr>
+                <a:t>T4</a:t>
+              </a:r>
+            </a:p>
+          </p:txBody>
+        </p:sp>
+        <p:cxnSp>
+          <p:nvCxnSpPr>
+            <p:cNvPr id="107" name="Straight Arrow Connector 106">
+              <a:extLst>
+                <a:ext uri="{FF2B5EF4-FFF2-40B4-BE49-F238E27FC236}">
+                  <a16:creationId xmlns:a16="http://schemas.microsoft.com/office/drawing/2014/main" id="{8EABC00F-996B-FC47-9162-3B2108657872}"/>
+                </a:ext>
+              </a:extLst>
+            </p:cNvPr>
+            <p:cNvCxnSpPr>
+              <a:stCxn id="103" idx="7"/>
+              <a:endCxn id="104" idx="2"/>
+            </p:cNvCxnSpPr>
+            <p:nvPr/>
+          </p:nvCxnSpPr>
+          <p:spPr>
+            <a:xfrm flipV="1">
+              <a:off x="2642015" y="3674504"/>
+              <a:ext cx="263695" cy="163937"/>
+            </a:xfrm>
+            <a:prstGeom prst="straightConnector1">
+              <a:avLst/>
+            </a:prstGeom>
+            <a:ln w="38100">
+              <a:solidFill>
+                <a:schemeClr val="tx1"/>
+              </a:solidFill>
+              <a:miter lim="800000"/>
+              <a:tailEnd type="triangle"/>
+            </a:ln>
+          </p:spPr>
+          <p:style>
+            <a:lnRef idx="1">
+              <a:schemeClr val="accent1"/>
+            </a:lnRef>
+            <a:fillRef idx="0">
+              <a:schemeClr val="accent1"/>
+            </a:fillRef>
+            <a:effectRef idx="0">
+              <a:schemeClr val="accent1"/>
+            </a:effectRef>
+            <a:fontRef idx="minor">
+              <a:schemeClr val="tx1"/>
+            </a:fontRef>
+          </p:style>
+        </p:cxnSp>
+        <p:cxnSp>
+          <p:nvCxnSpPr>
+            <p:cNvPr id="108" name="Straight Arrow Connector 107">
+              <a:extLst>
+                <a:ext uri="{FF2B5EF4-FFF2-40B4-BE49-F238E27FC236}">
+                  <a16:creationId xmlns:a16="http://schemas.microsoft.com/office/drawing/2014/main" id="{D62D94DD-6C1F-D546-9FDD-7AF286748B58}"/>
+                </a:ext>
+              </a:extLst>
+            </p:cNvPr>
+            <p:cNvCxnSpPr>
+              <a:cxnSpLocks/>
+              <a:stCxn id="104" idx="6"/>
+              <a:endCxn id="106" idx="1"/>
+            </p:cNvCxnSpPr>
+            <p:nvPr/>
+          </p:nvCxnSpPr>
+          <p:spPr>
+            <a:xfrm>
+              <a:off x="3362910" y="3674504"/>
+              <a:ext cx="263695" cy="163937"/>
+            </a:xfrm>
+            <a:prstGeom prst="straightConnector1">
+              <a:avLst/>
+            </a:prstGeom>
+            <a:ln w="38100">
+              <a:solidFill>
+                <a:schemeClr val="tx1"/>
+              </a:solidFill>
+              <a:miter lim="800000"/>
+              <a:tailEnd type="triangle"/>
+            </a:ln>
+          </p:spPr>
+          <p:style>
+            <a:lnRef idx="1">
+              <a:schemeClr val="accent1"/>
+            </a:lnRef>
+            <a:fillRef idx="0">
+              <a:schemeClr val="accent1"/>
+            </a:fillRef>
+            <a:effectRef idx="0">
+              <a:schemeClr val="accent1"/>
+            </a:effectRef>
+            <a:fontRef idx="minor">
+              <a:schemeClr val="tx1"/>
+            </a:fontRef>
+          </p:style>
+        </p:cxnSp>
+        <p:cxnSp>
+          <p:nvCxnSpPr>
+            <p:cNvPr id="109" name="Straight Arrow Connector 108">
+              <a:extLst>
+                <a:ext uri="{FF2B5EF4-FFF2-40B4-BE49-F238E27FC236}">
+                  <a16:creationId xmlns:a16="http://schemas.microsoft.com/office/drawing/2014/main" id="{F7CE4CB7-090A-B24D-8C94-D6F9F65600A1}"/>
+                </a:ext>
+              </a:extLst>
+            </p:cNvPr>
+            <p:cNvCxnSpPr>
+              <a:cxnSpLocks/>
+              <a:stCxn id="105" idx="6"/>
+              <a:endCxn id="106" idx="3"/>
+            </p:cNvCxnSpPr>
+            <p:nvPr/>
+          </p:nvCxnSpPr>
+          <p:spPr>
+            <a:xfrm flipV="1">
+              <a:off x="3362910" y="4161731"/>
+              <a:ext cx="263695" cy="198573"/>
+            </a:xfrm>
+            <a:prstGeom prst="straightConnector1">
+              <a:avLst/>
+            </a:prstGeom>
+            <a:ln w="38100">
+              <a:solidFill>
+                <a:schemeClr val="tx1"/>
+              </a:solidFill>
+              <a:miter lim="800000"/>
+              <a:tailEnd type="triangle"/>
+            </a:ln>
+          </p:spPr>
+          <p:style>
+            <a:lnRef idx="1">
+              <a:schemeClr val="accent1"/>
+            </a:lnRef>
+            <a:fillRef idx="0">
+              <a:schemeClr val="accent1"/>
+            </a:fillRef>
+            <a:effectRef idx="0">
+              <a:schemeClr val="accent1"/>
+            </a:effectRef>
+            <a:fontRef idx="minor">
+              <a:schemeClr val="tx1"/>
+            </a:fontRef>
+          </p:style>
+        </p:cxnSp>
+        <p:cxnSp>
+          <p:nvCxnSpPr>
+            <p:cNvPr id="110" name="Straight Arrow Connector 109">
+              <a:extLst>
+                <a:ext uri="{FF2B5EF4-FFF2-40B4-BE49-F238E27FC236}">
+                  <a16:creationId xmlns:a16="http://schemas.microsoft.com/office/drawing/2014/main" id="{CF7D5588-7258-7345-A8B0-350ABE108EF7}"/>
+                </a:ext>
+              </a:extLst>
+            </p:cNvPr>
+            <p:cNvCxnSpPr>
+              <a:cxnSpLocks/>
+              <a:stCxn id="103" idx="5"/>
+              <a:endCxn id="105" idx="2"/>
+            </p:cNvCxnSpPr>
+            <p:nvPr/>
+          </p:nvCxnSpPr>
+          <p:spPr>
+            <a:xfrm>
+              <a:off x="2642015" y="4161731"/>
+              <a:ext cx="263695" cy="198573"/>
+            </a:xfrm>
+            <a:prstGeom prst="straightConnector1">
+              <a:avLst/>
+            </a:prstGeom>
+            <a:ln w="38100">
+              <a:solidFill>
+                <a:schemeClr val="tx1"/>
+              </a:solidFill>
+              <a:miter lim="800000"/>
+              <a:tailEnd type="triangle"/>
+            </a:ln>
+          </p:spPr>
+          <p:style>
+            <a:lnRef idx="1">
+              <a:schemeClr val="accent1"/>
+            </a:lnRef>
+            <a:fillRef idx="0">
+              <a:schemeClr val="accent1"/>
+            </a:fillRef>
+            <a:effectRef idx="0">
+              <a:schemeClr val="accent1"/>
+            </a:effectRef>
+            <a:fontRef idx="minor">
+              <a:schemeClr val="tx1"/>
+            </a:fontRef>
+          </p:style>
+        </p:cxnSp>
+      </p:grpSp>
+      <p:grpSp>
+        <p:nvGrpSpPr>
+          <p:cNvPr id="7" name="Group 6">
             <a:extLst>
               <a:ext uri="{FF2B5EF4-FFF2-40B4-BE49-F238E27FC236}">
-                <a16:creationId xmlns:a16="http://schemas.microsoft.com/office/drawing/2014/main" id="{DCD416F7-FAC2-3148-AED8-7267A34E9AFF}"/>
+                <a16:creationId xmlns:a16="http://schemas.microsoft.com/office/drawing/2014/main" id="{586ED229-8EE0-3F46-86EE-6BADF8AAA08A}"/>
               </a:ext>
             </a:extLst>
           </p:cNvPr>
-          <p:cNvCxnSpPr>
-            <a:stCxn id="58" idx="7"/>
-            <a:endCxn id="59" idx="2"/>
-          </p:cNvCxnSpPr>
+          <p:cNvGrpSpPr/>
           <p:nvPr/>
-        </p:nvCxnSpPr>
-        <p:spPr>
-          <a:xfrm flipV="1">
-            <a:off x="2710668" y="1621699"/>
-            <a:ext cx="263695" cy="163937"/>
+        </p:nvGrpSpPr>
+        <p:grpSpPr>
+          <a:xfrm>
+            <a:off x="4079190" y="4063735"/>
+            <a:ext cx="1765080" cy="1143000"/>
+            <a:chOff x="4044864" y="4095517"/>
+            <a:chExt cx="1765080" cy="1143000"/>
           </a:xfrm>
-          <a:prstGeom prst="straightConnector1">
-            <a:avLst/>
-          </a:prstGeom>
-          <a:ln w="38100">
+        </p:grpSpPr>
+        <p:sp>
+          <p:nvSpPr>
+            <p:cNvPr id="112" name="Oval 111">
+              <a:extLst>
+                <a:ext uri="{FF2B5EF4-FFF2-40B4-BE49-F238E27FC236}">
+                  <a16:creationId xmlns:a16="http://schemas.microsoft.com/office/drawing/2014/main" id="{C7826A76-2993-D245-A5BA-07EF79A64366}"/>
+                </a:ext>
+              </a:extLst>
+            </p:cNvPr>
+            <p:cNvSpPr/>
+            <p:nvPr/>
+          </p:nvSpPr>
+          <p:spPr>
+            <a:xfrm>
+              <a:off x="4044864" y="4421099"/>
+              <a:ext cx="457200" cy="457200"/>
+            </a:xfrm>
+            <a:prstGeom prst="ellipse">
+              <a:avLst/>
+            </a:prstGeom>
             <a:solidFill>
+              <a:srgbClr val="FF0000"/>
+            </a:solidFill>
+            <a:ln w="19050">
+              <a:noFill/>
+              <a:miter lim="800000"/>
+            </a:ln>
+            <a:effectLst/>
+            <a:scene3d>
+              <a:camera prst="orthographicFront">
+                <a:rot lat="0" lon="0" rev="0"/>
+              </a:camera>
+              <a:lightRig rig="threePt" dir="t">
+                <a:rot lat="0" lon="0" rev="1200000"/>
+              </a:lightRig>
+            </a:scene3d>
+            <a:sp3d/>
+          </p:spPr>
+          <p:style>
+            <a:lnRef idx="0">
+              <a:schemeClr val="accent1"/>
+            </a:lnRef>
+            <a:fillRef idx="3">
+              <a:schemeClr val="accent1"/>
+            </a:fillRef>
+            <a:effectRef idx="3">
+              <a:schemeClr val="accent1"/>
+            </a:effectRef>
+            <a:fontRef idx="minor">
+              <a:schemeClr val="lt1"/>
+            </a:fontRef>
+          </p:style>
+          <p:txBody>
+            <a:bodyPr rot="0" spcFirstLastPara="0" vertOverflow="overflow" horzOverflow="overflow" vert="horz" wrap="square" lIns="0" tIns="182880" rIns="0" bIns="182880" numCol="1" spcCol="0" rtlCol="0" fromWordArt="0" anchor="ctr" anchorCtr="0" forceAA="0" compatLnSpc="1">
+              <a:prstTxWarp prst="textNoShape">
+                <a:avLst/>
+              </a:prstTxWarp>
+              <a:noAutofit/>
+            </a:bodyPr>
+            <a:lstStyle/>
+            <a:p>
+              <a:pPr algn="ctr">
+                <a:lnSpc>
+                  <a:spcPct val="90000"/>
+                </a:lnSpc>
+              </a:pPr>
+              <a:r>
+                <a:rPr lang="en-US" b="1" dirty="0">
+                  <a:solidFill>
+                    <a:schemeClr val="bg1"/>
+                  </a:solidFill>
+                  <a:latin typeface="Calibri" panose="020F0502020204030204" pitchFamily="34" charset="0"/>
+                  <a:cs typeface="Calibri" panose="020F0502020204030204" pitchFamily="34" charset="0"/>
+                </a:rPr>
+                <a:t>T1</a:t>
+              </a:r>
+            </a:p>
+          </p:txBody>
+        </p:sp>
+        <p:sp>
+          <p:nvSpPr>
+            <p:cNvPr id="113" name="Oval 112">
+              <a:extLst>
+                <a:ext uri="{FF2B5EF4-FFF2-40B4-BE49-F238E27FC236}">
+                  <a16:creationId xmlns:a16="http://schemas.microsoft.com/office/drawing/2014/main" id="{7A0843A5-8041-8A44-9D2E-4B0CBF029060}"/>
+                </a:ext>
+              </a:extLst>
+            </p:cNvPr>
+            <p:cNvSpPr/>
+            <p:nvPr/>
+          </p:nvSpPr>
+          <p:spPr>
+            <a:xfrm>
+              <a:off x="4698804" y="4095517"/>
+              <a:ext cx="457200" cy="457200"/>
+            </a:xfrm>
+            <a:prstGeom prst="ellipse">
+              <a:avLst/>
+            </a:prstGeom>
+            <a:solidFill>
+              <a:schemeClr val="accent6">
+                <a:lumMod val="75000"/>
+              </a:schemeClr>
+            </a:solidFill>
+            <a:ln w="19050">
+              <a:noFill/>
+              <a:miter lim="800000"/>
+            </a:ln>
+            <a:effectLst/>
+            <a:scene3d>
+              <a:camera prst="orthographicFront">
+                <a:rot lat="0" lon="0" rev="0"/>
+              </a:camera>
+              <a:lightRig rig="threePt" dir="t">
+                <a:rot lat="0" lon="0" rev="1200000"/>
+              </a:lightRig>
+            </a:scene3d>
+            <a:sp3d/>
+          </p:spPr>
+          <p:style>
+            <a:lnRef idx="0">
+              <a:schemeClr val="accent1"/>
+            </a:lnRef>
+            <a:fillRef idx="3">
+              <a:schemeClr val="accent1"/>
+            </a:fillRef>
+            <a:effectRef idx="3">
+              <a:schemeClr val="accent1"/>
+            </a:effectRef>
+            <a:fontRef idx="minor">
+              <a:schemeClr val="lt1"/>
+            </a:fontRef>
+          </p:style>
+          <p:txBody>
+            <a:bodyPr rot="0" spcFirstLastPara="0" vertOverflow="overflow" horzOverflow="overflow" vert="horz" wrap="square" lIns="0" tIns="182880" rIns="0" bIns="182880" numCol="1" spcCol="0" rtlCol="0" fromWordArt="0" anchor="ctr" anchorCtr="0" forceAA="0" compatLnSpc="1">
+              <a:prstTxWarp prst="textNoShape">
+                <a:avLst/>
+              </a:prstTxWarp>
+              <a:noAutofit/>
+            </a:bodyPr>
+            <a:lstStyle/>
+            <a:p>
+              <a:pPr algn="ctr">
+                <a:lnSpc>
+                  <a:spcPct val="90000"/>
+                </a:lnSpc>
+              </a:pPr>
+              <a:r>
+                <a:rPr lang="en-US" b="1" dirty="0">
+                  <a:solidFill>
+                    <a:schemeClr val="bg1"/>
+                  </a:solidFill>
+                  <a:latin typeface="Calibri" panose="020F0502020204030204" pitchFamily="34" charset="0"/>
+                  <a:cs typeface="Calibri" panose="020F0502020204030204" pitchFamily="34" charset="0"/>
+                </a:rPr>
+                <a:t>T2</a:t>
+              </a:r>
+            </a:p>
+          </p:txBody>
+        </p:sp>
+        <p:sp>
+          <p:nvSpPr>
+            <p:cNvPr id="114" name="Oval 113">
+              <a:extLst>
+                <a:ext uri="{FF2B5EF4-FFF2-40B4-BE49-F238E27FC236}">
+                  <a16:creationId xmlns:a16="http://schemas.microsoft.com/office/drawing/2014/main" id="{28308CC4-B70F-0A41-98E6-2739560194A2}"/>
+                </a:ext>
+              </a:extLst>
+            </p:cNvPr>
+            <p:cNvSpPr/>
+            <p:nvPr/>
+          </p:nvSpPr>
+          <p:spPr>
+            <a:xfrm>
+              <a:off x="4698804" y="4781317"/>
+              <a:ext cx="457200" cy="457200"/>
+            </a:xfrm>
+            <a:prstGeom prst="ellipse">
+              <a:avLst/>
+            </a:prstGeom>
+            <a:solidFill>
+              <a:srgbClr val="FF0000"/>
+            </a:solidFill>
+            <a:ln w="19050">
+              <a:noFill/>
+              <a:miter lim="800000"/>
+            </a:ln>
+            <a:effectLst/>
+            <a:scene3d>
+              <a:camera prst="orthographicFront">
+                <a:rot lat="0" lon="0" rev="0"/>
+              </a:camera>
+              <a:lightRig rig="threePt" dir="t">
+                <a:rot lat="0" lon="0" rev="1200000"/>
+              </a:lightRig>
+            </a:scene3d>
+            <a:sp3d/>
+          </p:spPr>
+          <p:style>
+            <a:lnRef idx="0">
+              <a:schemeClr val="accent1"/>
+            </a:lnRef>
+            <a:fillRef idx="3">
+              <a:schemeClr val="accent1"/>
+            </a:fillRef>
+            <a:effectRef idx="3">
+              <a:schemeClr val="accent1"/>
+            </a:effectRef>
+            <a:fontRef idx="minor">
+              <a:schemeClr val="lt1"/>
+            </a:fontRef>
+          </p:style>
+          <p:txBody>
+            <a:bodyPr rot="0" spcFirstLastPara="0" vertOverflow="overflow" horzOverflow="overflow" vert="horz" wrap="square" lIns="0" tIns="182880" rIns="0" bIns="182880" numCol="1" spcCol="0" rtlCol="0" fromWordArt="0" anchor="ctr" anchorCtr="0" forceAA="0" compatLnSpc="1">
+              <a:prstTxWarp prst="textNoShape">
+                <a:avLst/>
+              </a:prstTxWarp>
+              <a:noAutofit/>
+            </a:bodyPr>
+            <a:lstStyle/>
+            <a:p>
+              <a:pPr algn="ctr">
+                <a:lnSpc>
+                  <a:spcPct val="90000"/>
+                </a:lnSpc>
+              </a:pPr>
+              <a:r>
+                <a:rPr lang="en-US" b="1" dirty="0">
+                  <a:solidFill>
+                    <a:schemeClr val="bg1"/>
+                  </a:solidFill>
+                  <a:latin typeface="Calibri" panose="020F0502020204030204" pitchFamily="34" charset="0"/>
+                  <a:cs typeface="Calibri" panose="020F0502020204030204" pitchFamily="34" charset="0"/>
+                </a:rPr>
+                <a:t>T3</a:t>
+              </a:r>
+            </a:p>
+          </p:txBody>
+        </p:sp>
+        <p:sp>
+          <p:nvSpPr>
+            <p:cNvPr id="115" name="Oval 114">
+              <a:extLst>
+                <a:ext uri="{FF2B5EF4-FFF2-40B4-BE49-F238E27FC236}">
+                  <a16:creationId xmlns:a16="http://schemas.microsoft.com/office/drawing/2014/main" id="{14F2A13C-324B-D644-9EBD-44DCF1F23C23}"/>
+                </a:ext>
+              </a:extLst>
+            </p:cNvPr>
+            <p:cNvSpPr/>
+            <p:nvPr/>
+          </p:nvSpPr>
+          <p:spPr>
+            <a:xfrm>
+              <a:off x="5352744" y="4421099"/>
+              <a:ext cx="457200" cy="457200"/>
+            </a:xfrm>
+            <a:prstGeom prst="ellipse">
+              <a:avLst/>
+            </a:prstGeom>
+            <a:solidFill>
+              <a:schemeClr val="accent6">
+                <a:lumMod val="75000"/>
+              </a:schemeClr>
+            </a:solidFill>
+            <a:ln w="19050">
+              <a:noFill/>
+              <a:miter lim="800000"/>
+            </a:ln>
+            <a:effectLst/>
+            <a:scene3d>
+              <a:camera prst="orthographicFront">
+                <a:rot lat="0" lon="0" rev="0"/>
+              </a:camera>
+              <a:lightRig rig="threePt" dir="t">
+                <a:rot lat="0" lon="0" rev="1200000"/>
+              </a:lightRig>
+            </a:scene3d>
+            <a:sp3d/>
+          </p:spPr>
+          <p:style>
+            <a:lnRef idx="0">
+              <a:schemeClr val="accent1"/>
+            </a:lnRef>
+            <a:fillRef idx="3">
+              <a:schemeClr val="accent1"/>
+            </a:fillRef>
+            <a:effectRef idx="3">
+              <a:schemeClr val="accent1"/>
+            </a:effectRef>
+            <a:fontRef idx="minor">
+              <a:schemeClr val="lt1"/>
+            </a:fontRef>
+          </p:style>
+          <p:txBody>
+            <a:bodyPr rot="0" spcFirstLastPara="0" vertOverflow="overflow" horzOverflow="overflow" vert="horz" wrap="square" lIns="0" tIns="182880" rIns="0" bIns="182880" numCol="1" spcCol="0" rtlCol="0" fromWordArt="0" anchor="ctr" anchorCtr="0" forceAA="0" compatLnSpc="1">
+              <a:prstTxWarp prst="textNoShape">
+                <a:avLst/>
+              </a:prstTxWarp>
+              <a:noAutofit/>
+            </a:bodyPr>
+            <a:lstStyle/>
+            <a:p>
+              <a:pPr algn="ctr">
+                <a:lnSpc>
+                  <a:spcPct val="90000"/>
+                </a:lnSpc>
+              </a:pPr>
+              <a:r>
+                <a:rPr lang="en-US" b="1" dirty="0">
+                  <a:solidFill>
+                    <a:schemeClr val="bg1"/>
+                  </a:solidFill>
+                  <a:latin typeface="Calibri" panose="020F0502020204030204" pitchFamily="34" charset="0"/>
+                  <a:cs typeface="Calibri" panose="020F0502020204030204" pitchFamily="34" charset="0"/>
+                </a:rPr>
+                <a:t>T4</a:t>
+              </a:r>
+            </a:p>
+          </p:txBody>
+        </p:sp>
+        <p:cxnSp>
+          <p:nvCxnSpPr>
+            <p:cNvPr id="116" name="Straight Arrow Connector 115">
+              <a:extLst>
+                <a:ext uri="{FF2B5EF4-FFF2-40B4-BE49-F238E27FC236}">
+                  <a16:creationId xmlns:a16="http://schemas.microsoft.com/office/drawing/2014/main" id="{F24880EE-EFED-6545-A49A-A3A3DC8063D8}"/>
+                </a:ext>
+              </a:extLst>
+            </p:cNvPr>
+            <p:cNvCxnSpPr>
+              <a:stCxn id="112" idx="7"/>
+              <a:endCxn id="113" idx="2"/>
+            </p:cNvCxnSpPr>
+            <p:nvPr/>
+          </p:nvCxnSpPr>
+          <p:spPr>
+            <a:xfrm flipV="1">
+              <a:off x="4435109" y="4324117"/>
+              <a:ext cx="263695" cy="163937"/>
+            </a:xfrm>
+            <a:prstGeom prst="straightConnector1">
+              <a:avLst/>
+            </a:prstGeom>
+            <a:ln w="38100">
+              <a:solidFill>
+                <a:schemeClr val="tx1"/>
+              </a:solidFill>
+              <a:miter lim="800000"/>
+              <a:tailEnd type="triangle"/>
+            </a:ln>
+          </p:spPr>
+          <p:style>
+            <a:lnRef idx="1">
+              <a:schemeClr val="accent1"/>
+            </a:lnRef>
+            <a:fillRef idx="0">
+              <a:schemeClr val="accent1"/>
+            </a:fillRef>
+            <a:effectRef idx="0">
+              <a:schemeClr val="accent1"/>
+            </a:effectRef>
+            <a:fontRef idx="minor">
               <a:schemeClr val="tx1"/>
-            </a:solidFill>
-            <a:miter lim="800000"/>
-            <a:tailEnd type="triangle"/>
-          </a:ln>
-        </p:spPr>
-        <p:style>
-          <a:lnRef idx="1">
-            <a:schemeClr val="accent1"/>
-          </a:lnRef>
-          <a:fillRef idx="0">
-            <a:schemeClr val="accent1"/>
-          </a:fillRef>
-          <a:effectRef idx="0">
-            <a:schemeClr val="accent1"/>
-          </a:effectRef>
-          <a:fontRef idx="minor">
-            <a:schemeClr val="tx1"/>
-          </a:fontRef>
-        </p:style>
-      </p:cxnSp>
-      <p:cxnSp>
-        <p:nvCxnSpPr>
-          <p:cNvPr id="63" name="Straight Arrow Connector 62">
-            <a:extLst>
-              <a:ext uri="{FF2B5EF4-FFF2-40B4-BE49-F238E27FC236}">
-                <a16:creationId xmlns:a16="http://schemas.microsoft.com/office/drawing/2014/main" id="{A36DCC86-A59A-DC4A-B203-11BD0A1032F3}"/>
-              </a:ext>
-            </a:extLst>
-          </p:cNvPr>
-          <p:cNvCxnSpPr>
-            <a:cxnSpLocks/>
-            <a:stCxn id="59" idx="6"/>
-            <a:endCxn id="61" idx="1"/>
-          </p:cNvCxnSpPr>
-          <p:nvPr/>
-        </p:nvCxnSpPr>
-        <p:spPr>
-          <a:xfrm>
-            <a:off x="3431563" y="1621699"/>
-            <a:ext cx="263695" cy="163937"/>
-          </a:xfrm>
-          <a:prstGeom prst="straightConnector1">
-            <a:avLst/>
-          </a:prstGeom>
-          <a:ln w="38100">
-            <a:solidFill>
+            </a:fontRef>
+          </p:style>
+        </p:cxnSp>
+        <p:cxnSp>
+          <p:nvCxnSpPr>
+            <p:cNvPr id="117" name="Straight Arrow Connector 116">
+              <a:extLst>
+                <a:ext uri="{FF2B5EF4-FFF2-40B4-BE49-F238E27FC236}">
+                  <a16:creationId xmlns:a16="http://schemas.microsoft.com/office/drawing/2014/main" id="{2329455D-8532-A649-B8E2-A9DCB3E45A48}"/>
+                </a:ext>
+              </a:extLst>
+            </p:cNvPr>
+            <p:cNvCxnSpPr>
+              <a:cxnSpLocks/>
+              <a:stCxn id="113" idx="6"/>
+              <a:endCxn id="115" idx="1"/>
+            </p:cNvCxnSpPr>
+            <p:nvPr/>
+          </p:nvCxnSpPr>
+          <p:spPr>
+            <a:xfrm>
+              <a:off x="5156004" y="4324117"/>
+              <a:ext cx="263695" cy="163937"/>
+            </a:xfrm>
+            <a:prstGeom prst="straightConnector1">
+              <a:avLst/>
+            </a:prstGeom>
+            <a:ln w="38100">
+              <a:solidFill>
+                <a:schemeClr val="tx1"/>
+              </a:solidFill>
+              <a:miter lim="800000"/>
+              <a:tailEnd type="triangle"/>
+            </a:ln>
+          </p:spPr>
+          <p:style>
+            <a:lnRef idx="1">
+              <a:schemeClr val="accent1"/>
+            </a:lnRef>
+            <a:fillRef idx="0">
+              <a:schemeClr val="accent1"/>
+            </a:fillRef>
+            <a:effectRef idx="0">
+              <a:schemeClr val="accent1"/>
+            </a:effectRef>
+            <a:fontRef idx="minor">
               <a:schemeClr val="tx1"/>
-            </a:solidFill>
-            <a:miter lim="800000"/>
-            <a:tailEnd type="triangle"/>
-          </a:ln>
-        </p:spPr>
-        <p:style>
-          <a:lnRef idx="1">
-            <a:schemeClr val="accent1"/>
-          </a:lnRef>
-          <a:fillRef idx="0">
-            <a:schemeClr val="accent1"/>
-          </a:fillRef>
-          <a:effectRef idx="0">
-            <a:schemeClr val="accent1"/>
-          </a:effectRef>
-          <a:fontRef idx="minor">
-            <a:schemeClr val="tx1"/>
-          </a:fontRef>
-        </p:style>
-      </p:cxnSp>
-      <p:cxnSp>
-        <p:nvCxnSpPr>
-          <p:cNvPr id="64" name="Straight Arrow Connector 63">
-            <a:extLst>
-              <a:ext uri="{FF2B5EF4-FFF2-40B4-BE49-F238E27FC236}">
-                <a16:creationId xmlns:a16="http://schemas.microsoft.com/office/drawing/2014/main" id="{ADB4F0D0-9B6C-2041-9E68-37DFA3E06E7A}"/>
-              </a:ext>
-            </a:extLst>
-          </p:cNvPr>
-          <p:cNvCxnSpPr>
-            <a:cxnSpLocks/>
-            <a:stCxn id="60" idx="6"/>
-            <a:endCxn id="61" idx="3"/>
-          </p:cNvCxnSpPr>
-          <p:nvPr/>
-        </p:nvCxnSpPr>
-        <p:spPr>
-          <a:xfrm flipV="1">
-            <a:off x="3431563" y="2108926"/>
-            <a:ext cx="263695" cy="198573"/>
-          </a:xfrm>
-          <a:prstGeom prst="straightConnector1">
-            <a:avLst/>
-          </a:prstGeom>
-          <a:ln w="38100">
-            <a:solidFill>
+            </a:fontRef>
+          </p:style>
+        </p:cxnSp>
+        <p:cxnSp>
+          <p:nvCxnSpPr>
+            <p:cNvPr id="118" name="Straight Arrow Connector 117">
+              <a:extLst>
+                <a:ext uri="{FF2B5EF4-FFF2-40B4-BE49-F238E27FC236}">
+                  <a16:creationId xmlns:a16="http://schemas.microsoft.com/office/drawing/2014/main" id="{3F1ACD32-DEA8-714B-9FDB-515434581E2B}"/>
+                </a:ext>
+              </a:extLst>
+            </p:cNvPr>
+            <p:cNvCxnSpPr>
+              <a:cxnSpLocks/>
+              <a:stCxn id="114" idx="6"/>
+              <a:endCxn id="115" idx="3"/>
+            </p:cNvCxnSpPr>
+            <p:nvPr/>
+          </p:nvCxnSpPr>
+          <p:spPr>
+            <a:xfrm flipV="1">
+              <a:off x="5156004" y="4811344"/>
+              <a:ext cx="263695" cy="198573"/>
+            </a:xfrm>
+            <a:prstGeom prst="straightConnector1">
+              <a:avLst/>
+            </a:prstGeom>
+            <a:ln w="38100">
+              <a:solidFill>
+                <a:schemeClr val="tx1"/>
+              </a:solidFill>
+              <a:miter lim="800000"/>
+              <a:tailEnd type="triangle"/>
+            </a:ln>
+          </p:spPr>
+          <p:style>
+            <a:lnRef idx="1">
+              <a:schemeClr val="accent1"/>
+            </a:lnRef>
+            <a:fillRef idx="0">
+              <a:schemeClr val="accent1"/>
+            </a:fillRef>
+            <a:effectRef idx="0">
+              <a:schemeClr val="accent1"/>
+            </a:effectRef>
+            <a:fontRef idx="minor">
               <a:schemeClr val="tx1"/>
-            </a:solidFill>
-            <a:miter lim="800000"/>
-            <a:tailEnd type="triangle"/>
-          </a:ln>
-        </p:spPr>
-        <p:style>
-          <a:lnRef idx="1">
-            <a:schemeClr val="accent1"/>
-          </a:lnRef>
-          <a:fillRef idx="0">
-            <a:schemeClr val="accent1"/>
-          </a:fillRef>
-          <a:effectRef idx="0">
-            <a:schemeClr val="accent1"/>
-          </a:effectRef>
-          <a:fontRef idx="minor">
-            <a:schemeClr val="tx1"/>
-          </a:fontRef>
-        </p:style>
-      </p:cxnSp>
-      <p:cxnSp>
-        <p:nvCxnSpPr>
-          <p:cNvPr id="65" name="Straight Arrow Connector 64">
-            <a:extLst>
-              <a:ext uri="{FF2B5EF4-FFF2-40B4-BE49-F238E27FC236}">
-                <a16:creationId xmlns:a16="http://schemas.microsoft.com/office/drawing/2014/main" id="{C804145A-50D6-9A4F-A7CA-56160D78B020}"/>
-              </a:ext>
-            </a:extLst>
-          </p:cNvPr>
-          <p:cNvCxnSpPr>
-            <a:cxnSpLocks/>
-            <a:stCxn id="58" idx="5"/>
-            <a:endCxn id="60" idx="2"/>
-          </p:cNvCxnSpPr>
-          <p:nvPr/>
-        </p:nvCxnSpPr>
-        <p:spPr>
-          <a:xfrm>
-            <a:off x="2710668" y="2108926"/>
-            <a:ext cx="263695" cy="198573"/>
-          </a:xfrm>
-          <a:prstGeom prst="straightConnector1">
-            <a:avLst/>
-          </a:prstGeom>
-          <a:ln w="38100">
-            <a:solidFill>
+            </a:fontRef>
+          </p:style>
+        </p:cxnSp>
+        <p:cxnSp>
+          <p:nvCxnSpPr>
+            <p:cNvPr id="119" name="Straight Arrow Connector 118">
+              <a:extLst>
+                <a:ext uri="{FF2B5EF4-FFF2-40B4-BE49-F238E27FC236}">
+                  <a16:creationId xmlns:a16="http://schemas.microsoft.com/office/drawing/2014/main" id="{B7F96E87-13FE-CE4B-976B-CFADF093B77E}"/>
+                </a:ext>
+              </a:extLst>
+            </p:cNvPr>
+            <p:cNvCxnSpPr>
+              <a:cxnSpLocks/>
+              <a:stCxn id="112" idx="5"/>
+              <a:endCxn id="114" idx="2"/>
+            </p:cNvCxnSpPr>
+            <p:nvPr/>
+          </p:nvCxnSpPr>
+          <p:spPr>
+            <a:xfrm>
+              <a:off x="4435109" y="4811344"/>
+              <a:ext cx="263695" cy="198573"/>
+            </a:xfrm>
+            <a:prstGeom prst="straightConnector1">
+              <a:avLst/>
+            </a:prstGeom>
+            <a:ln w="38100">
+              <a:solidFill>
+                <a:schemeClr val="tx1"/>
+              </a:solidFill>
+              <a:miter lim="800000"/>
+              <a:tailEnd type="triangle"/>
+            </a:ln>
+          </p:spPr>
+          <p:style>
+            <a:lnRef idx="1">
+              <a:schemeClr val="accent1"/>
+            </a:lnRef>
+            <a:fillRef idx="0">
+              <a:schemeClr val="accent1"/>
+            </a:fillRef>
+            <a:effectRef idx="0">
+              <a:schemeClr val="accent1"/>
+            </a:effectRef>
+            <a:fontRef idx="minor">
               <a:schemeClr val="tx1"/>
-            </a:solidFill>
-            <a:miter lim="800000"/>
-            <a:tailEnd type="triangle"/>
-          </a:ln>
-        </p:spPr>
-        <p:style>
-          <a:lnRef idx="1">
-            <a:schemeClr val="accent1"/>
-          </a:lnRef>
-          <a:fillRef idx="0">
-            <a:schemeClr val="accent1"/>
-          </a:fillRef>
-          <a:effectRef idx="0">
-            <a:schemeClr val="accent1"/>
-          </a:effectRef>
-          <a:fontRef idx="minor">
-            <a:schemeClr val="tx1"/>
-          </a:fontRef>
-        </p:style>
-      </p:cxnSp>
-      <p:sp>
-        <p:nvSpPr>
-          <p:cNvPr id="67" name="Oval 66">
-            <a:extLst>
-              <a:ext uri="{FF2B5EF4-FFF2-40B4-BE49-F238E27FC236}">
-                <a16:creationId xmlns:a16="http://schemas.microsoft.com/office/drawing/2014/main" id="{DE4EBF76-853F-6A44-BD66-B4DB88ABC6D8}"/>
-              </a:ext>
-            </a:extLst>
-          </p:cNvPr>
-          <p:cNvSpPr/>
-          <p:nvPr/>
-        </p:nvSpPr>
-        <p:spPr>
-          <a:xfrm>
-            <a:off x="4113517" y="2368294"/>
-            <a:ext cx="457200" cy="457200"/>
-          </a:xfrm>
-          <a:prstGeom prst="ellipse">
-            <a:avLst/>
-          </a:prstGeom>
-          <a:solidFill>
-            <a:srgbClr val="7030A0"/>
-          </a:solidFill>
-          <a:ln w="19050">
-            <a:noFill/>
-            <a:miter lim="800000"/>
-          </a:ln>
-          <a:effectLst/>
-          <a:scene3d>
-            <a:camera prst="orthographicFront">
-              <a:rot lat="0" lon="0" rev="0"/>
-            </a:camera>
-            <a:lightRig rig="threePt" dir="t">
-              <a:rot lat="0" lon="0" rev="1200000"/>
-            </a:lightRig>
-          </a:scene3d>
-          <a:sp3d/>
-        </p:spPr>
-        <p:style>
-          <a:lnRef idx="0">
-            <a:schemeClr val="accent1"/>
-          </a:lnRef>
-          <a:fillRef idx="3">
-            <a:schemeClr val="accent1"/>
-          </a:fillRef>
-          <a:effectRef idx="3">
-            <a:schemeClr val="accent1"/>
-          </a:effectRef>
-          <a:fontRef idx="minor">
-            <a:schemeClr val="lt1"/>
-          </a:fontRef>
-        </p:style>
-        <p:txBody>
-          <a:bodyPr rot="0" spcFirstLastPara="0" vertOverflow="overflow" horzOverflow="overflow" vert="horz" wrap="square" lIns="0" tIns="182880" rIns="0" bIns="182880" numCol="1" spcCol="0" rtlCol="0" fromWordArt="0" anchor="ctr" anchorCtr="0" forceAA="0" compatLnSpc="1">
-            <a:prstTxWarp prst="textNoShape">
-              <a:avLst/>
-            </a:prstTxWarp>
-            <a:noAutofit/>
-          </a:bodyPr>
-          <a:lstStyle/>
-          <a:p>
-            <a:pPr algn="ctr">
-              <a:lnSpc>
-                <a:spcPct val="90000"/>
-              </a:lnSpc>
-            </a:pPr>
-            <a:r>
-              <a:rPr lang="en-US" b="1" dirty="0">
-                <a:solidFill>
-                  <a:schemeClr val="bg1"/>
-                </a:solidFill>
-                <a:latin typeface="Calibri" panose="020F0502020204030204" pitchFamily="34" charset="0"/>
-                <a:cs typeface="Calibri" panose="020F0502020204030204" pitchFamily="34" charset="0"/>
-              </a:rPr>
-              <a:t>T1</a:t>
-            </a:r>
-          </a:p>
-        </p:txBody>
-      </p:sp>
-      <p:sp>
-        <p:nvSpPr>
-          <p:cNvPr id="68" name="Oval 67">
-            <a:extLst>
-              <a:ext uri="{FF2B5EF4-FFF2-40B4-BE49-F238E27FC236}">
-                <a16:creationId xmlns:a16="http://schemas.microsoft.com/office/drawing/2014/main" id="{3A43574D-8A6F-234C-AC01-C2B2D79F2131}"/>
-              </a:ext>
-            </a:extLst>
-          </p:cNvPr>
-          <p:cNvSpPr/>
-          <p:nvPr/>
-        </p:nvSpPr>
-        <p:spPr>
-          <a:xfrm>
-            <a:off x="4767457" y="2042712"/>
-            <a:ext cx="457200" cy="457200"/>
-          </a:xfrm>
-          <a:prstGeom prst="ellipse">
-            <a:avLst/>
-          </a:prstGeom>
-          <a:solidFill>
-            <a:srgbClr val="FFC000"/>
-          </a:solidFill>
-          <a:ln w="19050">
-            <a:noFill/>
-            <a:miter lim="800000"/>
-          </a:ln>
-          <a:effectLst/>
-          <a:scene3d>
-            <a:camera prst="orthographicFront">
-              <a:rot lat="0" lon="0" rev="0"/>
-            </a:camera>
-            <a:lightRig rig="threePt" dir="t">
-              <a:rot lat="0" lon="0" rev="1200000"/>
-            </a:lightRig>
-          </a:scene3d>
-          <a:sp3d/>
-        </p:spPr>
-        <p:style>
-          <a:lnRef idx="0">
-            <a:schemeClr val="accent1"/>
-          </a:lnRef>
-          <a:fillRef idx="3">
-            <a:schemeClr val="accent1"/>
-          </a:fillRef>
-          <a:effectRef idx="3">
-            <a:schemeClr val="accent1"/>
-          </a:effectRef>
-          <a:fontRef idx="minor">
-            <a:schemeClr val="lt1"/>
-          </a:fontRef>
-        </p:style>
-        <p:txBody>
-          <a:bodyPr rot="0" spcFirstLastPara="0" vertOverflow="overflow" horzOverflow="overflow" vert="horz" wrap="square" lIns="0" tIns="182880" rIns="0" bIns="182880" numCol="1" spcCol="0" rtlCol="0" fromWordArt="0" anchor="ctr" anchorCtr="0" forceAA="0" compatLnSpc="1">
-            <a:prstTxWarp prst="textNoShape">
-              <a:avLst/>
-            </a:prstTxWarp>
-            <a:noAutofit/>
-          </a:bodyPr>
-          <a:lstStyle/>
-          <a:p>
-            <a:pPr algn="ctr">
-              <a:lnSpc>
-                <a:spcPct val="90000"/>
-              </a:lnSpc>
-            </a:pPr>
-            <a:r>
-              <a:rPr lang="en-US" b="1" dirty="0">
-                <a:solidFill>
-                  <a:schemeClr val="tx1"/>
-                </a:solidFill>
-                <a:latin typeface="Calibri" panose="020F0502020204030204" pitchFamily="34" charset="0"/>
-                <a:cs typeface="Calibri" panose="020F0502020204030204" pitchFamily="34" charset="0"/>
-              </a:rPr>
-              <a:t>T2</a:t>
-            </a:r>
-          </a:p>
-        </p:txBody>
-      </p:sp>
-      <p:sp>
-        <p:nvSpPr>
-          <p:cNvPr id="69" name="Oval 68">
-            <a:extLst>
-              <a:ext uri="{FF2B5EF4-FFF2-40B4-BE49-F238E27FC236}">
-                <a16:creationId xmlns:a16="http://schemas.microsoft.com/office/drawing/2014/main" id="{05538E4C-A688-DE46-BE17-747905A35A62}"/>
-              </a:ext>
-            </a:extLst>
-          </p:cNvPr>
-          <p:cNvSpPr/>
-          <p:nvPr/>
-        </p:nvSpPr>
-        <p:spPr>
-          <a:xfrm>
-            <a:off x="4767457" y="2728512"/>
-            <a:ext cx="457200" cy="457200"/>
-          </a:xfrm>
-          <a:prstGeom prst="ellipse">
-            <a:avLst/>
-          </a:prstGeom>
-          <a:solidFill>
-            <a:srgbClr val="FFC000"/>
-          </a:solidFill>
-          <a:ln w="19050">
-            <a:noFill/>
-            <a:miter lim="800000"/>
-          </a:ln>
-          <a:effectLst/>
-          <a:scene3d>
-            <a:camera prst="orthographicFront">
-              <a:rot lat="0" lon="0" rev="0"/>
-            </a:camera>
-            <a:lightRig rig="threePt" dir="t">
-              <a:rot lat="0" lon="0" rev="1200000"/>
-            </a:lightRig>
-          </a:scene3d>
-          <a:sp3d/>
-        </p:spPr>
-        <p:style>
-          <a:lnRef idx="0">
-            <a:schemeClr val="accent1"/>
-          </a:lnRef>
-          <a:fillRef idx="3">
-            <a:schemeClr val="accent1"/>
-          </a:fillRef>
-          <a:effectRef idx="3">
-            <a:schemeClr val="accent1"/>
-          </a:effectRef>
-          <a:fontRef idx="minor">
-            <a:schemeClr val="lt1"/>
-          </a:fontRef>
-        </p:style>
-        <p:txBody>
-          <a:bodyPr rot="0" spcFirstLastPara="0" vertOverflow="overflow" horzOverflow="overflow" vert="horz" wrap="square" lIns="0" tIns="182880" rIns="0" bIns="182880" numCol="1" spcCol="0" rtlCol="0" fromWordArt="0" anchor="ctr" anchorCtr="0" forceAA="0" compatLnSpc="1">
-            <a:prstTxWarp prst="textNoShape">
-              <a:avLst/>
-            </a:prstTxWarp>
-            <a:noAutofit/>
-          </a:bodyPr>
-          <a:lstStyle/>
-          <a:p>
-            <a:pPr algn="ctr">
-              <a:lnSpc>
-                <a:spcPct val="90000"/>
-              </a:lnSpc>
-            </a:pPr>
-            <a:r>
-              <a:rPr lang="en-US" b="1" dirty="0">
-                <a:solidFill>
-                  <a:schemeClr val="tx1"/>
-                </a:solidFill>
-                <a:latin typeface="Calibri" panose="020F0502020204030204" pitchFamily="34" charset="0"/>
-                <a:cs typeface="Calibri" panose="020F0502020204030204" pitchFamily="34" charset="0"/>
-              </a:rPr>
-              <a:t>T3</a:t>
-            </a:r>
-          </a:p>
-        </p:txBody>
-      </p:sp>
-      <p:sp>
-        <p:nvSpPr>
-          <p:cNvPr id="70" name="Oval 69">
-            <a:extLst>
-              <a:ext uri="{FF2B5EF4-FFF2-40B4-BE49-F238E27FC236}">
-                <a16:creationId xmlns:a16="http://schemas.microsoft.com/office/drawing/2014/main" id="{1FADEB84-F61F-824A-8D2A-8F38849561C1}"/>
-              </a:ext>
-            </a:extLst>
-          </p:cNvPr>
-          <p:cNvSpPr/>
-          <p:nvPr/>
-        </p:nvSpPr>
-        <p:spPr>
-          <a:xfrm>
-            <a:off x="5421397" y="2368294"/>
-            <a:ext cx="457200" cy="457200"/>
-          </a:xfrm>
-          <a:prstGeom prst="ellipse">
-            <a:avLst/>
-          </a:prstGeom>
-          <a:solidFill>
-            <a:schemeClr val="accent1">
-              <a:lumMod val="50000"/>
-            </a:schemeClr>
-          </a:solidFill>
-          <a:ln w="19050">
-            <a:noFill/>
-            <a:miter lim="800000"/>
-          </a:ln>
-          <a:effectLst/>
-          <a:scene3d>
-            <a:camera prst="orthographicFront">
-              <a:rot lat="0" lon="0" rev="0"/>
-            </a:camera>
-            <a:lightRig rig="threePt" dir="t">
-              <a:rot lat="0" lon="0" rev="1200000"/>
-            </a:lightRig>
-          </a:scene3d>
-          <a:sp3d/>
-        </p:spPr>
-        <p:style>
-          <a:lnRef idx="0">
-            <a:schemeClr val="accent1"/>
-          </a:lnRef>
-          <a:fillRef idx="3">
-            <a:schemeClr val="accent1"/>
-          </a:fillRef>
-          <a:effectRef idx="3">
-            <a:schemeClr val="accent1"/>
-          </a:effectRef>
-          <a:fontRef idx="minor">
-            <a:schemeClr val="lt1"/>
-          </a:fontRef>
-        </p:style>
-        <p:txBody>
-          <a:bodyPr rot="0" spcFirstLastPara="0" vertOverflow="overflow" horzOverflow="overflow" vert="horz" wrap="square" lIns="0" tIns="182880" rIns="0" bIns="182880" numCol="1" spcCol="0" rtlCol="0" fromWordArt="0" anchor="ctr" anchorCtr="0" forceAA="0" compatLnSpc="1">
-            <a:prstTxWarp prst="textNoShape">
-              <a:avLst/>
-            </a:prstTxWarp>
-            <a:noAutofit/>
-          </a:bodyPr>
-          <a:lstStyle/>
-          <a:p>
-            <a:pPr algn="ctr">
-              <a:lnSpc>
-                <a:spcPct val="90000"/>
-              </a:lnSpc>
-            </a:pPr>
-            <a:r>
-              <a:rPr lang="en-US" b="1" dirty="0">
-                <a:solidFill>
-                  <a:schemeClr val="bg1"/>
-                </a:solidFill>
-                <a:latin typeface="Calibri" panose="020F0502020204030204" pitchFamily="34" charset="0"/>
-                <a:cs typeface="Calibri" panose="020F0502020204030204" pitchFamily="34" charset="0"/>
-              </a:rPr>
-              <a:t>T4</a:t>
-            </a:r>
-          </a:p>
-        </p:txBody>
-      </p:sp>
-      <p:cxnSp>
-        <p:nvCxnSpPr>
-          <p:cNvPr id="71" name="Straight Arrow Connector 70">
-            <a:extLst>
-              <a:ext uri="{FF2B5EF4-FFF2-40B4-BE49-F238E27FC236}">
-                <a16:creationId xmlns:a16="http://schemas.microsoft.com/office/drawing/2014/main" id="{0F7D91DD-BAE5-8348-AD3D-122A78B518CD}"/>
-              </a:ext>
-            </a:extLst>
-          </p:cNvPr>
-          <p:cNvCxnSpPr>
-            <a:stCxn id="67" idx="7"/>
-            <a:endCxn id="68" idx="2"/>
-          </p:cNvCxnSpPr>
-          <p:nvPr/>
-        </p:nvCxnSpPr>
-        <p:spPr>
-          <a:xfrm flipV="1">
-            <a:off x="4503762" y="2271312"/>
-            <a:ext cx="263695" cy="163937"/>
-          </a:xfrm>
-          <a:prstGeom prst="straightConnector1">
-            <a:avLst/>
-          </a:prstGeom>
-          <a:ln w="38100">
-            <a:solidFill>
-              <a:schemeClr val="tx1"/>
-            </a:solidFill>
-            <a:miter lim="800000"/>
-            <a:tailEnd type="triangle"/>
-          </a:ln>
-        </p:spPr>
-        <p:style>
-          <a:lnRef idx="1">
-            <a:schemeClr val="accent1"/>
-          </a:lnRef>
-          <a:fillRef idx="0">
-            <a:schemeClr val="accent1"/>
-          </a:fillRef>
-          <a:effectRef idx="0">
-            <a:schemeClr val="accent1"/>
-          </a:effectRef>
-          <a:fontRef idx="minor">
-            <a:schemeClr val="tx1"/>
-          </a:fontRef>
-        </p:style>
-      </p:cxnSp>
-      <p:cxnSp>
-        <p:nvCxnSpPr>
-          <p:cNvPr id="72" name="Straight Arrow Connector 71">
-            <a:extLst>
-              <a:ext uri="{FF2B5EF4-FFF2-40B4-BE49-F238E27FC236}">
-                <a16:creationId xmlns:a16="http://schemas.microsoft.com/office/drawing/2014/main" id="{807827A3-5289-5E4D-9358-7DD011DA1422}"/>
-              </a:ext>
-            </a:extLst>
-          </p:cNvPr>
-          <p:cNvCxnSpPr>
-            <a:cxnSpLocks/>
-            <a:stCxn id="68" idx="6"/>
-            <a:endCxn id="70" idx="1"/>
-          </p:cNvCxnSpPr>
-          <p:nvPr/>
-        </p:nvCxnSpPr>
-        <p:spPr>
-          <a:xfrm>
-            <a:off x="5224657" y="2271312"/>
-            <a:ext cx="263695" cy="163937"/>
-          </a:xfrm>
-          <a:prstGeom prst="straightConnector1">
-            <a:avLst/>
-          </a:prstGeom>
-          <a:ln w="38100">
-            <a:solidFill>
-              <a:schemeClr val="tx1"/>
-            </a:solidFill>
-            <a:miter lim="800000"/>
-            <a:tailEnd type="triangle"/>
-          </a:ln>
-        </p:spPr>
-        <p:style>
-          <a:lnRef idx="1">
-            <a:schemeClr val="accent1"/>
-          </a:lnRef>
-          <a:fillRef idx="0">
-            <a:schemeClr val="accent1"/>
-          </a:fillRef>
-          <a:effectRef idx="0">
-            <a:schemeClr val="accent1"/>
-          </a:effectRef>
-          <a:fontRef idx="minor">
-            <a:schemeClr val="tx1"/>
-          </a:fontRef>
-        </p:style>
-      </p:cxnSp>
-      <p:cxnSp>
-        <p:nvCxnSpPr>
-          <p:cNvPr id="73" name="Straight Arrow Connector 72">
-            <a:extLst>
-              <a:ext uri="{FF2B5EF4-FFF2-40B4-BE49-F238E27FC236}">
-                <a16:creationId xmlns:a16="http://schemas.microsoft.com/office/drawing/2014/main" id="{637BDBAF-A341-1E47-B032-FB078526A033}"/>
-              </a:ext>
-            </a:extLst>
-          </p:cNvPr>
-          <p:cNvCxnSpPr>
-            <a:cxnSpLocks/>
-            <a:stCxn id="69" idx="6"/>
-            <a:endCxn id="70" idx="3"/>
-          </p:cNvCxnSpPr>
-          <p:nvPr/>
-        </p:nvCxnSpPr>
-        <p:spPr>
-          <a:xfrm flipV="1">
-            <a:off x="5224657" y="2758539"/>
-            <a:ext cx="263695" cy="198573"/>
-          </a:xfrm>
-          <a:prstGeom prst="straightConnector1">
-            <a:avLst/>
-          </a:prstGeom>
-          <a:ln w="38100">
-            <a:solidFill>
-              <a:schemeClr val="tx1"/>
-            </a:solidFill>
-            <a:miter lim="800000"/>
-            <a:tailEnd type="triangle"/>
-          </a:ln>
-        </p:spPr>
-        <p:style>
-          <a:lnRef idx="1">
-            <a:schemeClr val="accent1"/>
-          </a:lnRef>
-          <a:fillRef idx="0">
-            <a:schemeClr val="accent1"/>
-          </a:fillRef>
-          <a:effectRef idx="0">
-            <a:schemeClr val="accent1"/>
-          </a:effectRef>
-          <a:fontRef idx="minor">
-            <a:schemeClr val="tx1"/>
-          </a:fontRef>
-        </p:style>
-      </p:cxnSp>
-      <p:cxnSp>
-        <p:nvCxnSpPr>
-          <p:cNvPr id="74" name="Straight Arrow Connector 73">
-            <a:extLst>
-              <a:ext uri="{FF2B5EF4-FFF2-40B4-BE49-F238E27FC236}">
-                <a16:creationId xmlns:a16="http://schemas.microsoft.com/office/drawing/2014/main" id="{17DFAC2F-7009-9F4D-9EC8-21C84EE49F3C}"/>
-              </a:ext>
-            </a:extLst>
-          </p:cNvPr>
-          <p:cNvCxnSpPr>
-            <a:cxnSpLocks/>
-            <a:stCxn id="67" idx="5"/>
-            <a:endCxn id="69" idx="2"/>
-          </p:cNvCxnSpPr>
-          <p:nvPr/>
-        </p:nvCxnSpPr>
-        <p:spPr>
-          <a:xfrm>
-            <a:off x="4503762" y="2758539"/>
-            <a:ext cx="263695" cy="198573"/>
-          </a:xfrm>
-          <a:prstGeom prst="straightConnector1">
-            <a:avLst/>
-          </a:prstGeom>
-          <a:ln w="38100">
-            <a:solidFill>
-              <a:schemeClr val="tx1"/>
-            </a:solidFill>
-            <a:miter lim="800000"/>
-            <a:tailEnd type="triangle"/>
-          </a:ln>
-        </p:spPr>
-        <p:style>
-          <a:lnRef idx="1">
-            <a:schemeClr val="accent1"/>
-          </a:lnRef>
-          <a:fillRef idx="0">
-            <a:schemeClr val="accent1"/>
-          </a:fillRef>
-          <a:effectRef idx="0">
-            <a:schemeClr val="accent1"/>
-          </a:effectRef>
-          <a:fontRef idx="minor">
-            <a:schemeClr val="tx1"/>
-          </a:fontRef>
-        </p:style>
-      </p:cxnSp>
-      <p:sp>
-        <p:nvSpPr>
-          <p:cNvPr id="94" name="Oval 93">
-            <a:extLst>
-              <a:ext uri="{FF2B5EF4-FFF2-40B4-BE49-F238E27FC236}">
-                <a16:creationId xmlns:a16="http://schemas.microsoft.com/office/drawing/2014/main" id="{9F206BC0-48AF-D74D-8F87-BF3005E12AA9}"/>
-              </a:ext>
-            </a:extLst>
-          </p:cNvPr>
-          <p:cNvSpPr/>
-          <p:nvPr/>
-        </p:nvSpPr>
-        <p:spPr>
-          <a:xfrm>
-            <a:off x="458676" y="4457286"/>
-            <a:ext cx="457200" cy="457200"/>
-          </a:xfrm>
-          <a:prstGeom prst="ellipse">
-            <a:avLst/>
-          </a:prstGeom>
-          <a:solidFill>
-            <a:srgbClr val="FF0000"/>
-          </a:solidFill>
-          <a:ln w="19050">
-            <a:noFill/>
-            <a:miter lim="800000"/>
-          </a:ln>
-          <a:effectLst/>
-          <a:scene3d>
-            <a:camera prst="orthographicFront">
-              <a:rot lat="0" lon="0" rev="0"/>
-            </a:camera>
-            <a:lightRig rig="threePt" dir="t">
-              <a:rot lat="0" lon="0" rev="1200000"/>
-            </a:lightRig>
-          </a:scene3d>
-          <a:sp3d/>
-        </p:spPr>
-        <p:style>
-          <a:lnRef idx="0">
-            <a:schemeClr val="accent1"/>
-          </a:lnRef>
-          <a:fillRef idx="3">
-            <a:schemeClr val="accent1"/>
-          </a:fillRef>
-          <a:effectRef idx="3">
-            <a:schemeClr val="accent1"/>
-          </a:effectRef>
-          <a:fontRef idx="minor">
-            <a:schemeClr val="lt1"/>
-          </a:fontRef>
-        </p:style>
-        <p:txBody>
-          <a:bodyPr rot="0" spcFirstLastPara="0" vertOverflow="overflow" horzOverflow="overflow" vert="horz" wrap="square" lIns="0" tIns="182880" rIns="0" bIns="182880" numCol="1" spcCol="0" rtlCol="0" fromWordArt="0" anchor="ctr" anchorCtr="0" forceAA="0" compatLnSpc="1">
-            <a:prstTxWarp prst="textNoShape">
-              <a:avLst/>
-            </a:prstTxWarp>
-            <a:noAutofit/>
-          </a:bodyPr>
-          <a:lstStyle/>
-          <a:p>
-            <a:pPr algn="ctr">
-              <a:lnSpc>
-                <a:spcPct val="90000"/>
-              </a:lnSpc>
-            </a:pPr>
-            <a:r>
-              <a:rPr lang="en-US" b="1" dirty="0">
-                <a:solidFill>
-                  <a:schemeClr val="bg1"/>
-                </a:solidFill>
-                <a:latin typeface="Calibri" panose="020F0502020204030204" pitchFamily="34" charset="0"/>
-                <a:cs typeface="Calibri" panose="020F0502020204030204" pitchFamily="34" charset="0"/>
-              </a:rPr>
-              <a:t>T1</a:t>
-            </a:r>
-          </a:p>
-        </p:txBody>
-      </p:sp>
-      <p:sp>
-        <p:nvSpPr>
-          <p:cNvPr id="95" name="Oval 94">
-            <a:extLst>
-              <a:ext uri="{FF2B5EF4-FFF2-40B4-BE49-F238E27FC236}">
-                <a16:creationId xmlns:a16="http://schemas.microsoft.com/office/drawing/2014/main" id="{55C187F1-546B-4948-BBAB-D9568DA654A5}"/>
-              </a:ext>
-            </a:extLst>
-          </p:cNvPr>
-          <p:cNvSpPr/>
-          <p:nvPr/>
-        </p:nvSpPr>
-        <p:spPr>
-          <a:xfrm>
-            <a:off x="1112616" y="4131704"/>
-            <a:ext cx="457200" cy="457200"/>
-          </a:xfrm>
-          <a:prstGeom prst="ellipse">
-            <a:avLst/>
-          </a:prstGeom>
-          <a:solidFill>
-            <a:srgbClr val="FF0000"/>
-          </a:solidFill>
-          <a:ln w="19050">
-            <a:noFill/>
-            <a:miter lim="800000"/>
-          </a:ln>
-          <a:effectLst/>
-          <a:scene3d>
-            <a:camera prst="orthographicFront">
-              <a:rot lat="0" lon="0" rev="0"/>
-            </a:camera>
-            <a:lightRig rig="threePt" dir="t">
-              <a:rot lat="0" lon="0" rev="1200000"/>
-            </a:lightRig>
-          </a:scene3d>
-          <a:sp3d/>
-        </p:spPr>
-        <p:style>
-          <a:lnRef idx="0">
-            <a:schemeClr val="accent1"/>
-          </a:lnRef>
-          <a:fillRef idx="3">
-            <a:schemeClr val="accent1"/>
-          </a:fillRef>
-          <a:effectRef idx="3">
-            <a:schemeClr val="accent1"/>
-          </a:effectRef>
-          <a:fontRef idx="minor">
-            <a:schemeClr val="lt1"/>
-          </a:fontRef>
-        </p:style>
-        <p:txBody>
-          <a:bodyPr rot="0" spcFirstLastPara="0" vertOverflow="overflow" horzOverflow="overflow" vert="horz" wrap="square" lIns="0" tIns="182880" rIns="0" bIns="182880" numCol="1" spcCol="0" rtlCol="0" fromWordArt="0" anchor="ctr" anchorCtr="0" forceAA="0" compatLnSpc="1">
-            <a:prstTxWarp prst="textNoShape">
-              <a:avLst/>
-            </a:prstTxWarp>
-            <a:noAutofit/>
-          </a:bodyPr>
-          <a:lstStyle/>
-          <a:p>
-            <a:pPr algn="ctr">
-              <a:lnSpc>
-                <a:spcPct val="90000"/>
-              </a:lnSpc>
-            </a:pPr>
-            <a:r>
-              <a:rPr lang="en-US" b="1" dirty="0">
-                <a:solidFill>
-                  <a:schemeClr val="bg1"/>
-                </a:solidFill>
-                <a:latin typeface="Calibri" panose="020F0502020204030204" pitchFamily="34" charset="0"/>
-                <a:cs typeface="Calibri" panose="020F0502020204030204" pitchFamily="34" charset="0"/>
-              </a:rPr>
-              <a:t>T2</a:t>
-            </a:r>
-          </a:p>
-        </p:txBody>
-      </p:sp>
-      <p:sp>
-        <p:nvSpPr>
-          <p:cNvPr id="96" name="Oval 95">
-            <a:extLst>
-              <a:ext uri="{FF2B5EF4-FFF2-40B4-BE49-F238E27FC236}">
-                <a16:creationId xmlns:a16="http://schemas.microsoft.com/office/drawing/2014/main" id="{F6B52929-2B56-CD4A-B7A1-887AE33BA5D1}"/>
-              </a:ext>
-            </a:extLst>
-          </p:cNvPr>
-          <p:cNvSpPr/>
-          <p:nvPr/>
-        </p:nvSpPr>
-        <p:spPr>
-          <a:xfrm>
-            <a:off x="1112616" y="4817504"/>
-            <a:ext cx="457200" cy="457200"/>
-          </a:xfrm>
-          <a:prstGeom prst="ellipse">
-            <a:avLst/>
-          </a:prstGeom>
-          <a:solidFill>
-            <a:schemeClr val="accent1">
-              <a:lumMod val="50000"/>
-            </a:schemeClr>
-          </a:solidFill>
-          <a:ln w="19050">
-            <a:noFill/>
-            <a:miter lim="800000"/>
-          </a:ln>
-          <a:effectLst/>
-          <a:scene3d>
-            <a:camera prst="orthographicFront">
-              <a:rot lat="0" lon="0" rev="0"/>
-            </a:camera>
-            <a:lightRig rig="threePt" dir="t">
-              <a:rot lat="0" lon="0" rev="1200000"/>
-            </a:lightRig>
-          </a:scene3d>
-          <a:sp3d/>
-        </p:spPr>
-        <p:style>
-          <a:lnRef idx="0">
-            <a:schemeClr val="accent1"/>
-          </a:lnRef>
-          <a:fillRef idx="3">
-            <a:schemeClr val="accent1"/>
-          </a:fillRef>
-          <a:effectRef idx="3">
-            <a:schemeClr val="accent1"/>
-          </a:effectRef>
-          <a:fontRef idx="minor">
-            <a:schemeClr val="lt1"/>
-          </a:fontRef>
-        </p:style>
-        <p:txBody>
-          <a:bodyPr rot="0" spcFirstLastPara="0" vertOverflow="overflow" horzOverflow="overflow" vert="horz" wrap="square" lIns="0" tIns="182880" rIns="0" bIns="182880" numCol="1" spcCol="0" rtlCol="0" fromWordArt="0" anchor="ctr" anchorCtr="0" forceAA="0" compatLnSpc="1">
-            <a:prstTxWarp prst="textNoShape">
-              <a:avLst/>
-            </a:prstTxWarp>
-            <a:noAutofit/>
-          </a:bodyPr>
-          <a:lstStyle/>
-          <a:p>
-            <a:pPr algn="ctr">
-              <a:lnSpc>
-                <a:spcPct val="90000"/>
-              </a:lnSpc>
-            </a:pPr>
-            <a:r>
-              <a:rPr lang="en-US" b="1" dirty="0">
-                <a:solidFill>
-                  <a:schemeClr val="bg1"/>
-                </a:solidFill>
-                <a:latin typeface="Calibri" panose="020F0502020204030204" pitchFamily="34" charset="0"/>
-                <a:cs typeface="Calibri" panose="020F0502020204030204" pitchFamily="34" charset="0"/>
-              </a:rPr>
-              <a:t>T3</a:t>
-            </a:r>
-          </a:p>
-        </p:txBody>
-      </p:sp>
-      <p:sp>
-        <p:nvSpPr>
-          <p:cNvPr id="97" name="Oval 96">
-            <a:extLst>
-              <a:ext uri="{FF2B5EF4-FFF2-40B4-BE49-F238E27FC236}">
-                <a16:creationId xmlns:a16="http://schemas.microsoft.com/office/drawing/2014/main" id="{3C6A3AFE-564C-4640-8C37-7188995BD74D}"/>
-              </a:ext>
-            </a:extLst>
-          </p:cNvPr>
-          <p:cNvSpPr/>
-          <p:nvPr/>
-        </p:nvSpPr>
-        <p:spPr>
-          <a:xfrm>
-            <a:off x="1766556" y="4457286"/>
-            <a:ext cx="457200" cy="457200"/>
-          </a:xfrm>
-          <a:prstGeom prst="ellipse">
-            <a:avLst/>
-          </a:prstGeom>
-          <a:solidFill>
-            <a:schemeClr val="accent6">
-              <a:lumMod val="75000"/>
-            </a:schemeClr>
-          </a:solidFill>
-          <a:ln w="19050">
-            <a:noFill/>
-            <a:miter lim="800000"/>
-          </a:ln>
-          <a:effectLst/>
-          <a:scene3d>
-            <a:camera prst="orthographicFront">
-              <a:rot lat="0" lon="0" rev="0"/>
-            </a:camera>
-            <a:lightRig rig="threePt" dir="t">
-              <a:rot lat="0" lon="0" rev="1200000"/>
-            </a:lightRig>
-          </a:scene3d>
-          <a:sp3d/>
-        </p:spPr>
-        <p:style>
-          <a:lnRef idx="0">
-            <a:schemeClr val="accent1"/>
-          </a:lnRef>
-          <a:fillRef idx="3">
-            <a:schemeClr val="accent1"/>
-          </a:fillRef>
-          <a:effectRef idx="3">
-            <a:schemeClr val="accent1"/>
-          </a:effectRef>
-          <a:fontRef idx="minor">
-            <a:schemeClr val="lt1"/>
-          </a:fontRef>
-        </p:style>
-        <p:txBody>
-          <a:bodyPr rot="0" spcFirstLastPara="0" vertOverflow="overflow" horzOverflow="overflow" vert="horz" wrap="square" lIns="0" tIns="182880" rIns="0" bIns="182880" numCol="1" spcCol="0" rtlCol="0" fromWordArt="0" anchor="ctr" anchorCtr="0" forceAA="0" compatLnSpc="1">
-            <a:prstTxWarp prst="textNoShape">
-              <a:avLst/>
-            </a:prstTxWarp>
-            <a:noAutofit/>
-          </a:bodyPr>
-          <a:lstStyle/>
-          <a:p>
-            <a:pPr algn="ctr">
-              <a:lnSpc>
-                <a:spcPct val="90000"/>
-              </a:lnSpc>
-            </a:pPr>
-            <a:r>
-              <a:rPr lang="en-US" b="1" dirty="0">
-                <a:solidFill>
-                  <a:schemeClr val="bg1"/>
-                </a:solidFill>
-                <a:latin typeface="Calibri" panose="020F0502020204030204" pitchFamily="34" charset="0"/>
-                <a:cs typeface="Calibri" panose="020F0502020204030204" pitchFamily="34" charset="0"/>
-              </a:rPr>
-              <a:t>T4</a:t>
-            </a:r>
-          </a:p>
-        </p:txBody>
-      </p:sp>
-      <p:cxnSp>
-        <p:nvCxnSpPr>
-          <p:cNvPr id="98" name="Straight Arrow Connector 97">
-            <a:extLst>
-              <a:ext uri="{FF2B5EF4-FFF2-40B4-BE49-F238E27FC236}">
-                <a16:creationId xmlns:a16="http://schemas.microsoft.com/office/drawing/2014/main" id="{08249067-5824-E64D-BA87-E32EF3DFD2A6}"/>
-              </a:ext>
-            </a:extLst>
-          </p:cNvPr>
-          <p:cNvCxnSpPr>
-            <a:stCxn id="94" idx="7"/>
-            <a:endCxn id="95" idx="2"/>
-          </p:cNvCxnSpPr>
-          <p:nvPr/>
-        </p:nvCxnSpPr>
-        <p:spPr>
-          <a:xfrm flipV="1">
-            <a:off x="848921" y="4360304"/>
-            <a:ext cx="263695" cy="163937"/>
-          </a:xfrm>
-          <a:prstGeom prst="straightConnector1">
-            <a:avLst/>
-          </a:prstGeom>
-          <a:ln w="38100">
-            <a:solidFill>
-              <a:schemeClr val="tx1"/>
-            </a:solidFill>
-            <a:miter lim="800000"/>
-            <a:tailEnd type="triangle"/>
-          </a:ln>
-        </p:spPr>
-        <p:style>
-          <a:lnRef idx="1">
-            <a:schemeClr val="accent1"/>
-          </a:lnRef>
-          <a:fillRef idx="0">
-            <a:schemeClr val="accent1"/>
-          </a:fillRef>
-          <a:effectRef idx="0">
-            <a:schemeClr val="accent1"/>
-          </a:effectRef>
-          <a:fontRef idx="minor">
-            <a:schemeClr val="tx1"/>
-          </a:fontRef>
-        </p:style>
-      </p:cxnSp>
-      <p:cxnSp>
-        <p:nvCxnSpPr>
-          <p:cNvPr id="99" name="Straight Arrow Connector 98">
-            <a:extLst>
-              <a:ext uri="{FF2B5EF4-FFF2-40B4-BE49-F238E27FC236}">
-                <a16:creationId xmlns:a16="http://schemas.microsoft.com/office/drawing/2014/main" id="{16E0DF95-36E2-2444-9CE2-2CC39F8E3A3C}"/>
-              </a:ext>
-            </a:extLst>
-          </p:cNvPr>
-          <p:cNvCxnSpPr>
-            <a:cxnSpLocks/>
-            <a:stCxn id="95" idx="6"/>
-            <a:endCxn id="97" idx="1"/>
-          </p:cNvCxnSpPr>
-          <p:nvPr/>
-        </p:nvCxnSpPr>
-        <p:spPr>
-          <a:xfrm>
-            <a:off x="1569816" y="4360304"/>
-            <a:ext cx="263695" cy="163937"/>
-          </a:xfrm>
-          <a:prstGeom prst="straightConnector1">
-            <a:avLst/>
-          </a:prstGeom>
-          <a:ln w="38100">
-            <a:solidFill>
-              <a:schemeClr val="tx1"/>
-            </a:solidFill>
-            <a:miter lim="800000"/>
-            <a:tailEnd type="triangle"/>
-          </a:ln>
-        </p:spPr>
-        <p:style>
-          <a:lnRef idx="1">
-            <a:schemeClr val="accent1"/>
-          </a:lnRef>
-          <a:fillRef idx="0">
-            <a:schemeClr val="accent1"/>
-          </a:fillRef>
-          <a:effectRef idx="0">
-            <a:schemeClr val="accent1"/>
-          </a:effectRef>
-          <a:fontRef idx="minor">
-            <a:schemeClr val="tx1"/>
-          </a:fontRef>
-        </p:style>
-      </p:cxnSp>
-      <p:cxnSp>
-        <p:nvCxnSpPr>
-          <p:cNvPr id="100" name="Straight Arrow Connector 99">
-            <a:extLst>
-              <a:ext uri="{FF2B5EF4-FFF2-40B4-BE49-F238E27FC236}">
-                <a16:creationId xmlns:a16="http://schemas.microsoft.com/office/drawing/2014/main" id="{A1AF08B4-EAA2-2D46-80DF-C25BA314495D}"/>
-              </a:ext>
-            </a:extLst>
-          </p:cNvPr>
-          <p:cNvCxnSpPr>
-            <a:cxnSpLocks/>
-            <a:stCxn id="96" idx="6"/>
-            <a:endCxn id="97" idx="3"/>
-          </p:cNvCxnSpPr>
-          <p:nvPr/>
-        </p:nvCxnSpPr>
-        <p:spPr>
-          <a:xfrm flipV="1">
-            <a:off x="1569816" y="4847531"/>
-            <a:ext cx="263695" cy="198573"/>
-          </a:xfrm>
-          <a:prstGeom prst="straightConnector1">
-            <a:avLst/>
-          </a:prstGeom>
-          <a:ln w="38100">
-            <a:solidFill>
-              <a:schemeClr val="tx1"/>
-            </a:solidFill>
-            <a:miter lim="800000"/>
-            <a:tailEnd type="triangle"/>
-          </a:ln>
-        </p:spPr>
-        <p:style>
-          <a:lnRef idx="1">
-            <a:schemeClr val="accent1"/>
-          </a:lnRef>
-          <a:fillRef idx="0">
-            <a:schemeClr val="accent1"/>
-          </a:fillRef>
-          <a:effectRef idx="0">
-            <a:schemeClr val="accent1"/>
-          </a:effectRef>
-          <a:fontRef idx="minor">
-            <a:schemeClr val="tx1"/>
-          </a:fontRef>
-        </p:style>
-      </p:cxnSp>
-      <p:cxnSp>
-        <p:nvCxnSpPr>
-          <p:cNvPr id="101" name="Straight Arrow Connector 100">
-            <a:extLst>
-              <a:ext uri="{FF2B5EF4-FFF2-40B4-BE49-F238E27FC236}">
-                <a16:creationId xmlns:a16="http://schemas.microsoft.com/office/drawing/2014/main" id="{115EAF6B-3609-1E43-966F-9E802F782864}"/>
-              </a:ext>
-            </a:extLst>
-          </p:cNvPr>
-          <p:cNvCxnSpPr>
-            <a:cxnSpLocks/>
-            <a:stCxn id="94" idx="5"/>
-            <a:endCxn id="96" idx="2"/>
-          </p:cNvCxnSpPr>
-          <p:nvPr/>
-        </p:nvCxnSpPr>
-        <p:spPr>
-          <a:xfrm>
-            <a:off x="848921" y="4847531"/>
-            <a:ext cx="263695" cy="198573"/>
-          </a:xfrm>
-          <a:prstGeom prst="straightConnector1">
-            <a:avLst/>
-          </a:prstGeom>
-          <a:ln w="38100">
-            <a:solidFill>
-              <a:schemeClr val="tx1"/>
-            </a:solidFill>
-            <a:miter lim="800000"/>
-            <a:tailEnd type="triangle"/>
-          </a:ln>
-        </p:spPr>
-        <p:style>
-          <a:lnRef idx="1">
-            <a:schemeClr val="accent1"/>
-          </a:lnRef>
-          <a:fillRef idx="0">
-            <a:schemeClr val="accent1"/>
-          </a:fillRef>
-          <a:effectRef idx="0">
-            <a:schemeClr val="accent1"/>
-          </a:effectRef>
-          <a:fontRef idx="minor">
-            <a:schemeClr val="tx1"/>
-          </a:fontRef>
-        </p:style>
-      </p:cxnSp>
-      <p:sp>
-        <p:nvSpPr>
-          <p:cNvPr id="103" name="Oval 102">
-            <a:extLst>
-              <a:ext uri="{FF2B5EF4-FFF2-40B4-BE49-F238E27FC236}">
-                <a16:creationId xmlns:a16="http://schemas.microsoft.com/office/drawing/2014/main" id="{A32215D9-D93F-0840-93CB-410DA7DC8BE1}"/>
-              </a:ext>
-            </a:extLst>
-          </p:cNvPr>
-          <p:cNvSpPr/>
-          <p:nvPr/>
-        </p:nvSpPr>
-        <p:spPr>
-          <a:xfrm>
-            <a:off x="2251770" y="3771486"/>
-            <a:ext cx="457200" cy="457200"/>
-          </a:xfrm>
-          <a:prstGeom prst="ellipse">
-            <a:avLst/>
-          </a:prstGeom>
-          <a:solidFill>
-            <a:schemeClr val="accent1">
-              <a:lumMod val="50000"/>
-            </a:schemeClr>
-          </a:solidFill>
-          <a:ln w="19050">
-            <a:noFill/>
-            <a:miter lim="800000"/>
-          </a:ln>
-          <a:effectLst/>
-          <a:scene3d>
-            <a:camera prst="orthographicFront">
-              <a:rot lat="0" lon="0" rev="0"/>
-            </a:camera>
-            <a:lightRig rig="threePt" dir="t">
-              <a:rot lat="0" lon="0" rev="1200000"/>
-            </a:lightRig>
-          </a:scene3d>
-          <a:sp3d/>
-        </p:spPr>
-        <p:style>
-          <a:lnRef idx="0">
-            <a:schemeClr val="accent1"/>
-          </a:lnRef>
-          <a:fillRef idx="3">
-            <a:schemeClr val="accent1"/>
-          </a:fillRef>
-          <a:effectRef idx="3">
-            <a:schemeClr val="accent1"/>
-          </a:effectRef>
-          <a:fontRef idx="minor">
-            <a:schemeClr val="lt1"/>
-          </a:fontRef>
-        </p:style>
-        <p:txBody>
-          <a:bodyPr rot="0" spcFirstLastPara="0" vertOverflow="overflow" horzOverflow="overflow" vert="horz" wrap="square" lIns="0" tIns="182880" rIns="0" bIns="182880" numCol="1" spcCol="0" rtlCol="0" fromWordArt="0" anchor="ctr" anchorCtr="0" forceAA="0" compatLnSpc="1">
-            <a:prstTxWarp prst="textNoShape">
-              <a:avLst/>
-            </a:prstTxWarp>
-            <a:noAutofit/>
-          </a:bodyPr>
-          <a:lstStyle/>
-          <a:p>
-            <a:pPr algn="ctr">
-              <a:lnSpc>
-                <a:spcPct val="90000"/>
-              </a:lnSpc>
-            </a:pPr>
-            <a:r>
-              <a:rPr lang="en-US" b="1" dirty="0">
-                <a:solidFill>
-                  <a:schemeClr val="bg1"/>
-                </a:solidFill>
-                <a:latin typeface="Calibri" panose="020F0502020204030204" pitchFamily="34" charset="0"/>
-                <a:cs typeface="Calibri" panose="020F0502020204030204" pitchFamily="34" charset="0"/>
-              </a:rPr>
-              <a:t>T1</a:t>
-            </a:r>
-          </a:p>
-        </p:txBody>
-      </p:sp>
-      <p:sp>
-        <p:nvSpPr>
-          <p:cNvPr id="104" name="Oval 103">
-            <a:extLst>
-              <a:ext uri="{FF2B5EF4-FFF2-40B4-BE49-F238E27FC236}">
-                <a16:creationId xmlns:a16="http://schemas.microsoft.com/office/drawing/2014/main" id="{246D11EC-1512-6948-8E4A-7414DA189917}"/>
-              </a:ext>
-            </a:extLst>
-          </p:cNvPr>
-          <p:cNvSpPr/>
-          <p:nvPr/>
-        </p:nvSpPr>
-        <p:spPr>
-          <a:xfrm>
-            <a:off x="2905710" y="3445904"/>
-            <a:ext cx="457200" cy="457200"/>
-          </a:xfrm>
-          <a:prstGeom prst="ellipse">
-            <a:avLst/>
-          </a:prstGeom>
-          <a:solidFill>
-            <a:schemeClr val="accent6">
-              <a:lumMod val="75000"/>
-            </a:schemeClr>
-          </a:solidFill>
-          <a:ln w="19050">
-            <a:noFill/>
-            <a:miter lim="800000"/>
-          </a:ln>
-          <a:effectLst/>
-          <a:scene3d>
-            <a:camera prst="orthographicFront">
-              <a:rot lat="0" lon="0" rev="0"/>
-            </a:camera>
-            <a:lightRig rig="threePt" dir="t">
-              <a:rot lat="0" lon="0" rev="1200000"/>
-            </a:lightRig>
-          </a:scene3d>
-          <a:sp3d/>
-        </p:spPr>
-        <p:style>
-          <a:lnRef idx="0">
-            <a:schemeClr val="accent1"/>
-          </a:lnRef>
-          <a:fillRef idx="3">
-            <a:schemeClr val="accent1"/>
-          </a:fillRef>
-          <a:effectRef idx="3">
-            <a:schemeClr val="accent1"/>
-          </a:effectRef>
-          <a:fontRef idx="minor">
-            <a:schemeClr val="lt1"/>
-          </a:fontRef>
-        </p:style>
-        <p:txBody>
-          <a:bodyPr rot="0" spcFirstLastPara="0" vertOverflow="overflow" horzOverflow="overflow" vert="horz" wrap="square" lIns="0" tIns="182880" rIns="0" bIns="182880" numCol="1" spcCol="0" rtlCol="0" fromWordArt="0" anchor="ctr" anchorCtr="0" forceAA="0" compatLnSpc="1">
-            <a:prstTxWarp prst="textNoShape">
-              <a:avLst/>
-            </a:prstTxWarp>
-            <a:noAutofit/>
-          </a:bodyPr>
-          <a:lstStyle/>
-          <a:p>
-            <a:pPr algn="ctr">
-              <a:lnSpc>
-                <a:spcPct val="90000"/>
-              </a:lnSpc>
-            </a:pPr>
-            <a:r>
-              <a:rPr lang="en-US" b="1" dirty="0">
-                <a:solidFill>
-                  <a:schemeClr val="bg1"/>
-                </a:solidFill>
-                <a:latin typeface="Calibri" panose="020F0502020204030204" pitchFamily="34" charset="0"/>
-                <a:cs typeface="Calibri" panose="020F0502020204030204" pitchFamily="34" charset="0"/>
-              </a:rPr>
-              <a:t>T2</a:t>
-            </a:r>
-          </a:p>
-        </p:txBody>
-      </p:sp>
-      <p:sp>
-        <p:nvSpPr>
-          <p:cNvPr id="105" name="Oval 104">
-            <a:extLst>
-              <a:ext uri="{FF2B5EF4-FFF2-40B4-BE49-F238E27FC236}">
-                <a16:creationId xmlns:a16="http://schemas.microsoft.com/office/drawing/2014/main" id="{6DB435EC-55BA-8D4F-ADF9-EBEF207CC2EC}"/>
-              </a:ext>
-            </a:extLst>
-          </p:cNvPr>
-          <p:cNvSpPr/>
-          <p:nvPr/>
-        </p:nvSpPr>
-        <p:spPr>
-          <a:xfrm>
-            <a:off x="2905710" y="4131704"/>
-            <a:ext cx="457200" cy="457200"/>
-          </a:xfrm>
-          <a:prstGeom prst="ellipse">
-            <a:avLst/>
-          </a:prstGeom>
-          <a:solidFill>
-            <a:schemeClr val="accent1">
-              <a:lumMod val="50000"/>
-            </a:schemeClr>
-          </a:solidFill>
-          <a:ln w="19050">
-            <a:noFill/>
-            <a:miter lim="800000"/>
-          </a:ln>
-          <a:effectLst/>
-          <a:scene3d>
-            <a:camera prst="orthographicFront">
-              <a:rot lat="0" lon="0" rev="0"/>
-            </a:camera>
-            <a:lightRig rig="threePt" dir="t">
-              <a:rot lat="0" lon="0" rev="1200000"/>
-            </a:lightRig>
-          </a:scene3d>
-          <a:sp3d/>
-        </p:spPr>
-        <p:style>
-          <a:lnRef idx="0">
-            <a:schemeClr val="accent1"/>
-          </a:lnRef>
-          <a:fillRef idx="3">
-            <a:schemeClr val="accent1"/>
-          </a:fillRef>
-          <a:effectRef idx="3">
-            <a:schemeClr val="accent1"/>
-          </a:effectRef>
-          <a:fontRef idx="minor">
-            <a:schemeClr val="lt1"/>
-          </a:fontRef>
-        </p:style>
-        <p:txBody>
-          <a:bodyPr rot="0" spcFirstLastPara="0" vertOverflow="overflow" horzOverflow="overflow" vert="horz" wrap="square" lIns="0" tIns="182880" rIns="0" bIns="182880" numCol="1" spcCol="0" rtlCol="0" fromWordArt="0" anchor="ctr" anchorCtr="0" forceAA="0" compatLnSpc="1">
-            <a:prstTxWarp prst="textNoShape">
-              <a:avLst/>
-            </a:prstTxWarp>
-            <a:noAutofit/>
-          </a:bodyPr>
-          <a:lstStyle/>
-          <a:p>
-            <a:pPr algn="ctr">
-              <a:lnSpc>
-                <a:spcPct val="90000"/>
-              </a:lnSpc>
-            </a:pPr>
-            <a:r>
-              <a:rPr lang="en-US" b="1" dirty="0">
-                <a:solidFill>
-                  <a:schemeClr val="bg1"/>
-                </a:solidFill>
-                <a:latin typeface="Calibri" panose="020F0502020204030204" pitchFamily="34" charset="0"/>
-                <a:cs typeface="Calibri" panose="020F0502020204030204" pitchFamily="34" charset="0"/>
-              </a:rPr>
-              <a:t>T3</a:t>
-            </a:r>
-          </a:p>
-        </p:txBody>
-      </p:sp>
-      <p:sp>
-        <p:nvSpPr>
-          <p:cNvPr id="106" name="Oval 105">
-            <a:extLst>
-              <a:ext uri="{FF2B5EF4-FFF2-40B4-BE49-F238E27FC236}">
-                <a16:creationId xmlns:a16="http://schemas.microsoft.com/office/drawing/2014/main" id="{514AC1E0-D047-4F4C-AC87-5BF349FBBE75}"/>
-              </a:ext>
-            </a:extLst>
-          </p:cNvPr>
-          <p:cNvSpPr/>
-          <p:nvPr/>
-        </p:nvSpPr>
-        <p:spPr>
-          <a:xfrm>
-            <a:off x="3559650" y="3771486"/>
-            <a:ext cx="457200" cy="457200"/>
-          </a:xfrm>
-          <a:prstGeom prst="ellipse">
-            <a:avLst/>
-          </a:prstGeom>
-          <a:solidFill>
-            <a:srgbClr val="FF0000"/>
-          </a:solidFill>
-          <a:ln w="19050">
-            <a:noFill/>
-            <a:miter lim="800000"/>
-          </a:ln>
-          <a:effectLst/>
-          <a:scene3d>
-            <a:camera prst="orthographicFront">
-              <a:rot lat="0" lon="0" rev="0"/>
-            </a:camera>
-            <a:lightRig rig="threePt" dir="t">
-              <a:rot lat="0" lon="0" rev="1200000"/>
-            </a:lightRig>
-          </a:scene3d>
-          <a:sp3d/>
-        </p:spPr>
-        <p:style>
-          <a:lnRef idx="0">
-            <a:schemeClr val="accent1"/>
-          </a:lnRef>
-          <a:fillRef idx="3">
-            <a:schemeClr val="accent1"/>
-          </a:fillRef>
-          <a:effectRef idx="3">
-            <a:schemeClr val="accent1"/>
-          </a:effectRef>
-          <a:fontRef idx="minor">
-            <a:schemeClr val="lt1"/>
-          </a:fontRef>
-        </p:style>
-        <p:txBody>
-          <a:bodyPr rot="0" spcFirstLastPara="0" vertOverflow="overflow" horzOverflow="overflow" vert="horz" wrap="square" lIns="0" tIns="182880" rIns="0" bIns="182880" numCol="1" spcCol="0" rtlCol="0" fromWordArt="0" anchor="ctr" anchorCtr="0" forceAA="0" compatLnSpc="1">
-            <a:prstTxWarp prst="textNoShape">
-              <a:avLst/>
-            </a:prstTxWarp>
-            <a:noAutofit/>
-          </a:bodyPr>
-          <a:lstStyle/>
-          <a:p>
-            <a:pPr algn="ctr">
-              <a:lnSpc>
-                <a:spcPct val="90000"/>
-              </a:lnSpc>
-            </a:pPr>
-            <a:r>
-              <a:rPr lang="en-US" b="1" dirty="0">
-                <a:solidFill>
-                  <a:schemeClr val="bg1"/>
-                </a:solidFill>
-                <a:latin typeface="Calibri" panose="020F0502020204030204" pitchFamily="34" charset="0"/>
-                <a:cs typeface="Calibri" panose="020F0502020204030204" pitchFamily="34" charset="0"/>
-              </a:rPr>
-              <a:t>T4</a:t>
-            </a:r>
-          </a:p>
-        </p:txBody>
-      </p:sp>
-      <p:cxnSp>
-        <p:nvCxnSpPr>
-          <p:cNvPr id="107" name="Straight Arrow Connector 106">
-            <a:extLst>
-              <a:ext uri="{FF2B5EF4-FFF2-40B4-BE49-F238E27FC236}">
-                <a16:creationId xmlns:a16="http://schemas.microsoft.com/office/drawing/2014/main" id="{8EABC00F-996B-FC47-9162-3B2108657872}"/>
-              </a:ext>
-            </a:extLst>
-          </p:cNvPr>
-          <p:cNvCxnSpPr>
-            <a:stCxn id="103" idx="7"/>
-            <a:endCxn id="104" idx="2"/>
-          </p:cNvCxnSpPr>
-          <p:nvPr/>
-        </p:nvCxnSpPr>
-        <p:spPr>
-          <a:xfrm flipV="1">
-            <a:off x="2642015" y="3674504"/>
-            <a:ext cx="263695" cy="163937"/>
-          </a:xfrm>
-          <a:prstGeom prst="straightConnector1">
-            <a:avLst/>
-          </a:prstGeom>
-          <a:ln w="38100">
-            <a:solidFill>
-              <a:schemeClr val="tx1"/>
-            </a:solidFill>
-            <a:miter lim="800000"/>
-            <a:tailEnd type="triangle"/>
-          </a:ln>
-        </p:spPr>
-        <p:style>
-          <a:lnRef idx="1">
-            <a:schemeClr val="accent1"/>
-          </a:lnRef>
-          <a:fillRef idx="0">
-            <a:schemeClr val="accent1"/>
-          </a:fillRef>
-          <a:effectRef idx="0">
-            <a:schemeClr val="accent1"/>
-          </a:effectRef>
-          <a:fontRef idx="minor">
-            <a:schemeClr val="tx1"/>
-          </a:fontRef>
-        </p:style>
-      </p:cxnSp>
-      <p:cxnSp>
-        <p:nvCxnSpPr>
-          <p:cNvPr id="108" name="Straight Arrow Connector 107">
-            <a:extLst>
-              <a:ext uri="{FF2B5EF4-FFF2-40B4-BE49-F238E27FC236}">
-                <a16:creationId xmlns:a16="http://schemas.microsoft.com/office/drawing/2014/main" id="{D62D94DD-6C1F-D546-9FDD-7AF286748B58}"/>
-              </a:ext>
-            </a:extLst>
-          </p:cNvPr>
-          <p:cNvCxnSpPr>
-            <a:cxnSpLocks/>
-            <a:stCxn id="104" idx="6"/>
-            <a:endCxn id="106" idx="1"/>
-          </p:cNvCxnSpPr>
-          <p:nvPr/>
-        </p:nvCxnSpPr>
-        <p:spPr>
-          <a:xfrm>
-            <a:off x="3362910" y="3674504"/>
-            <a:ext cx="263695" cy="163937"/>
-          </a:xfrm>
-          <a:prstGeom prst="straightConnector1">
-            <a:avLst/>
-          </a:prstGeom>
-          <a:ln w="38100">
-            <a:solidFill>
-              <a:schemeClr val="tx1"/>
-            </a:solidFill>
-            <a:miter lim="800000"/>
-            <a:tailEnd type="triangle"/>
-          </a:ln>
-        </p:spPr>
-        <p:style>
-          <a:lnRef idx="1">
-            <a:schemeClr val="accent1"/>
-          </a:lnRef>
-          <a:fillRef idx="0">
-            <a:schemeClr val="accent1"/>
-          </a:fillRef>
-          <a:effectRef idx="0">
-            <a:schemeClr val="accent1"/>
-          </a:effectRef>
-          <a:fontRef idx="minor">
-            <a:schemeClr val="tx1"/>
-          </a:fontRef>
-        </p:style>
-      </p:cxnSp>
-      <p:cxnSp>
-        <p:nvCxnSpPr>
-          <p:cNvPr id="109" name="Straight Arrow Connector 108">
-            <a:extLst>
-              <a:ext uri="{FF2B5EF4-FFF2-40B4-BE49-F238E27FC236}">
-                <a16:creationId xmlns:a16="http://schemas.microsoft.com/office/drawing/2014/main" id="{F7CE4CB7-090A-B24D-8C94-D6F9F65600A1}"/>
-              </a:ext>
-            </a:extLst>
-          </p:cNvPr>
-          <p:cNvCxnSpPr>
-            <a:cxnSpLocks/>
-            <a:stCxn id="105" idx="6"/>
-            <a:endCxn id="106" idx="3"/>
-          </p:cNvCxnSpPr>
-          <p:nvPr/>
-        </p:nvCxnSpPr>
-        <p:spPr>
-          <a:xfrm flipV="1">
-            <a:off x="3362910" y="4161731"/>
-            <a:ext cx="263695" cy="198573"/>
-          </a:xfrm>
-          <a:prstGeom prst="straightConnector1">
-            <a:avLst/>
-          </a:prstGeom>
-          <a:ln w="38100">
-            <a:solidFill>
-              <a:schemeClr val="tx1"/>
-            </a:solidFill>
-            <a:miter lim="800000"/>
-            <a:tailEnd type="triangle"/>
-          </a:ln>
-        </p:spPr>
-        <p:style>
-          <a:lnRef idx="1">
-            <a:schemeClr val="accent1"/>
-          </a:lnRef>
-          <a:fillRef idx="0">
-            <a:schemeClr val="accent1"/>
-          </a:fillRef>
-          <a:effectRef idx="0">
-            <a:schemeClr val="accent1"/>
-          </a:effectRef>
-          <a:fontRef idx="minor">
-            <a:schemeClr val="tx1"/>
-          </a:fontRef>
-        </p:style>
-      </p:cxnSp>
-      <p:cxnSp>
-        <p:nvCxnSpPr>
-          <p:cNvPr id="110" name="Straight Arrow Connector 109">
-            <a:extLst>
-              <a:ext uri="{FF2B5EF4-FFF2-40B4-BE49-F238E27FC236}">
-                <a16:creationId xmlns:a16="http://schemas.microsoft.com/office/drawing/2014/main" id="{CF7D5588-7258-7345-A8B0-350ABE108EF7}"/>
-              </a:ext>
-            </a:extLst>
-          </p:cNvPr>
-          <p:cNvCxnSpPr>
-            <a:cxnSpLocks/>
-            <a:stCxn id="103" idx="5"/>
-            <a:endCxn id="105" idx="2"/>
-          </p:cNvCxnSpPr>
-          <p:nvPr/>
-        </p:nvCxnSpPr>
-        <p:spPr>
-          <a:xfrm>
-            <a:off x="2642015" y="4161731"/>
-            <a:ext cx="263695" cy="198573"/>
-          </a:xfrm>
-          <a:prstGeom prst="straightConnector1">
-            <a:avLst/>
-          </a:prstGeom>
-          <a:ln w="38100">
-            <a:solidFill>
-              <a:schemeClr val="tx1"/>
-            </a:solidFill>
-            <a:miter lim="800000"/>
-            <a:tailEnd type="triangle"/>
-          </a:ln>
-        </p:spPr>
-        <p:style>
-          <a:lnRef idx="1">
-            <a:schemeClr val="accent1"/>
-          </a:lnRef>
-          <a:fillRef idx="0">
-            <a:schemeClr val="accent1"/>
-          </a:fillRef>
-          <a:effectRef idx="0">
-            <a:schemeClr val="accent1"/>
-          </a:effectRef>
-          <a:fontRef idx="minor">
-            <a:schemeClr val="tx1"/>
-          </a:fontRef>
-        </p:style>
-      </p:cxnSp>
-      <p:sp>
-        <p:nvSpPr>
-          <p:cNvPr id="112" name="Oval 111">
-            <a:extLst>
-              <a:ext uri="{FF2B5EF4-FFF2-40B4-BE49-F238E27FC236}">
-                <a16:creationId xmlns:a16="http://schemas.microsoft.com/office/drawing/2014/main" id="{C7826A76-2993-D245-A5BA-07EF79A64366}"/>
-              </a:ext>
-            </a:extLst>
-          </p:cNvPr>
-          <p:cNvSpPr/>
-          <p:nvPr/>
-        </p:nvSpPr>
-        <p:spPr>
-          <a:xfrm>
-            <a:off x="4044864" y="4421099"/>
-            <a:ext cx="457200" cy="457200"/>
-          </a:xfrm>
-          <a:prstGeom prst="ellipse">
-            <a:avLst/>
-          </a:prstGeom>
-          <a:solidFill>
-            <a:srgbClr val="FF0000"/>
-          </a:solidFill>
-          <a:ln w="19050">
-            <a:noFill/>
-            <a:miter lim="800000"/>
-          </a:ln>
-          <a:effectLst/>
-          <a:scene3d>
-            <a:camera prst="orthographicFront">
-              <a:rot lat="0" lon="0" rev="0"/>
-            </a:camera>
-            <a:lightRig rig="threePt" dir="t">
-              <a:rot lat="0" lon="0" rev="1200000"/>
-            </a:lightRig>
-          </a:scene3d>
-          <a:sp3d/>
-        </p:spPr>
-        <p:style>
-          <a:lnRef idx="0">
-            <a:schemeClr val="accent1"/>
-          </a:lnRef>
-          <a:fillRef idx="3">
-            <a:schemeClr val="accent1"/>
-          </a:fillRef>
-          <a:effectRef idx="3">
-            <a:schemeClr val="accent1"/>
-          </a:effectRef>
-          <a:fontRef idx="minor">
-            <a:schemeClr val="lt1"/>
-          </a:fontRef>
-        </p:style>
-        <p:txBody>
-          <a:bodyPr rot="0" spcFirstLastPara="0" vertOverflow="overflow" horzOverflow="overflow" vert="horz" wrap="square" lIns="0" tIns="182880" rIns="0" bIns="182880" numCol="1" spcCol="0" rtlCol="0" fromWordArt="0" anchor="ctr" anchorCtr="0" forceAA="0" compatLnSpc="1">
-            <a:prstTxWarp prst="textNoShape">
-              <a:avLst/>
-            </a:prstTxWarp>
-            <a:noAutofit/>
-          </a:bodyPr>
-          <a:lstStyle/>
-          <a:p>
-            <a:pPr algn="ctr">
-              <a:lnSpc>
-                <a:spcPct val="90000"/>
-              </a:lnSpc>
-            </a:pPr>
-            <a:r>
-              <a:rPr lang="en-US" b="1" dirty="0">
-                <a:solidFill>
-                  <a:schemeClr val="bg1"/>
-                </a:solidFill>
-                <a:latin typeface="Calibri" panose="020F0502020204030204" pitchFamily="34" charset="0"/>
-                <a:cs typeface="Calibri" panose="020F0502020204030204" pitchFamily="34" charset="0"/>
-              </a:rPr>
-              <a:t>T1</a:t>
-            </a:r>
-          </a:p>
-        </p:txBody>
-      </p:sp>
-      <p:sp>
-        <p:nvSpPr>
-          <p:cNvPr id="113" name="Oval 112">
-            <a:extLst>
-              <a:ext uri="{FF2B5EF4-FFF2-40B4-BE49-F238E27FC236}">
-                <a16:creationId xmlns:a16="http://schemas.microsoft.com/office/drawing/2014/main" id="{7A0843A5-8041-8A44-9D2E-4B0CBF029060}"/>
-              </a:ext>
-            </a:extLst>
-          </p:cNvPr>
-          <p:cNvSpPr/>
-          <p:nvPr/>
-        </p:nvSpPr>
-        <p:spPr>
-          <a:xfrm>
-            <a:off x="4698804" y="4095517"/>
-            <a:ext cx="457200" cy="457200"/>
-          </a:xfrm>
-          <a:prstGeom prst="ellipse">
-            <a:avLst/>
-          </a:prstGeom>
-          <a:solidFill>
-            <a:schemeClr val="accent6">
-              <a:lumMod val="75000"/>
-            </a:schemeClr>
-          </a:solidFill>
-          <a:ln w="19050">
-            <a:noFill/>
-            <a:miter lim="800000"/>
-          </a:ln>
-          <a:effectLst/>
-          <a:scene3d>
-            <a:camera prst="orthographicFront">
-              <a:rot lat="0" lon="0" rev="0"/>
-            </a:camera>
-            <a:lightRig rig="threePt" dir="t">
-              <a:rot lat="0" lon="0" rev="1200000"/>
-            </a:lightRig>
-          </a:scene3d>
-          <a:sp3d/>
-        </p:spPr>
-        <p:style>
-          <a:lnRef idx="0">
-            <a:schemeClr val="accent1"/>
-          </a:lnRef>
-          <a:fillRef idx="3">
-            <a:schemeClr val="accent1"/>
-          </a:fillRef>
-          <a:effectRef idx="3">
-            <a:schemeClr val="accent1"/>
-          </a:effectRef>
-          <a:fontRef idx="minor">
-            <a:schemeClr val="lt1"/>
-          </a:fontRef>
-        </p:style>
-        <p:txBody>
-          <a:bodyPr rot="0" spcFirstLastPara="0" vertOverflow="overflow" horzOverflow="overflow" vert="horz" wrap="square" lIns="0" tIns="182880" rIns="0" bIns="182880" numCol="1" spcCol="0" rtlCol="0" fromWordArt="0" anchor="ctr" anchorCtr="0" forceAA="0" compatLnSpc="1">
-            <a:prstTxWarp prst="textNoShape">
-              <a:avLst/>
-            </a:prstTxWarp>
-            <a:noAutofit/>
-          </a:bodyPr>
-          <a:lstStyle/>
-          <a:p>
-            <a:pPr algn="ctr">
-              <a:lnSpc>
-                <a:spcPct val="90000"/>
-              </a:lnSpc>
-            </a:pPr>
-            <a:r>
-              <a:rPr lang="en-US" b="1" dirty="0">
-                <a:solidFill>
-                  <a:schemeClr val="bg1"/>
-                </a:solidFill>
-                <a:latin typeface="Calibri" panose="020F0502020204030204" pitchFamily="34" charset="0"/>
-                <a:cs typeface="Calibri" panose="020F0502020204030204" pitchFamily="34" charset="0"/>
-              </a:rPr>
-              <a:t>T2</a:t>
-            </a:r>
-          </a:p>
-        </p:txBody>
-      </p:sp>
-      <p:sp>
-        <p:nvSpPr>
-          <p:cNvPr id="114" name="Oval 113">
-            <a:extLst>
-              <a:ext uri="{FF2B5EF4-FFF2-40B4-BE49-F238E27FC236}">
-                <a16:creationId xmlns:a16="http://schemas.microsoft.com/office/drawing/2014/main" id="{28308CC4-B70F-0A41-98E6-2739560194A2}"/>
-              </a:ext>
-            </a:extLst>
-          </p:cNvPr>
-          <p:cNvSpPr/>
-          <p:nvPr/>
-        </p:nvSpPr>
-        <p:spPr>
-          <a:xfrm>
-            <a:off x="4698804" y="4781317"/>
-            <a:ext cx="457200" cy="457200"/>
-          </a:xfrm>
-          <a:prstGeom prst="ellipse">
-            <a:avLst/>
-          </a:prstGeom>
-          <a:solidFill>
-            <a:srgbClr val="FF0000"/>
-          </a:solidFill>
-          <a:ln w="19050">
-            <a:noFill/>
-            <a:miter lim="800000"/>
-          </a:ln>
-          <a:effectLst/>
-          <a:scene3d>
-            <a:camera prst="orthographicFront">
-              <a:rot lat="0" lon="0" rev="0"/>
-            </a:camera>
-            <a:lightRig rig="threePt" dir="t">
-              <a:rot lat="0" lon="0" rev="1200000"/>
-            </a:lightRig>
-          </a:scene3d>
-          <a:sp3d/>
-        </p:spPr>
-        <p:style>
-          <a:lnRef idx="0">
-            <a:schemeClr val="accent1"/>
-          </a:lnRef>
-          <a:fillRef idx="3">
-            <a:schemeClr val="accent1"/>
-          </a:fillRef>
-          <a:effectRef idx="3">
-            <a:schemeClr val="accent1"/>
-          </a:effectRef>
-          <a:fontRef idx="minor">
-            <a:schemeClr val="lt1"/>
-          </a:fontRef>
-        </p:style>
-        <p:txBody>
-          <a:bodyPr rot="0" spcFirstLastPara="0" vertOverflow="overflow" horzOverflow="overflow" vert="horz" wrap="square" lIns="0" tIns="182880" rIns="0" bIns="182880" numCol="1" spcCol="0" rtlCol="0" fromWordArt="0" anchor="ctr" anchorCtr="0" forceAA="0" compatLnSpc="1">
-            <a:prstTxWarp prst="textNoShape">
-              <a:avLst/>
-            </a:prstTxWarp>
-            <a:noAutofit/>
-          </a:bodyPr>
-          <a:lstStyle/>
-          <a:p>
-            <a:pPr algn="ctr">
-              <a:lnSpc>
-                <a:spcPct val="90000"/>
-              </a:lnSpc>
-            </a:pPr>
-            <a:r>
-              <a:rPr lang="en-US" b="1" dirty="0">
-                <a:solidFill>
-                  <a:schemeClr val="bg1"/>
-                </a:solidFill>
-                <a:latin typeface="Calibri" panose="020F0502020204030204" pitchFamily="34" charset="0"/>
-                <a:cs typeface="Calibri" panose="020F0502020204030204" pitchFamily="34" charset="0"/>
-              </a:rPr>
-              <a:t>T3</a:t>
-            </a:r>
-          </a:p>
-        </p:txBody>
-      </p:sp>
-      <p:sp>
-        <p:nvSpPr>
-          <p:cNvPr id="115" name="Oval 114">
-            <a:extLst>
-              <a:ext uri="{FF2B5EF4-FFF2-40B4-BE49-F238E27FC236}">
-                <a16:creationId xmlns:a16="http://schemas.microsoft.com/office/drawing/2014/main" id="{14F2A13C-324B-D644-9EBD-44DCF1F23C23}"/>
-              </a:ext>
-            </a:extLst>
-          </p:cNvPr>
-          <p:cNvSpPr/>
-          <p:nvPr/>
-        </p:nvSpPr>
-        <p:spPr>
-          <a:xfrm>
-            <a:off x="5352744" y="4421099"/>
-            <a:ext cx="457200" cy="457200"/>
-          </a:xfrm>
-          <a:prstGeom prst="ellipse">
-            <a:avLst/>
-          </a:prstGeom>
-          <a:solidFill>
-            <a:schemeClr val="accent6">
-              <a:lumMod val="75000"/>
-            </a:schemeClr>
-          </a:solidFill>
-          <a:ln w="19050">
-            <a:noFill/>
-            <a:miter lim="800000"/>
-          </a:ln>
-          <a:effectLst/>
-          <a:scene3d>
-            <a:camera prst="orthographicFront">
-              <a:rot lat="0" lon="0" rev="0"/>
-            </a:camera>
-            <a:lightRig rig="threePt" dir="t">
-              <a:rot lat="0" lon="0" rev="1200000"/>
-            </a:lightRig>
-          </a:scene3d>
-          <a:sp3d/>
-        </p:spPr>
-        <p:style>
-          <a:lnRef idx="0">
-            <a:schemeClr val="accent1"/>
-          </a:lnRef>
-          <a:fillRef idx="3">
-            <a:schemeClr val="accent1"/>
-          </a:fillRef>
-          <a:effectRef idx="3">
-            <a:schemeClr val="accent1"/>
-          </a:effectRef>
-          <a:fontRef idx="minor">
-            <a:schemeClr val="lt1"/>
-          </a:fontRef>
-        </p:style>
-        <p:txBody>
-          <a:bodyPr rot="0" spcFirstLastPara="0" vertOverflow="overflow" horzOverflow="overflow" vert="horz" wrap="square" lIns="0" tIns="182880" rIns="0" bIns="182880" numCol="1" spcCol="0" rtlCol="0" fromWordArt="0" anchor="ctr" anchorCtr="0" forceAA="0" compatLnSpc="1">
-            <a:prstTxWarp prst="textNoShape">
-              <a:avLst/>
-            </a:prstTxWarp>
-            <a:noAutofit/>
-          </a:bodyPr>
-          <a:lstStyle/>
-          <a:p>
-            <a:pPr algn="ctr">
-              <a:lnSpc>
-                <a:spcPct val="90000"/>
-              </a:lnSpc>
-            </a:pPr>
-            <a:r>
-              <a:rPr lang="en-US" b="1" dirty="0">
-                <a:solidFill>
-                  <a:schemeClr val="bg1"/>
-                </a:solidFill>
-                <a:latin typeface="Calibri" panose="020F0502020204030204" pitchFamily="34" charset="0"/>
-                <a:cs typeface="Calibri" panose="020F0502020204030204" pitchFamily="34" charset="0"/>
-              </a:rPr>
-              <a:t>T4</a:t>
-            </a:r>
-          </a:p>
-        </p:txBody>
-      </p:sp>
-      <p:cxnSp>
-        <p:nvCxnSpPr>
-          <p:cNvPr id="116" name="Straight Arrow Connector 115">
-            <a:extLst>
-              <a:ext uri="{FF2B5EF4-FFF2-40B4-BE49-F238E27FC236}">
-                <a16:creationId xmlns:a16="http://schemas.microsoft.com/office/drawing/2014/main" id="{F24880EE-EFED-6545-A49A-A3A3DC8063D8}"/>
-              </a:ext>
-            </a:extLst>
-          </p:cNvPr>
-          <p:cNvCxnSpPr>
-            <a:stCxn id="112" idx="7"/>
-            <a:endCxn id="113" idx="2"/>
-          </p:cNvCxnSpPr>
-          <p:nvPr/>
-        </p:nvCxnSpPr>
-        <p:spPr>
-          <a:xfrm flipV="1">
-            <a:off x="4435109" y="4324117"/>
-            <a:ext cx="263695" cy="163937"/>
-          </a:xfrm>
-          <a:prstGeom prst="straightConnector1">
-            <a:avLst/>
-          </a:prstGeom>
-          <a:ln w="38100">
-            <a:solidFill>
-              <a:schemeClr val="tx1"/>
-            </a:solidFill>
-            <a:miter lim="800000"/>
-            <a:tailEnd type="triangle"/>
-          </a:ln>
-        </p:spPr>
-        <p:style>
-          <a:lnRef idx="1">
-            <a:schemeClr val="accent1"/>
-          </a:lnRef>
-          <a:fillRef idx="0">
-            <a:schemeClr val="accent1"/>
-          </a:fillRef>
-          <a:effectRef idx="0">
-            <a:schemeClr val="accent1"/>
-          </a:effectRef>
-          <a:fontRef idx="minor">
-            <a:schemeClr val="tx1"/>
-          </a:fontRef>
-        </p:style>
-      </p:cxnSp>
-      <p:cxnSp>
-        <p:nvCxnSpPr>
-          <p:cNvPr id="117" name="Straight Arrow Connector 116">
-            <a:extLst>
-              <a:ext uri="{FF2B5EF4-FFF2-40B4-BE49-F238E27FC236}">
-                <a16:creationId xmlns:a16="http://schemas.microsoft.com/office/drawing/2014/main" id="{2329455D-8532-A649-B8E2-A9DCB3E45A48}"/>
-              </a:ext>
-            </a:extLst>
-          </p:cNvPr>
-          <p:cNvCxnSpPr>
-            <a:cxnSpLocks/>
-            <a:stCxn id="113" idx="6"/>
-            <a:endCxn id="115" idx="1"/>
-          </p:cNvCxnSpPr>
-          <p:nvPr/>
-        </p:nvCxnSpPr>
-        <p:spPr>
-          <a:xfrm>
-            <a:off x="5156004" y="4324117"/>
-            <a:ext cx="263695" cy="163937"/>
-          </a:xfrm>
-          <a:prstGeom prst="straightConnector1">
-            <a:avLst/>
-          </a:prstGeom>
-          <a:ln w="38100">
-            <a:solidFill>
-              <a:schemeClr val="tx1"/>
-            </a:solidFill>
-            <a:miter lim="800000"/>
-            <a:tailEnd type="triangle"/>
-          </a:ln>
-        </p:spPr>
-        <p:style>
-          <a:lnRef idx="1">
-            <a:schemeClr val="accent1"/>
-          </a:lnRef>
-          <a:fillRef idx="0">
-            <a:schemeClr val="accent1"/>
-          </a:fillRef>
-          <a:effectRef idx="0">
-            <a:schemeClr val="accent1"/>
-          </a:effectRef>
-          <a:fontRef idx="minor">
-            <a:schemeClr val="tx1"/>
-          </a:fontRef>
-        </p:style>
-      </p:cxnSp>
-      <p:cxnSp>
-        <p:nvCxnSpPr>
-          <p:cNvPr id="118" name="Straight Arrow Connector 117">
-            <a:extLst>
-              <a:ext uri="{FF2B5EF4-FFF2-40B4-BE49-F238E27FC236}">
-                <a16:creationId xmlns:a16="http://schemas.microsoft.com/office/drawing/2014/main" id="{3F1ACD32-DEA8-714B-9FDB-515434581E2B}"/>
-              </a:ext>
-            </a:extLst>
-          </p:cNvPr>
-          <p:cNvCxnSpPr>
-            <a:cxnSpLocks/>
-            <a:stCxn id="114" idx="6"/>
-            <a:endCxn id="115" idx="3"/>
-          </p:cNvCxnSpPr>
-          <p:nvPr/>
-        </p:nvCxnSpPr>
-        <p:spPr>
-          <a:xfrm flipV="1">
-            <a:off x="5156004" y="4811344"/>
-            <a:ext cx="263695" cy="198573"/>
-          </a:xfrm>
-          <a:prstGeom prst="straightConnector1">
-            <a:avLst/>
-          </a:prstGeom>
-          <a:ln w="38100">
-            <a:solidFill>
-              <a:schemeClr val="tx1"/>
-            </a:solidFill>
-            <a:miter lim="800000"/>
-            <a:tailEnd type="triangle"/>
-          </a:ln>
-        </p:spPr>
-        <p:style>
-          <a:lnRef idx="1">
-            <a:schemeClr val="accent1"/>
-          </a:lnRef>
-          <a:fillRef idx="0">
-            <a:schemeClr val="accent1"/>
-          </a:fillRef>
-          <a:effectRef idx="0">
-            <a:schemeClr val="accent1"/>
-          </a:effectRef>
-          <a:fontRef idx="minor">
-            <a:schemeClr val="tx1"/>
-          </a:fontRef>
-        </p:style>
-      </p:cxnSp>
-      <p:cxnSp>
-        <p:nvCxnSpPr>
-          <p:cNvPr id="119" name="Straight Arrow Connector 118">
-            <a:extLst>
-              <a:ext uri="{FF2B5EF4-FFF2-40B4-BE49-F238E27FC236}">
-                <a16:creationId xmlns:a16="http://schemas.microsoft.com/office/drawing/2014/main" id="{B7F96E87-13FE-CE4B-976B-CFADF093B77E}"/>
-              </a:ext>
-            </a:extLst>
-          </p:cNvPr>
-          <p:cNvCxnSpPr>
-            <a:cxnSpLocks/>
-            <a:stCxn id="112" idx="5"/>
-            <a:endCxn id="114" idx="2"/>
-          </p:cNvCxnSpPr>
-          <p:nvPr/>
-        </p:nvCxnSpPr>
-        <p:spPr>
-          <a:xfrm>
-            <a:off x="4435109" y="4811344"/>
-            <a:ext cx="263695" cy="198573"/>
-          </a:xfrm>
-          <a:prstGeom prst="straightConnector1">
-            <a:avLst/>
-          </a:prstGeom>
-          <a:ln w="38100">
-            <a:solidFill>
-              <a:schemeClr val="tx1"/>
-            </a:solidFill>
-            <a:miter lim="800000"/>
-            <a:tailEnd type="triangle"/>
-          </a:ln>
-        </p:spPr>
-        <p:style>
-          <a:lnRef idx="1">
-            <a:schemeClr val="accent1"/>
-          </a:lnRef>
-          <a:fillRef idx="0">
-            <a:schemeClr val="accent1"/>
-          </a:fillRef>
-          <a:effectRef idx="0">
-            <a:schemeClr val="accent1"/>
-          </a:effectRef>
-          <a:fontRef idx="minor">
-            <a:schemeClr val="tx1"/>
-          </a:fontRef>
-        </p:style>
-      </p:cxnSp>
+            </a:fontRef>
+          </p:style>
+        </p:cxnSp>
+      </p:grpSp>
       <p:sp>
         <p:nvSpPr>
           <p:cNvPr id="120" name="TextBox 119">
@@ -43438,12 +43543,9 @@
 </file>
 
 <file path=customXml/item1.xml><?xml version="1.0" encoding="utf-8"?>
-<?mso-contentType ?>
-<FormTemplates xmlns="http://schemas.microsoft.com/sharepoint/v3/contenttype/forms">
-  <Display>DocumentLibraryForm</Display>
-  <Edit>DocumentLibraryForm</Edit>
-  <New>DocumentLibraryForm</New>
-</FormTemplates>
+<p:properties xmlns:p="http://schemas.microsoft.com/office/2006/metadata/properties" xmlns:xsi="http://www.w3.org/2001/XMLSchema-instance" xmlns:pc="http://schemas.microsoft.com/office/infopath/2007/PartnerControls">
+  <documentManagement/>
+</p:properties>
 </file>
 
 <file path=customXml/item2.xml><?xml version="1.0" encoding="utf-8"?>
@@ -43593,15 +43695,25 @@
 </file>
 
 <file path=customXml/item3.xml><?xml version="1.0" encoding="utf-8"?>
-<p:properties xmlns:p="http://schemas.microsoft.com/office/2006/metadata/properties" xmlns:xsi="http://www.w3.org/2001/XMLSchema-instance" xmlns:pc="http://schemas.microsoft.com/office/infopath/2007/PartnerControls">
-  <documentManagement/>
-</p:properties>
+<?mso-contentType ?>
+<FormTemplates xmlns="http://schemas.microsoft.com/sharepoint/v3/contenttype/forms">
+  <Display>DocumentLibraryForm</Display>
+  <Edit>DocumentLibraryForm</Edit>
+  <New>DocumentLibraryForm</New>
+</FormTemplates>
 </file>
 
 <file path=customXml/itemProps1.xml><?xml version="1.0" encoding="utf-8"?>
-<ds:datastoreItem xmlns:ds="http://schemas.openxmlformats.org/officeDocument/2006/customXml" ds:itemID="{814FB6BD-000C-41AF-9DE8-4264F777F37F}">
+<ds:datastoreItem xmlns:ds="http://schemas.openxmlformats.org/officeDocument/2006/customXml" ds:itemID="{5BA20C22-D077-412B-81BA-8B2541026FAD}">
   <ds:schemaRefs>
-    <ds:schemaRef ds:uri="http://schemas.microsoft.com/sharepoint/v3/contenttype/forms"/>
+    <ds:schemaRef ds:uri="http://schemas.openxmlformats.org/package/2006/metadata/core-properties"/>
+    <ds:schemaRef ds:uri="http://schemas.microsoft.com/office/2006/documentManagement/types"/>
+    <ds:schemaRef ds:uri="http://www.w3.org/XML/1998/namespace"/>
+    <ds:schemaRef ds:uri="http://purl.org/dc/elements/1.1/"/>
+    <ds:schemaRef ds:uri="http://schemas.microsoft.com/office/2006/metadata/properties"/>
+    <ds:schemaRef ds:uri="http://purl.org/dc/terms/"/>
+    <ds:schemaRef ds:uri="http://schemas.microsoft.com/office/infopath/2007/PartnerControls"/>
+    <ds:schemaRef ds:uri="http://purl.org/dc/dcmitype/"/>
   </ds:schemaRefs>
 </ds:datastoreItem>
 </file>
@@ -43625,16 +43737,9 @@
 </file>
 
 <file path=customXml/itemProps3.xml><?xml version="1.0" encoding="utf-8"?>
-<ds:datastoreItem xmlns:ds="http://schemas.openxmlformats.org/officeDocument/2006/customXml" ds:itemID="{5BA20C22-D077-412B-81BA-8B2541026FAD}">
+<ds:datastoreItem xmlns:ds="http://schemas.openxmlformats.org/officeDocument/2006/customXml" ds:itemID="{814FB6BD-000C-41AF-9DE8-4264F777F37F}">
   <ds:schemaRefs>
-    <ds:schemaRef ds:uri="http://schemas.openxmlformats.org/package/2006/metadata/core-properties"/>
-    <ds:schemaRef ds:uri="http://schemas.microsoft.com/office/2006/documentManagement/types"/>
-    <ds:schemaRef ds:uri="http://www.w3.org/XML/1998/namespace"/>
-    <ds:schemaRef ds:uri="http://purl.org/dc/elements/1.1/"/>
-    <ds:schemaRef ds:uri="http://schemas.microsoft.com/office/2006/metadata/properties"/>
-    <ds:schemaRef ds:uri="http://purl.org/dc/terms/"/>
-    <ds:schemaRef ds:uri="http://schemas.microsoft.com/office/infopath/2007/PartnerControls"/>
-    <ds:schemaRef ds:uri="http://purl.org/dc/dcmitype/"/>
+    <ds:schemaRef ds:uri="http://schemas.microsoft.com/sharepoint/v3/contenttype/forms"/>
   </ds:schemaRefs>
 </ds:datastoreItem>
 </file>